--- a/conf tuebingen 2020-06/steward_figure.pptx
+++ b/conf tuebingen 2020-06/steward_figure.pptx
@@ -5,18 +5,23 @@
     <p:sldMasterId id="2147483648" r:id="rId1"/>
   </p:sldMasterIdLst>
   <p:notesMasterIdLst>
-    <p:notesMasterId r:id="rId8"/>
+    <p:notesMasterId r:id="rId13"/>
   </p:notesMasterIdLst>
   <p:handoutMasterIdLst>
-    <p:handoutMasterId r:id="rId9"/>
+    <p:handoutMasterId r:id="rId14"/>
   </p:handoutMasterIdLst>
   <p:sldIdLst>
-    <p:sldId id="317" r:id="rId2"/>
-    <p:sldId id="323" r:id="rId3"/>
-    <p:sldId id="319" r:id="rId4"/>
-    <p:sldId id="320" r:id="rId5"/>
+    <p:sldId id="323" r:id="rId2"/>
+    <p:sldId id="325" r:id="rId3"/>
+    <p:sldId id="326" r:id="rId4"/>
+    <p:sldId id="327" r:id="rId5"/>
     <p:sldId id="322" r:id="rId6"/>
-    <p:sldId id="324" r:id="rId7"/>
+    <p:sldId id="331" r:id="rId7"/>
+    <p:sldId id="329" r:id="rId8"/>
+    <p:sldId id="332" r:id="rId9"/>
+    <p:sldId id="328" r:id="rId10"/>
+    <p:sldId id="324" r:id="rId11"/>
+    <p:sldId id="317" r:id="rId12"/>
   </p:sldIdLst>
   <p:sldSz cx="9144000" cy="6858000" type="screen4x3"/>
   <p:notesSz cx="6858000" cy="9144000"/>
@@ -228,7 +233,7 @@
           <a:p>
             <a:fld id="{92974F8B-3F16-FF4B-BE74-3A9AC4E40864}" type="datetimeFigureOut">
               <a:rPr lang="en-US" smtClean="0"/>
-              <a:t>6/8/20</a:t>
+              <a:t>6/11/20</a:t>
             </a:fld>
             <a:endParaRPr lang="en-US"/>
           </a:p>
@@ -405,7 +410,7 @@
           <a:p>
             <a:fld id="{83DF888A-E6CB-DE44-BAE3-969E927642AA}" type="datetimeFigureOut">
               <a:rPr lang="en-US" smtClean="0"/>
-              <a:t>6/8/20</a:t>
+              <a:t>6/11/20</a:t>
             </a:fld>
             <a:endParaRPr lang="en-US"/>
           </a:p>
@@ -763,6 +768,208 @@
     </p:spTree>
     <p:extLst>
       <p:ext uri="{BB962C8B-B14F-4D97-AF65-F5344CB8AC3E}">
+        <p14:creationId xmlns:p14="http://schemas.microsoft.com/office/powerpoint/2010/main" val="1306686314"/>
+      </p:ext>
+    </p:extLst>
+  </p:cSld>
+  <p:clrMapOvr>
+    <a:masterClrMapping/>
+  </p:clrMapOvr>
+</p:notes>
+</file>
+
+<file path=ppt/notesSlides/notesSlide10.xml><?xml version="1.0" encoding="utf-8"?>
+<p:notes xmlns:a="http://schemas.openxmlformats.org/drawingml/2006/main" xmlns:r="http://schemas.openxmlformats.org/officeDocument/2006/relationships" xmlns:p="http://schemas.openxmlformats.org/presentationml/2006/main">
+  <p:cSld>
+    <p:spTree>
+      <p:nvGrpSpPr>
+        <p:cNvPr id="1" name=""/>
+        <p:cNvGrpSpPr/>
+        <p:nvPr/>
+      </p:nvGrpSpPr>
+      <p:grpSpPr>
+        <a:xfrm>
+          <a:off x="0" y="0"/>
+          <a:ext cx="0" cy="0"/>
+          <a:chOff x="0" y="0"/>
+          <a:chExt cx="0" cy="0"/>
+        </a:xfrm>
+      </p:grpSpPr>
+      <p:sp>
+        <p:nvSpPr>
+          <p:cNvPr id="2" name="Slide Image Placeholder 1"/>
+          <p:cNvSpPr>
+            <a:spLocks noGrp="1" noRot="1" noChangeAspect="1"/>
+          </p:cNvSpPr>
+          <p:nvPr>
+            <p:ph type="sldImg"/>
+          </p:nvPr>
+        </p:nvSpPr>
+        <p:spPr/>
+      </p:sp>
+      <p:sp>
+        <p:nvSpPr>
+          <p:cNvPr id="3" name="Notes Placeholder 2"/>
+          <p:cNvSpPr>
+            <a:spLocks noGrp="1"/>
+          </p:cNvSpPr>
+          <p:nvPr>
+            <p:ph type="body" idx="1"/>
+          </p:nvPr>
+        </p:nvSpPr>
+        <p:spPr/>
+        <p:txBody>
+          <a:bodyPr/>
+          <a:lstStyle/>
+          <a:p>
+            <a:pPr marL="0" marR="0" lvl="0" indent="0" algn="l" defTabSz="914400" rtl="0" eaLnBrk="1" fontAlgn="auto" latinLnBrk="0" hangingPunct="1">
+              <a:lnSpc>
+                <a:spcPct val="100000"/>
+              </a:lnSpc>
+              <a:spcBef>
+                <a:spcPts val="0"/>
+              </a:spcBef>
+              <a:spcAft>
+                <a:spcPts val="0"/>
+              </a:spcAft>
+              <a:buClrTx/>
+              <a:buSzTx/>
+              <a:buFontTx/>
+              <a:buNone/>
+              <a:tabLst/>
+              <a:defRPr/>
+            </a:pPr>
+            <a:endParaRPr lang="en-US" dirty="0"/>
+          </a:p>
+        </p:txBody>
+      </p:sp>
+      <p:sp>
+        <p:nvSpPr>
+          <p:cNvPr id="4" name="Slide Number Placeholder 3"/>
+          <p:cNvSpPr>
+            <a:spLocks noGrp="1"/>
+          </p:cNvSpPr>
+          <p:nvPr>
+            <p:ph type="sldNum" sz="quarter" idx="5"/>
+          </p:nvPr>
+        </p:nvSpPr>
+        <p:spPr/>
+        <p:txBody>
+          <a:bodyPr/>
+          <a:lstStyle/>
+          <a:p>
+            <a:fld id="{BD32E346-FAE4-4949-876E-0E186A20A035}" type="slidenum">
+              <a:rPr lang="en-US" smtClean="0"/>
+              <a:t>10</a:t>
+            </a:fld>
+            <a:endParaRPr lang="en-US"/>
+          </a:p>
+        </p:txBody>
+      </p:sp>
+    </p:spTree>
+    <p:extLst>
+      <p:ext uri="{BB962C8B-B14F-4D97-AF65-F5344CB8AC3E}">
+        <p14:creationId xmlns:p14="http://schemas.microsoft.com/office/powerpoint/2010/main" val="1897827954"/>
+      </p:ext>
+    </p:extLst>
+  </p:cSld>
+  <p:clrMapOvr>
+    <a:masterClrMapping/>
+  </p:clrMapOvr>
+</p:notes>
+</file>
+
+<file path=ppt/notesSlides/notesSlide11.xml><?xml version="1.0" encoding="utf-8"?>
+<p:notes xmlns:a="http://schemas.openxmlformats.org/drawingml/2006/main" xmlns:r="http://schemas.openxmlformats.org/officeDocument/2006/relationships" xmlns:p="http://schemas.openxmlformats.org/presentationml/2006/main">
+  <p:cSld>
+    <p:spTree>
+      <p:nvGrpSpPr>
+        <p:cNvPr id="1" name=""/>
+        <p:cNvGrpSpPr/>
+        <p:nvPr/>
+      </p:nvGrpSpPr>
+      <p:grpSpPr>
+        <a:xfrm>
+          <a:off x="0" y="0"/>
+          <a:ext cx="0" cy="0"/>
+          <a:chOff x="0" y="0"/>
+          <a:chExt cx="0" cy="0"/>
+        </a:xfrm>
+      </p:grpSpPr>
+      <p:sp>
+        <p:nvSpPr>
+          <p:cNvPr id="2" name="Slide Image Placeholder 1"/>
+          <p:cNvSpPr>
+            <a:spLocks noGrp="1" noRot="1" noChangeAspect="1"/>
+          </p:cNvSpPr>
+          <p:nvPr>
+            <p:ph type="sldImg"/>
+          </p:nvPr>
+        </p:nvSpPr>
+        <p:spPr/>
+      </p:sp>
+      <p:sp>
+        <p:nvSpPr>
+          <p:cNvPr id="3" name="Notes Placeholder 2"/>
+          <p:cNvSpPr>
+            <a:spLocks noGrp="1"/>
+          </p:cNvSpPr>
+          <p:nvPr>
+            <p:ph type="body" idx="1"/>
+          </p:nvPr>
+        </p:nvSpPr>
+        <p:spPr/>
+        <p:txBody>
+          <a:bodyPr/>
+          <a:lstStyle/>
+          <a:p>
+            <a:pPr marL="0" marR="0" lvl="0" indent="0" algn="l" defTabSz="914400" rtl="0" eaLnBrk="1" fontAlgn="auto" latinLnBrk="0" hangingPunct="1">
+              <a:lnSpc>
+                <a:spcPct val="100000"/>
+              </a:lnSpc>
+              <a:spcBef>
+                <a:spcPts val="0"/>
+              </a:spcBef>
+              <a:spcAft>
+                <a:spcPts val="0"/>
+              </a:spcAft>
+              <a:buClrTx/>
+              <a:buSzTx/>
+              <a:buFontTx/>
+              <a:buNone/>
+              <a:tabLst/>
+              <a:defRPr/>
+            </a:pPr>
+            <a:endParaRPr lang="en-US" dirty="0"/>
+          </a:p>
+        </p:txBody>
+      </p:sp>
+      <p:sp>
+        <p:nvSpPr>
+          <p:cNvPr id="4" name="Slide Number Placeholder 3"/>
+          <p:cNvSpPr>
+            <a:spLocks noGrp="1"/>
+          </p:cNvSpPr>
+          <p:nvPr>
+            <p:ph type="sldNum" sz="quarter" idx="5"/>
+          </p:nvPr>
+        </p:nvSpPr>
+        <p:spPr/>
+        <p:txBody>
+          <a:bodyPr/>
+          <a:lstStyle/>
+          <a:p>
+            <a:fld id="{BD32E346-FAE4-4949-876E-0E186A20A035}" type="slidenum">
+              <a:rPr lang="en-US" smtClean="0"/>
+              <a:t>11</a:t>
+            </a:fld>
+            <a:endParaRPr lang="en-US"/>
+          </a:p>
+        </p:txBody>
+      </p:sp>
+    </p:spTree>
+    <p:extLst>
+      <p:ext uri="{BB962C8B-B14F-4D97-AF65-F5344CB8AC3E}">
         <p14:creationId xmlns:p14="http://schemas.microsoft.com/office/powerpoint/2010/main" val="2641471788"/>
       </p:ext>
     </p:extLst>
@@ -864,7 +1071,7 @@
     </p:spTree>
     <p:extLst>
       <p:ext uri="{BB962C8B-B14F-4D97-AF65-F5344CB8AC3E}">
-        <p14:creationId xmlns:p14="http://schemas.microsoft.com/office/powerpoint/2010/main" val="1306686314"/>
+        <p14:creationId xmlns:p14="http://schemas.microsoft.com/office/powerpoint/2010/main" val="3002721204"/>
       </p:ext>
     </p:extLst>
   </p:cSld>
@@ -965,7 +1172,7 @@
     </p:spTree>
     <p:extLst>
       <p:ext uri="{BB962C8B-B14F-4D97-AF65-F5344CB8AC3E}">
-        <p14:creationId xmlns:p14="http://schemas.microsoft.com/office/powerpoint/2010/main" val="3906974587"/>
+        <p14:creationId xmlns:p14="http://schemas.microsoft.com/office/powerpoint/2010/main" val="574035467"/>
       </p:ext>
     </p:extLst>
   </p:cSld>
@@ -1066,7 +1273,7 @@
     </p:spTree>
     <p:extLst>
       <p:ext uri="{BB962C8B-B14F-4D97-AF65-F5344CB8AC3E}">
-        <p14:creationId xmlns:p14="http://schemas.microsoft.com/office/powerpoint/2010/main" val="3597980001"/>
+        <p14:creationId xmlns:p14="http://schemas.microsoft.com/office/powerpoint/2010/main" val="1873617412"/>
       </p:ext>
     </p:extLst>
   </p:cSld>
@@ -1268,7 +1475,310 @@
     </p:spTree>
     <p:extLst>
       <p:ext uri="{BB962C8B-B14F-4D97-AF65-F5344CB8AC3E}">
-        <p14:creationId xmlns:p14="http://schemas.microsoft.com/office/powerpoint/2010/main" val="1897827954"/>
+        <p14:creationId xmlns:p14="http://schemas.microsoft.com/office/powerpoint/2010/main" val="2723880662"/>
+      </p:ext>
+    </p:extLst>
+  </p:cSld>
+  <p:clrMapOvr>
+    <a:masterClrMapping/>
+  </p:clrMapOvr>
+</p:notes>
+</file>
+
+<file path=ppt/notesSlides/notesSlide7.xml><?xml version="1.0" encoding="utf-8"?>
+<p:notes xmlns:a="http://schemas.openxmlformats.org/drawingml/2006/main" xmlns:r="http://schemas.openxmlformats.org/officeDocument/2006/relationships" xmlns:p="http://schemas.openxmlformats.org/presentationml/2006/main">
+  <p:cSld>
+    <p:spTree>
+      <p:nvGrpSpPr>
+        <p:cNvPr id="1" name=""/>
+        <p:cNvGrpSpPr/>
+        <p:nvPr/>
+      </p:nvGrpSpPr>
+      <p:grpSpPr>
+        <a:xfrm>
+          <a:off x="0" y="0"/>
+          <a:ext cx="0" cy="0"/>
+          <a:chOff x="0" y="0"/>
+          <a:chExt cx="0" cy="0"/>
+        </a:xfrm>
+      </p:grpSpPr>
+      <p:sp>
+        <p:nvSpPr>
+          <p:cNvPr id="2" name="Slide Image Placeholder 1"/>
+          <p:cNvSpPr>
+            <a:spLocks noGrp="1" noRot="1" noChangeAspect="1"/>
+          </p:cNvSpPr>
+          <p:nvPr>
+            <p:ph type="sldImg"/>
+          </p:nvPr>
+        </p:nvSpPr>
+        <p:spPr/>
+      </p:sp>
+      <p:sp>
+        <p:nvSpPr>
+          <p:cNvPr id="3" name="Notes Placeholder 2"/>
+          <p:cNvSpPr>
+            <a:spLocks noGrp="1"/>
+          </p:cNvSpPr>
+          <p:nvPr>
+            <p:ph type="body" idx="1"/>
+          </p:nvPr>
+        </p:nvSpPr>
+        <p:spPr/>
+        <p:txBody>
+          <a:bodyPr/>
+          <a:lstStyle/>
+          <a:p>
+            <a:pPr marL="0" marR="0" lvl="0" indent="0" algn="l" defTabSz="914400" rtl="0" eaLnBrk="1" fontAlgn="auto" latinLnBrk="0" hangingPunct="1">
+              <a:lnSpc>
+                <a:spcPct val="100000"/>
+              </a:lnSpc>
+              <a:spcBef>
+                <a:spcPts val="0"/>
+              </a:spcBef>
+              <a:spcAft>
+                <a:spcPts val="0"/>
+              </a:spcAft>
+              <a:buClrTx/>
+              <a:buSzTx/>
+              <a:buFontTx/>
+              <a:buNone/>
+              <a:tabLst/>
+              <a:defRPr/>
+            </a:pPr>
+            <a:endParaRPr lang="en-US" dirty="0"/>
+          </a:p>
+        </p:txBody>
+      </p:sp>
+      <p:sp>
+        <p:nvSpPr>
+          <p:cNvPr id="4" name="Slide Number Placeholder 3"/>
+          <p:cNvSpPr>
+            <a:spLocks noGrp="1"/>
+          </p:cNvSpPr>
+          <p:nvPr>
+            <p:ph type="sldNum" sz="quarter" idx="5"/>
+          </p:nvPr>
+        </p:nvSpPr>
+        <p:spPr/>
+        <p:txBody>
+          <a:bodyPr/>
+          <a:lstStyle/>
+          <a:p>
+            <a:fld id="{BD32E346-FAE4-4949-876E-0E186A20A035}" type="slidenum">
+              <a:rPr lang="en-US" smtClean="0"/>
+              <a:t>7</a:t>
+            </a:fld>
+            <a:endParaRPr lang="en-US"/>
+          </a:p>
+        </p:txBody>
+      </p:sp>
+    </p:spTree>
+    <p:extLst>
+      <p:ext uri="{BB962C8B-B14F-4D97-AF65-F5344CB8AC3E}">
+        <p14:creationId xmlns:p14="http://schemas.microsoft.com/office/powerpoint/2010/main" val="1927272265"/>
+      </p:ext>
+    </p:extLst>
+  </p:cSld>
+  <p:clrMapOvr>
+    <a:masterClrMapping/>
+  </p:clrMapOvr>
+</p:notes>
+</file>
+
+<file path=ppt/notesSlides/notesSlide8.xml><?xml version="1.0" encoding="utf-8"?>
+<p:notes xmlns:a="http://schemas.openxmlformats.org/drawingml/2006/main" xmlns:r="http://schemas.openxmlformats.org/officeDocument/2006/relationships" xmlns:p="http://schemas.openxmlformats.org/presentationml/2006/main">
+  <p:cSld>
+    <p:spTree>
+      <p:nvGrpSpPr>
+        <p:cNvPr id="1" name=""/>
+        <p:cNvGrpSpPr/>
+        <p:nvPr/>
+      </p:nvGrpSpPr>
+      <p:grpSpPr>
+        <a:xfrm>
+          <a:off x="0" y="0"/>
+          <a:ext cx="0" cy="0"/>
+          <a:chOff x="0" y="0"/>
+          <a:chExt cx="0" cy="0"/>
+        </a:xfrm>
+      </p:grpSpPr>
+      <p:sp>
+        <p:nvSpPr>
+          <p:cNvPr id="2" name="Slide Image Placeholder 1"/>
+          <p:cNvSpPr>
+            <a:spLocks noGrp="1" noRot="1" noChangeAspect="1"/>
+          </p:cNvSpPr>
+          <p:nvPr>
+            <p:ph type="sldImg"/>
+          </p:nvPr>
+        </p:nvSpPr>
+        <p:spPr/>
+      </p:sp>
+      <p:sp>
+        <p:nvSpPr>
+          <p:cNvPr id="3" name="Notes Placeholder 2"/>
+          <p:cNvSpPr>
+            <a:spLocks noGrp="1"/>
+          </p:cNvSpPr>
+          <p:nvPr>
+            <p:ph type="body" idx="1"/>
+          </p:nvPr>
+        </p:nvSpPr>
+        <p:spPr/>
+        <p:txBody>
+          <a:bodyPr/>
+          <a:lstStyle/>
+          <a:p>
+            <a:pPr marL="0" marR="0" lvl="0" indent="0" algn="l" defTabSz="914400" rtl="0" eaLnBrk="1" fontAlgn="auto" latinLnBrk="0" hangingPunct="1">
+              <a:lnSpc>
+                <a:spcPct val="100000"/>
+              </a:lnSpc>
+              <a:spcBef>
+                <a:spcPts val="0"/>
+              </a:spcBef>
+              <a:spcAft>
+                <a:spcPts val="0"/>
+              </a:spcAft>
+              <a:buClrTx/>
+              <a:buSzTx/>
+              <a:buFontTx/>
+              <a:buNone/>
+              <a:tabLst/>
+              <a:defRPr/>
+            </a:pPr>
+            <a:endParaRPr lang="en-US" dirty="0"/>
+          </a:p>
+        </p:txBody>
+      </p:sp>
+      <p:sp>
+        <p:nvSpPr>
+          <p:cNvPr id="4" name="Slide Number Placeholder 3"/>
+          <p:cNvSpPr>
+            <a:spLocks noGrp="1"/>
+          </p:cNvSpPr>
+          <p:nvPr>
+            <p:ph type="sldNum" sz="quarter" idx="5"/>
+          </p:nvPr>
+        </p:nvSpPr>
+        <p:spPr/>
+        <p:txBody>
+          <a:bodyPr/>
+          <a:lstStyle/>
+          <a:p>
+            <a:fld id="{BD32E346-FAE4-4949-876E-0E186A20A035}" type="slidenum">
+              <a:rPr lang="en-US" smtClean="0"/>
+              <a:t>8</a:t>
+            </a:fld>
+            <a:endParaRPr lang="en-US"/>
+          </a:p>
+        </p:txBody>
+      </p:sp>
+    </p:spTree>
+    <p:extLst>
+      <p:ext uri="{BB962C8B-B14F-4D97-AF65-F5344CB8AC3E}">
+        <p14:creationId xmlns:p14="http://schemas.microsoft.com/office/powerpoint/2010/main" val="2438932058"/>
+      </p:ext>
+    </p:extLst>
+  </p:cSld>
+  <p:clrMapOvr>
+    <a:masterClrMapping/>
+  </p:clrMapOvr>
+</p:notes>
+</file>
+
+<file path=ppt/notesSlides/notesSlide9.xml><?xml version="1.0" encoding="utf-8"?>
+<p:notes xmlns:a="http://schemas.openxmlformats.org/drawingml/2006/main" xmlns:r="http://schemas.openxmlformats.org/officeDocument/2006/relationships" xmlns:p="http://schemas.openxmlformats.org/presentationml/2006/main">
+  <p:cSld>
+    <p:spTree>
+      <p:nvGrpSpPr>
+        <p:cNvPr id="1" name=""/>
+        <p:cNvGrpSpPr/>
+        <p:nvPr/>
+      </p:nvGrpSpPr>
+      <p:grpSpPr>
+        <a:xfrm>
+          <a:off x="0" y="0"/>
+          <a:ext cx="0" cy="0"/>
+          <a:chOff x="0" y="0"/>
+          <a:chExt cx="0" cy="0"/>
+        </a:xfrm>
+      </p:grpSpPr>
+      <p:sp>
+        <p:nvSpPr>
+          <p:cNvPr id="2" name="Slide Image Placeholder 1"/>
+          <p:cNvSpPr>
+            <a:spLocks noGrp="1" noRot="1" noChangeAspect="1"/>
+          </p:cNvSpPr>
+          <p:nvPr>
+            <p:ph type="sldImg"/>
+          </p:nvPr>
+        </p:nvSpPr>
+        <p:spPr/>
+      </p:sp>
+      <p:sp>
+        <p:nvSpPr>
+          <p:cNvPr id="3" name="Notes Placeholder 2"/>
+          <p:cNvSpPr>
+            <a:spLocks noGrp="1"/>
+          </p:cNvSpPr>
+          <p:nvPr>
+            <p:ph type="body" idx="1"/>
+          </p:nvPr>
+        </p:nvSpPr>
+        <p:spPr/>
+        <p:txBody>
+          <a:bodyPr/>
+          <a:lstStyle/>
+          <a:p>
+            <a:pPr marL="0" marR="0" lvl="0" indent="0" algn="l" defTabSz="914400" rtl="0" eaLnBrk="1" fontAlgn="auto" latinLnBrk="0" hangingPunct="1">
+              <a:lnSpc>
+                <a:spcPct val="100000"/>
+              </a:lnSpc>
+              <a:spcBef>
+                <a:spcPts val="0"/>
+              </a:spcBef>
+              <a:spcAft>
+                <a:spcPts val="0"/>
+              </a:spcAft>
+              <a:buClrTx/>
+              <a:buSzTx/>
+              <a:buFontTx/>
+              <a:buNone/>
+              <a:tabLst/>
+              <a:defRPr/>
+            </a:pPr>
+            <a:endParaRPr lang="en-US" dirty="0"/>
+          </a:p>
+        </p:txBody>
+      </p:sp>
+      <p:sp>
+        <p:nvSpPr>
+          <p:cNvPr id="4" name="Slide Number Placeholder 3"/>
+          <p:cNvSpPr>
+            <a:spLocks noGrp="1"/>
+          </p:cNvSpPr>
+          <p:nvPr>
+            <p:ph type="sldNum" sz="quarter" idx="5"/>
+          </p:nvPr>
+        </p:nvSpPr>
+        <p:spPr/>
+        <p:txBody>
+          <a:bodyPr/>
+          <a:lstStyle/>
+          <a:p>
+            <a:fld id="{BD32E346-FAE4-4949-876E-0E186A20A035}" type="slidenum">
+              <a:rPr lang="en-US" smtClean="0"/>
+              <a:t>9</a:t>
+            </a:fld>
+            <a:endParaRPr lang="en-US"/>
+          </a:p>
+        </p:txBody>
+      </p:sp>
+    </p:spTree>
+    <p:extLst>
+      <p:ext uri="{BB962C8B-B14F-4D97-AF65-F5344CB8AC3E}">
+        <p14:creationId xmlns:p14="http://schemas.microsoft.com/office/powerpoint/2010/main" val="2409835220"/>
       </p:ext>
     </p:extLst>
   </p:cSld>
@@ -1457,7 +1967,7 @@
           <a:p>
             <a:fld id="{723B147D-18CC-C345-BB66-ACCF54A1C46E}" type="datetimeFigureOut">
               <a:rPr lang="en-US" smtClean="0"/>
-              <a:t>6/8/20</a:t>
+              <a:t>6/11/20</a:t>
             </a:fld>
             <a:endParaRPr lang="en-US"/>
           </a:p>
@@ -1627,7 +2137,7 @@
           <a:p>
             <a:fld id="{723B147D-18CC-C345-BB66-ACCF54A1C46E}" type="datetimeFigureOut">
               <a:rPr lang="en-US" smtClean="0"/>
-              <a:t>6/8/20</a:t>
+              <a:t>6/11/20</a:t>
             </a:fld>
             <a:endParaRPr lang="en-US"/>
           </a:p>
@@ -1807,7 +2317,7 @@
           <a:p>
             <a:fld id="{723B147D-18CC-C345-BB66-ACCF54A1C46E}" type="datetimeFigureOut">
               <a:rPr lang="en-US" smtClean="0"/>
-              <a:t>6/8/20</a:t>
+              <a:t>6/11/20</a:t>
             </a:fld>
             <a:endParaRPr lang="en-US"/>
           </a:p>
@@ -1977,7 +2487,7 @@
           <a:p>
             <a:fld id="{723B147D-18CC-C345-BB66-ACCF54A1C46E}" type="datetimeFigureOut">
               <a:rPr lang="en-US" smtClean="0"/>
-              <a:t>6/8/20</a:t>
+              <a:t>6/11/20</a:t>
             </a:fld>
             <a:endParaRPr lang="en-US"/>
           </a:p>
@@ -2223,7 +2733,7 @@
           <a:p>
             <a:fld id="{723B147D-18CC-C345-BB66-ACCF54A1C46E}" type="datetimeFigureOut">
               <a:rPr lang="en-US" smtClean="0"/>
-              <a:t>6/8/20</a:t>
+              <a:t>6/11/20</a:t>
             </a:fld>
             <a:endParaRPr lang="en-US"/>
           </a:p>
@@ -2511,7 +3021,7 @@
           <a:p>
             <a:fld id="{723B147D-18CC-C345-BB66-ACCF54A1C46E}" type="datetimeFigureOut">
               <a:rPr lang="en-US" smtClean="0"/>
-              <a:t>6/8/20</a:t>
+              <a:t>6/11/20</a:t>
             </a:fld>
             <a:endParaRPr lang="en-US"/>
           </a:p>
@@ -2933,7 +3443,7 @@
           <a:p>
             <a:fld id="{723B147D-18CC-C345-BB66-ACCF54A1C46E}" type="datetimeFigureOut">
               <a:rPr lang="en-US" smtClean="0"/>
-              <a:t>6/8/20</a:t>
+              <a:t>6/11/20</a:t>
             </a:fld>
             <a:endParaRPr lang="en-US"/>
           </a:p>
@@ -3051,7 +3561,7 @@
           <a:p>
             <a:fld id="{723B147D-18CC-C345-BB66-ACCF54A1C46E}" type="datetimeFigureOut">
               <a:rPr lang="en-US" smtClean="0"/>
-              <a:t>6/8/20</a:t>
+              <a:t>6/11/20</a:t>
             </a:fld>
             <a:endParaRPr lang="en-US"/>
           </a:p>
@@ -3146,7 +3656,7 @@
           <a:p>
             <a:fld id="{723B147D-18CC-C345-BB66-ACCF54A1C46E}" type="datetimeFigureOut">
               <a:rPr lang="en-US" smtClean="0"/>
-              <a:t>6/8/20</a:t>
+              <a:t>6/11/20</a:t>
             </a:fld>
             <a:endParaRPr lang="en-US"/>
           </a:p>
@@ -3423,7 +3933,7 @@
           <a:p>
             <a:fld id="{723B147D-18CC-C345-BB66-ACCF54A1C46E}" type="datetimeFigureOut">
               <a:rPr lang="en-US" smtClean="0"/>
-              <a:t>6/8/20</a:t>
+              <a:t>6/11/20</a:t>
             </a:fld>
             <a:endParaRPr lang="en-US"/>
           </a:p>
@@ -3676,7 +4186,7 @@
           <a:p>
             <a:fld id="{723B147D-18CC-C345-BB66-ACCF54A1C46E}" type="datetimeFigureOut">
               <a:rPr lang="en-US" smtClean="0"/>
-              <a:t>6/8/20</a:t>
+              <a:t>6/11/20</a:t>
             </a:fld>
             <a:endParaRPr lang="en-US"/>
           </a:p>
@@ -3890,7 +4400,7 @@
           <a:p>
             <a:fld id="{723B147D-18CC-C345-BB66-ACCF54A1C46E}" type="datetimeFigureOut">
               <a:rPr lang="en-US" smtClean="0"/>
-              <a:t>6/8/20</a:t>
+              <a:t>6/11/20</a:t>
             </a:fld>
             <a:endParaRPr lang="en-US"/>
           </a:p>
@@ -4249,503 +4759,6 @@
 </file>
 
 <file path=ppt/slides/slide1.xml><?xml version="1.0" encoding="utf-8"?>
-<p:sld xmlns:a="http://schemas.openxmlformats.org/drawingml/2006/main" xmlns:r="http://schemas.openxmlformats.org/officeDocument/2006/relationships" xmlns:p="http://schemas.openxmlformats.org/presentationml/2006/main">
-  <p:cSld>
-    <p:spTree>
-      <p:nvGrpSpPr>
-        <p:cNvPr id="1" name=""/>
-        <p:cNvGrpSpPr/>
-        <p:nvPr/>
-      </p:nvGrpSpPr>
-      <p:grpSpPr>
-        <a:xfrm>
-          <a:off x="0" y="0"/>
-          <a:ext cx="0" cy="0"/>
-          <a:chOff x="0" y="0"/>
-          <a:chExt cx="0" cy="0"/>
-        </a:xfrm>
-      </p:grpSpPr>
-      <p:sp>
-        <p:nvSpPr>
-          <p:cNvPr id="7" name="Rounded Rectangle 6">
-            <a:extLst>
-              <a:ext uri="{FF2B5EF4-FFF2-40B4-BE49-F238E27FC236}">
-                <a16:creationId xmlns:a16="http://schemas.microsoft.com/office/drawing/2014/main" id="{E48E4F41-21CB-2F4D-AA5A-0B52295AF83E}"/>
-              </a:ext>
-            </a:extLst>
-          </p:cNvPr>
-          <p:cNvSpPr/>
-          <p:nvPr/>
-        </p:nvSpPr>
-        <p:spPr>
-          <a:xfrm>
-            <a:off x="2131127" y="3626236"/>
-            <a:ext cx="1981200" cy="985548"/>
-          </a:xfrm>
-          <a:prstGeom prst="roundRect">
-            <a:avLst>
-              <a:gd name="adj" fmla="val 9045"/>
-            </a:avLst>
-          </a:prstGeom>
-          <a:noFill/>
-          <a:ln w="19050" cmpd="sng">
-            <a:solidFill>
-              <a:srgbClr val="FFFFFF"/>
-            </a:solidFill>
-          </a:ln>
-          <a:effectLst/>
-        </p:spPr>
-        <p:style>
-          <a:lnRef idx="1">
-            <a:schemeClr val="accent1"/>
-          </a:lnRef>
-          <a:fillRef idx="3">
-            <a:schemeClr val="accent1"/>
-          </a:fillRef>
-          <a:effectRef idx="2">
-            <a:schemeClr val="accent1"/>
-          </a:effectRef>
-          <a:fontRef idx="minor">
-            <a:schemeClr val="lt1"/>
-          </a:fontRef>
-        </p:style>
-        <p:txBody>
-          <a:bodyPr rtlCol="0" anchor="ctr"/>
-          <a:lstStyle/>
-          <a:p>
-            <a:pPr algn="ctr"/>
-            <a:r>
-              <a:rPr lang="en-US" dirty="0">
-                <a:latin typeface="Lato" panose="020F0502020204030203" pitchFamily="34" charset="0"/>
-                <a:ea typeface="Lato" panose="020F0502020204030203" pitchFamily="34" charset="0"/>
-                <a:cs typeface="Lato" panose="020F0502020204030203" pitchFamily="34" charset="0"/>
-              </a:rPr>
-              <a:t>facts about which things are it</a:t>
-            </a:r>
-          </a:p>
-        </p:txBody>
-      </p:sp>
-      <p:grpSp>
-        <p:nvGrpSpPr>
-          <p:cNvPr id="17" name="Group 16">
-            <a:extLst>
-              <a:ext uri="{FF2B5EF4-FFF2-40B4-BE49-F238E27FC236}">
-                <a16:creationId xmlns:a16="http://schemas.microsoft.com/office/drawing/2014/main" id="{01DD7BED-5C3D-A146-9530-C427FBE7A5D0}"/>
-              </a:ext>
-            </a:extLst>
-          </p:cNvPr>
-          <p:cNvGrpSpPr/>
-          <p:nvPr/>
-        </p:nvGrpSpPr>
-        <p:grpSpPr>
-          <a:xfrm>
-            <a:off x="645226" y="640383"/>
-            <a:ext cx="4953003" cy="985548"/>
-            <a:chOff x="645226" y="640383"/>
-            <a:chExt cx="4953003" cy="985548"/>
-          </a:xfrm>
-        </p:grpSpPr>
-        <p:sp>
-          <p:nvSpPr>
-            <p:cNvPr id="3" name="Rounded Rectangle 2">
-              <a:extLst>
-                <a:ext uri="{FF2B5EF4-FFF2-40B4-BE49-F238E27FC236}">
-                  <a16:creationId xmlns:a16="http://schemas.microsoft.com/office/drawing/2014/main" id="{0A291FED-1327-8B47-AC80-50BDE724BEB9}"/>
-                </a:ext>
-              </a:extLst>
-            </p:cNvPr>
-            <p:cNvSpPr/>
-            <p:nvPr/>
-          </p:nvSpPr>
-          <p:spPr>
-            <a:xfrm>
-              <a:off x="645226" y="640383"/>
-              <a:ext cx="1981200" cy="985548"/>
-            </a:xfrm>
-            <a:prstGeom prst="roundRect">
-              <a:avLst>
-                <a:gd name="adj" fmla="val 9045"/>
-              </a:avLst>
-            </a:prstGeom>
-            <a:noFill/>
-            <a:ln w="19050" cmpd="sng">
-              <a:solidFill>
-                <a:srgbClr val="FFFFFF"/>
-              </a:solidFill>
-            </a:ln>
-            <a:effectLst/>
-          </p:spPr>
-          <p:style>
-            <a:lnRef idx="1">
-              <a:schemeClr val="accent1"/>
-            </a:lnRef>
-            <a:fillRef idx="3">
-              <a:schemeClr val="accent1"/>
-            </a:fillRef>
-            <a:effectRef idx="2">
-              <a:schemeClr val="accent1"/>
-            </a:effectRef>
-            <a:fontRef idx="minor">
-              <a:schemeClr val="lt1"/>
-            </a:fontRef>
-          </p:style>
-          <p:txBody>
-            <a:bodyPr rtlCol="0" anchor="ctr"/>
-            <a:lstStyle/>
-            <a:p>
-              <a:pPr algn="ctr"/>
-              <a:r>
-                <a:rPr lang="en-US" dirty="0">
-                  <a:latin typeface="Lato" panose="020F0502020204030203" pitchFamily="34" charset="0"/>
-                  <a:ea typeface="Lato" panose="020F0502020204030203" pitchFamily="34" charset="0"/>
-                  <a:cs typeface="Lato" panose="020F0502020204030203" pitchFamily="34" charset="0"/>
-                </a:rPr>
-                <a:t>psychological capacities &amp; their development</a:t>
-              </a:r>
-            </a:p>
-          </p:txBody>
-        </p:sp>
-        <p:sp>
-          <p:nvSpPr>
-            <p:cNvPr id="8" name="Rounded Rectangle 7">
-              <a:extLst>
-                <a:ext uri="{FF2B5EF4-FFF2-40B4-BE49-F238E27FC236}">
-                  <a16:creationId xmlns:a16="http://schemas.microsoft.com/office/drawing/2014/main" id="{9523CFE7-D55B-9A4A-B801-E0AC182927CF}"/>
-                </a:ext>
-              </a:extLst>
-            </p:cNvPr>
-            <p:cNvSpPr/>
-            <p:nvPr/>
-          </p:nvSpPr>
-          <p:spPr>
-            <a:xfrm>
-              <a:off x="3617029" y="640383"/>
-              <a:ext cx="1981200" cy="985548"/>
-            </a:xfrm>
-            <a:prstGeom prst="roundRect">
-              <a:avLst>
-                <a:gd name="adj" fmla="val 9045"/>
-              </a:avLst>
-            </a:prstGeom>
-            <a:noFill/>
-            <a:ln w="19050" cmpd="sng">
-              <a:solidFill>
-                <a:srgbClr val="FFFFFF"/>
-              </a:solidFill>
-            </a:ln>
-            <a:effectLst/>
-          </p:spPr>
-          <p:style>
-            <a:lnRef idx="1">
-              <a:schemeClr val="accent1"/>
-            </a:lnRef>
-            <a:fillRef idx="3">
-              <a:schemeClr val="accent1"/>
-            </a:fillRef>
-            <a:effectRef idx="2">
-              <a:schemeClr val="accent1"/>
-            </a:effectRef>
-            <a:fontRef idx="minor">
-              <a:schemeClr val="lt1"/>
-            </a:fontRef>
-          </p:style>
-          <p:txBody>
-            <a:bodyPr rtlCol="0" anchor="ctr"/>
-            <a:lstStyle/>
-            <a:p>
-              <a:pPr algn="ctr"/>
-              <a:r>
-                <a:rPr lang="en-US" dirty="0">
-                  <a:latin typeface="Lato" panose="020F0502020204030203" pitchFamily="34" charset="0"/>
-                  <a:ea typeface="Lato" panose="020F0502020204030203" pitchFamily="34" charset="0"/>
-                  <a:cs typeface="Lato" panose="020F0502020204030203" pitchFamily="34" charset="0"/>
-                </a:rPr>
-                <a:t>‘the evidence from everyday thinking’</a:t>
-              </a:r>
-            </a:p>
-          </p:txBody>
-        </p:sp>
-      </p:grpSp>
-      <p:sp>
-        <p:nvSpPr>
-          <p:cNvPr id="22" name="Down Arrow 21">
-            <a:extLst>
-              <a:ext uri="{FF2B5EF4-FFF2-40B4-BE49-F238E27FC236}">
-                <a16:creationId xmlns:a16="http://schemas.microsoft.com/office/drawing/2014/main" id="{ECB654D8-07C8-2C46-80BB-60725B2072C5}"/>
-              </a:ext>
-            </a:extLst>
-          </p:cNvPr>
-          <p:cNvSpPr/>
-          <p:nvPr/>
-        </p:nvSpPr>
-        <p:spPr>
-          <a:xfrm>
-            <a:off x="2978092" y="2492189"/>
-            <a:ext cx="234891" cy="1134047"/>
-          </a:xfrm>
-          <a:prstGeom prst="downArrow">
-            <a:avLst>
-              <a:gd name="adj1" fmla="val 50000"/>
-              <a:gd name="adj2" fmla="val 146429"/>
-            </a:avLst>
-          </a:prstGeom>
-          <a:solidFill>
-            <a:schemeClr val="bg1"/>
-          </a:solidFill>
-          <a:ln w="19050" cmpd="sng">
-            <a:solidFill>
-              <a:srgbClr val="FFFFFF"/>
-            </a:solidFill>
-          </a:ln>
-          <a:effectLst/>
-        </p:spPr>
-        <p:style>
-          <a:lnRef idx="1">
-            <a:schemeClr val="accent1"/>
-          </a:lnRef>
-          <a:fillRef idx="3">
-            <a:schemeClr val="accent1"/>
-          </a:fillRef>
-          <a:effectRef idx="2">
-            <a:schemeClr val="accent1"/>
-          </a:effectRef>
-          <a:fontRef idx="minor">
-            <a:schemeClr val="lt1"/>
-          </a:fontRef>
-        </p:style>
-        <p:txBody>
-          <a:bodyPr rtlCol="0" anchor="ctr"/>
-          <a:lstStyle/>
-          <a:p>
-            <a:pPr algn="ctr"/>
-            <a:endParaRPr lang="en-US">
-              <a:latin typeface="Lato" panose="020F0502020204030203" pitchFamily="34" charset="0"/>
-              <a:ea typeface="Lato" panose="020F0502020204030203" pitchFamily="34" charset="0"/>
-              <a:cs typeface="Lato" panose="020F0502020204030203" pitchFamily="34" charset="0"/>
-            </a:endParaRPr>
-          </a:p>
-        </p:txBody>
-      </p:sp>
-      <p:sp>
-        <p:nvSpPr>
-          <p:cNvPr id="24" name="Freeform 23">
-            <a:extLst>
-              <a:ext uri="{FF2B5EF4-FFF2-40B4-BE49-F238E27FC236}">
-                <a16:creationId xmlns:a16="http://schemas.microsoft.com/office/drawing/2014/main" id="{C7905E18-4F23-9C44-AF39-E322221AC371}"/>
-              </a:ext>
-            </a:extLst>
-          </p:cNvPr>
-          <p:cNvSpPr/>
-          <p:nvPr/>
-        </p:nvSpPr>
-        <p:spPr>
-          <a:xfrm>
-            <a:off x="1675849" y="1625931"/>
-            <a:ext cx="1392573" cy="1134047"/>
-          </a:xfrm>
-          <a:custGeom>
-            <a:avLst/>
-            <a:gdLst>
-              <a:gd name="connsiteX0" fmla="*/ 1442907 w 1444770"/>
-              <a:gd name="connsiteY0" fmla="*/ 1107347 h 1107347"/>
-              <a:gd name="connsiteX1" fmla="*/ 1258349 w 1444770"/>
-              <a:gd name="connsiteY1" fmla="*/ 562063 h 1107347"/>
-              <a:gd name="connsiteX2" fmla="*/ 268448 w 1444770"/>
-              <a:gd name="connsiteY2" fmla="*/ 343949 h 1107347"/>
-              <a:gd name="connsiteX3" fmla="*/ 0 w 1444770"/>
-              <a:gd name="connsiteY3" fmla="*/ 0 h 1107347"/>
-            </a:gdLst>
-            <a:ahLst/>
-            <a:cxnLst>
-              <a:cxn ang="0">
-                <a:pos x="connsiteX0" y="connsiteY0"/>
-              </a:cxn>
-              <a:cxn ang="0">
-                <a:pos x="connsiteX1" y="connsiteY1"/>
-              </a:cxn>
-              <a:cxn ang="0">
-                <a:pos x="connsiteX2" y="connsiteY2"/>
-              </a:cxn>
-              <a:cxn ang="0">
-                <a:pos x="connsiteX3" y="connsiteY3"/>
-              </a:cxn>
-            </a:cxnLst>
-            <a:rect l="l" t="t" r="r" b="b"/>
-            <a:pathLst>
-              <a:path w="1444770" h="1107347">
-                <a:moveTo>
-                  <a:pt x="1442907" y="1107347"/>
-                </a:moveTo>
-                <a:cubicBezTo>
-                  <a:pt x="1448499" y="898321"/>
-                  <a:pt x="1454092" y="689296"/>
-                  <a:pt x="1258349" y="562063"/>
-                </a:cubicBezTo>
-                <a:cubicBezTo>
-                  <a:pt x="1062606" y="434830"/>
-                  <a:pt x="478173" y="437626"/>
-                  <a:pt x="268448" y="343949"/>
-                </a:cubicBezTo>
-                <a:cubicBezTo>
-                  <a:pt x="58723" y="250272"/>
-                  <a:pt x="29361" y="125136"/>
-                  <a:pt x="0" y="0"/>
-                </a:cubicBezTo>
-              </a:path>
-            </a:pathLst>
-          </a:custGeom>
-          <a:noFill/>
-          <a:ln w="76200" cmpd="sng">
-            <a:solidFill>
-              <a:srgbClr val="FFFFFF"/>
-            </a:solidFill>
-          </a:ln>
-          <a:effectLst/>
-        </p:spPr>
-        <p:style>
-          <a:lnRef idx="1">
-            <a:schemeClr val="accent1"/>
-          </a:lnRef>
-          <a:fillRef idx="3">
-            <a:schemeClr val="accent1"/>
-          </a:fillRef>
-          <a:effectRef idx="2">
-            <a:schemeClr val="accent1"/>
-          </a:effectRef>
-          <a:fontRef idx="minor">
-            <a:schemeClr val="lt1"/>
-          </a:fontRef>
-        </p:style>
-        <p:txBody>
-          <a:bodyPr rtlCol="0" anchor="ctr"/>
-          <a:lstStyle/>
-          <a:p>
-            <a:pPr algn="ctr"/>
-            <a:endParaRPr lang="en-US">
-              <a:latin typeface="Lato" panose="020F0502020204030203" pitchFamily="34" charset="0"/>
-              <a:ea typeface="Lato" panose="020F0502020204030203" pitchFamily="34" charset="0"/>
-              <a:cs typeface="Lato" panose="020F0502020204030203" pitchFamily="34" charset="0"/>
-            </a:endParaRPr>
-          </a:p>
-        </p:txBody>
-      </p:sp>
-      <p:sp>
-        <p:nvSpPr>
-          <p:cNvPr id="25" name="Freeform 24">
-            <a:extLst>
-              <a:ext uri="{FF2B5EF4-FFF2-40B4-BE49-F238E27FC236}">
-                <a16:creationId xmlns:a16="http://schemas.microsoft.com/office/drawing/2014/main" id="{AE8A6C7B-3812-AC4B-B415-AD909AB384A9}"/>
-              </a:ext>
-            </a:extLst>
-          </p:cNvPr>
-          <p:cNvSpPr/>
-          <p:nvPr/>
-        </p:nvSpPr>
-        <p:spPr>
-          <a:xfrm flipH="1">
-            <a:off x="3123924" y="1625931"/>
-            <a:ext cx="1392573" cy="1134047"/>
-          </a:xfrm>
-          <a:custGeom>
-            <a:avLst/>
-            <a:gdLst>
-              <a:gd name="connsiteX0" fmla="*/ 1442907 w 1444770"/>
-              <a:gd name="connsiteY0" fmla="*/ 1107347 h 1107347"/>
-              <a:gd name="connsiteX1" fmla="*/ 1258349 w 1444770"/>
-              <a:gd name="connsiteY1" fmla="*/ 562063 h 1107347"/>
-              <a:gd name="connsiteX2" fmla="*/ 268448 w 1444770"/>
-              <a:gd name="connsiteY2" fmla="*/ 343949 h 1107347"/>
-              <a:gd name="connsiteX3" fmla="*/ 0 w 1444770"/>
-              <a:gd name="connsiteY3" fmla="*/ 0 h 1107347"/>
-            </a:gdLst>
-            <a:ahLst/>
-            <a:cxnLst>
-              <a:cxn ang="0">
-                <a:pos x="connsiteX0" y="connsiteY0"/>
-              </a:cxn>
-              <a:cxn ang="0">
-                <a:pos x="connsiteX1" y="connsiteY1"/>
-              </a:cxn>
-              <a:cxn ang="0">
-                <a:pos x="connsiteX2" y="connsiteY2"/>
-              </a:cxn>
-              <a:cxn ang="0">
-                <a:pos x="connsiteX3" y="connsiteY3"/>
-              </a:cxn>
-            </a:cxnLst>
-            <a:rect l="l" t="t" r="r" b="b"/>
-            <a:pathLst>
-              <a:path w="1444770" h="1107347">
-                <a:moveTo>
-                  <a:pt x="1442907" y="1107347"/>
-                </a:moveTo>
-                <a:cubicBezTo>
-                  <a:pt x="1448499" y="898321"/>
-                  <a:pt x="1454092" y="689296"/>
-                  <a:pt x="1258349" y="562063"/>
-                </a:cubicBezTo>
-                <a:cubicBezTo>
-                  <a:pt x="1062606" y="434830"/>
-                  <a:pt x="478173" y="437626"/>
-                  <a:pt x="268448" y="343949"/>
-                </a:cubicBezTo>
-                <a:cubicBezTo>
-                  <a:pt x="58723" y="250272"/>
-                  <a:pt x="29361" y="125136"/>
-                  <a:pt x="0" y="0"/>
-                </a:cubicBezTo>
-              </a:path>
-            </a:pathLst>
-          </a:custGeom>
-          <a:noFill/>
-          <a:ln w="76200" cmpd="sng">
-            <a:solidFill>
-              <a:srgbClr val="FFFFFF"/>
-            </a:solidFill>
-          </a:ln>
-          <a:effectLst/>
-        </p:spPr>
-        <p:style>
-          <a:lnRef idx="1">
-            <a:schemeClr val="accent1"/>
-          </a:lnRef>
-          <a:fillRef idx="3">
-            <a:schemeClr val="accent1"/>
-          </a:fillRef>
-          <a:effectRef idx="2">
-            <a:schemeClr val="accent1"/>
-          </a:effectRef>
-          <a:fontRef idx="minor">
-            <a:schemeClr val="lt1"/>
-          </a:fontRef>
-        </p:style>
-        <p:txBody>
-          <a:bodyPr rtlCol="0" anchor="ctr"/>
-          <a:lstStyle/>
-          <a:p>
-            <a:pPr algn="ctr"/>
-            <a:endParaRPr lang="en-US">
-              <a:latin typeface="Lato" panose="020F0502020204030203" pitchFamily="34" charset="0"/>
-              <a:ea typeface="Lato" panose="020F0502020204030203" pitchFamily="34" charset="0"/>
-              <a:cs typeface="Lato" panose="020F0502020204030203" pitchFamily="34" charset="0"/>
-            </a:endParaRPr>
-          </a:p>
-        </p:txBody>
-      </p:sp>
-    </p:spTree>
-    <p:extLst>
-      <p:ext uri="{BB962C8B-B14F-4D97-AF65-F5344CB8AC3E}">
-        <p14:creationId xmlns:p14="http://schemas.microsoft.com/office/powerpoint/2010/main" val="1607988074"/>
-      </p:ext>
-    </p:extLst>
-  </p:cSld>
-  <p:clrMapOvr>
-    <a:masterClrMapping/>
-  </p:clrMapOvr>
-</p:sld>
-</file>
-
-<file path=ppt/slides/slide2.xml><?xml version="1.0" encoding="utf-8"?>
 <p:sld xmlns:a="http://schemas.openxmlformats.org/drawingml/2006/main" xmlns:r="http://schemas.openxmlformats.org/officeDocument/2006/relationships" xmlns:p="http://schemas.openxmlformats.org/presentationml/2006/main">
   <p:cSld>
     <p:spTree>
@@ -5266,7 +5279,7 @@
 </p:sld>
 </file>
 
-<file path=ppt/slides/slide3.xml><?xml version="1.0" encoding="utf-8"?>
+<file path=ppt/slides/slide10.xml><?xml version="1.0" encoding="utf-8"?>
 <p:sld xmlns:a="http://schemas.openxmlformats.org/drawingml/2006/main" xmlns:r="http://schemas.openxmlformats.org/officeDocument/2006/relationships" xmlns:p="http://schemas.openxmlformats.org/presentationml/2006/main">
   <p:cSld>
     <p:spTree>
@@ -5283,6 +5296,52 @@
           <a:chExt cx="0" cy="0"/>
         </a:xfrm>
       </p:grpSpPr>
+      <p:cxnSp>
+        <p:nvCxnSpPr>
+          <p:cNvPr id="40" name="Straight Arrow Connector 39">
+            <a:extLst>
+              <a:ext uri="{FF2B5EF4-FFF2-40B4-BE49-F238E27FC236}">
+                <a16:creationId xmlns:a16="http://schemas.microsoft.com/office/drawing/2014/main" id="{994E615B-06DE-DA47-A71F-22AF96C50A22}"/>
+              </a:ext>
+            </a:extLst>
+          </p:cNvPr>
+          <p:cNvCxnSpPr>
+            <a:cxnSpLocks/>
+            <a:stCxn id="33" idx="3"/>
+          </p:cNvCxnSpPr>
+          <p:nvPr/>
+        </p:nvCxnSpPr>
+        <p:spPr>
+          <a:xfrm flipV="1">
+            <a:off x="2468138" y="4069955"/>
+            <a:ext cx="1127042" cy="2458617"/>
+          </a:xfrm>
+          <a:prstGeom prst="straightConnector1">
+            <a:avLst/>
+          </a:prstGeom>
+          <a:ln w="38100" cmpd="sng">
+            <a:solidFill>
+              <a:schemeClr val="bg1"/>
+            </a:solidFill>
+            <a:tailEnd type="triangle"/>
+          </a:ln>
+          <a:effectLst/>
+        </p:spPr>
+        <p:style>
+          <a:lnRef idx="2">
+            <a:schemeClr val="accent1"/>
+          </a:lnRef>
+          <a:fillRef idx="0">
+            <a:schemeClr val="accent1"/>
+          </a:fillRef>
+          <a:effectRef idx="1">
+            <a:schemeClr val="accent1"/>
+          </a:effectRef>
+          <a:fontRef idx="minor">
+            <a:schemeClr val="tx1"/>
+          </a:fontRef>
+        </p:style>
+      </p:cxnSp>
       <p:grpSp>
         <p:nvGrpSpPr>
           <p:cNvPr id="30" name="Group 29">
@@ -5296,13 +5355,140 @@
           <p:nvPr/>
         </p:nvGrpSpPr>
         <p:grpSpPr>
-          <a:xfrm rot="19871222">
-            <a:off x="3490983" y="4047648"/>
+          <a:xfrm>
+            <a:off x="3159726" y="3926193"/>
             <a:ext cx="2979091" cy="2288480"/>
             <a:chOff x="2798045" y="4119010"/>
             <a:chExt cx="2979091" cy="2288480"/>
           </a:xfrm>
+          <a:solidFill>
+            <a:schemeClr val="tx1"/>
+          </a:solidFill>
         </p:grpSpPr>
+        <p:sp>
+          <p:nvSpPr>
+            <p:cNvPr id="5" name="Arc 4">
+              <a:extLst>
+                <a:ext uri="{FF2B5EF4-FFF2-40B4-BE49-F238E27FC236}">
+                  <a16:creationId xmlns:a16="http://schemas.microsoft.com/office/drawing/2014/main" id="{D0C4265C-D759-B14F-84BC-58391C6B7C18}"/>
+                </a:ext>
+              </a:extLst>
+            </p:cNvPr>
+            <p:cNvSpPr/>
+            <p:nvPr/>
+          </p:nvSpPr>
+          <p:spPr>
+            <a:xfrm rot="10800000">
+              <a:off x="2798045" y="4655884"/>
+              <a:ext cx="1141344" cy="1258832"/>
+            </a:xfrm>
+            <a:prstGeom prst="arc">
+              <a:avLst>
+                <a:gd name="adj1" fmla="val 16200000"/>
+                <a:gd name="adj2" fmla="val 5401622"/>
+              </a:avLst>
+            </a:prstGeom>
+            <a:noFill/>
+            <a:ln w="76200" cmpd="sng">
+              <a:solidFill>
+                <a:schemeClr val="bg1"/>
+              </a:solidFill>
+              <a:headEnd type="triangle" w="med" len="med"/>
+              <a:tailEnd type="none" w="med" len="med"/>
+            </a:ln>
+            <a:effectLst>
+              <a:glow rad="127000">
+                <a:schemeClr val="tx1"/>
+              </a:glow>
+            </a:effectLst>
+          </p:spPr>
+          <p:style>
+            <a:lnRef idx="2">
+              <a:schemeClr val="accent1"/>
+            </a:lnRef>
+            <a:fillRef idx="0">
+              <a:schemeClr val="accent1"/>
+            </a:fillRef>
+            <a:effectRef idx="1">
+              <a:schemeClr val="accent1"/>
+            </a:effectRef>
+            <a:fontRef idx="minor">
+              <a:schemeClr val="tx1"/>
+            </a:fontRef>
+          </p:style>
+          <p:txBody>
+            <a:bodyPr rtlCol="0" anchor="ctr"/>
+            <a:lstStyle/>
+            <a:p>
+              <a:pPr algn="ctr"/>
+              <a:endParaRPr lang="en-US">
+                <a:solidFill>
+                  <a:schemeClr val="bg1"/>
+                </a:solidFill>
+              </a:endParaRPr>
+            </a:p>
+          </p:txBody>
+        </p:sp>
+        <p:sp>
+          <p:nvSpPr>
+            <p:cNvPr id="19" name="Arc 18">
+              <a:extLst>
+                <a:ext uri="{FF2B5EF4-FFF2-40B4-BE49-F238E27FC236}">
+                  <a16:creationId xmlns:a16="http://schemas.microsoft.com/office/drawing/2014/main" id="{DC8AACC8-8042-1944-84F1-27B259EDA2AC}"/>
+                </a:ext>
+              </a:extLst>
+            </p:cNvPr>
+            <p:cNvSpPr/>
+            <p:nvPr/>
+          </p:nvSpPr>
+          <p:spPr>
+            <a:xfrm rot="20700000">
+              <a:off x="4635792" y="4562648"/>
+              <a:ext cx="1141344" cy="1258832"/>
+            </a:xfrm>
+            <a:prstGeom prst="arc">
+              <a:avLst>
+                <a:gd name="adj1" fmla="val 17848501"/>
+                <a:gd name="adj2" fmla="val 5401622"/>
+              </a:avLst>
+            </a:prstGeom>
+            <a:noFill/>
+            <a:ln w="76200" cmpd="sng">
+              <a:solidFill>
+                <a:schemeClr val="bg1"/>
+              </a:solidFill>
+              <a:headEnd type="triangle" w="med" len="med"/>
+              <a:tailEnd type="none" w="med" len="med"/>
+            </a:ln>
+            <a:effectLst/>
+          </p:spPr>
+          <p:style>
+            <a:lnRef idx="2">
+              <a:schemeClr val="accent1"/>
+            </a:lnRef>
+            <a:fillRef idx="0">
+              <a:schemeClr val="accent1"/>
+            </a:fillRef>
+            <a:effectRef idx="1">
+              <a:schemeClr val="accent1"/>
+            </a:effectRef>
+            <a:fontRef idx="minor">
+              <a:schemeClr val="tx1"/>
+            </a:fontRef>
+          </p:style>
+          <p:txBody>
+            <a:bodyPr rtlCol="0" anchor="ctr"/>
+            <a:lstStyle/>
+            <a:p>
+              <a:pPr algn="ctr"/>
+              <a:endParaRPr lang="en-US">
+                <a:solidFill>
+                  <a:schemeClr val="bg1"/>
+                </a:solidFill>
+              </a:endParaRPr>
+            </a:p>
+          </p:txBody>
+        </p:sp>
         <p:sp>
           <p:nvSpPr>
             <p:cNvPr id="9" name="Rounded Rectangle 8">
@@ -5325,10 +5511,10 @@
                 <a:gd name="adj" fmla="val 9045"/>
               </a:avLst>
             </a:prstGeom>
-            <a:noFill/>
+            <a:grpFill/>
             <a:ln w="19050" cmpd="sng">
               <a:solidFill>
-                <a:srgbClr val="FFFFFF"/>
+                <a:schemeClr val="bg1"/>
               </a:solidFill>
             </a:ln>
             <a:effectLst/>
@@ -5354,6 +5540,9 @@
               <a:pPr algn="ctr"/>
               <a:r>
                 <a:rPr lang="en-US" dirty="0">
+                  <a:solidFill>
+                    <a:schemeClr val="bg1"/>
+                  </a:solidFill>
                   <a:latin typeface="Lato" panose="020F0502020204030203" pitchFamily="34" charset="0"/>
                   <a:ea typeface="Lato" panose="020F0502020204030203" pitchFamily="34" charset="0"/>
                   <a:cs typeface="Lato" panose="020F0502020204030203" pitchFamily="34" charset="0"/>
@@ -5362,6 +5551,9 @@
               </a:r>
               <a:r>
                 <a:rPr lang="en-US" dirty="0" err="1">
+                  <a:solidFill>
+                    <a:schemeClr val="bg1"/>
+                  </a:solidFill>
                   <a:latin typeface="Lato" panose="020F0502020204030203" pitchFamily="34" charset="0"/>
                   <a:ea typeface="Lato" panose="020F0502020204030203" pitchFamily="34" charset="0"/>
                   <a:cs typeface="Lato" panose="020F0502020204030203" pitchFamily="34" charset="0"/>
@@ -5369,6 +5561,9 @@
                 <a:t>characterisations</a:t>
               </a:r>
               <a:endParaRPr lang="en-US" dirty="0">
+                <a:solidFill>
+                  <a:schemeClr val="bg1"/>
+                </a:solidFill>
                 <a:latin typeface="Lato" panose="020F0502020204030203" pitchFamily="34" charset="0"/>
                 <a:ea typeface="Lato" panose="020F0502020204030203" pitchFamily="34" charset="0"/>
                 <a:cs typeface="Lato" panose="020F0502020204030203" pitchFamily="34" charset="0"/>
@@ -5398,10 +5593,10 @@
                 <a:gd name="adj" fmla="val 9045"/>
               </a:avLst>
             </a:prstGeom>
-            <a:noFill/>
+            <a:grpFill/>
             <a:ln w="19050" cmpd="sng">
               <a:solidFill>
-                <a:srgbClr val="FFFFFF"/>
+                <a:schemeClr val="bg1"/>
               </a:solidFill>
             </a:ln>
             <a:effectLst/>
@@ -5427,6 +5622,9 @@
               <a:pPr algn="ctr"/>
               <a:r>
                 <a:rPr lang="en-US" dirty="0">
+                  <a:solidFill>
+                    <a:schemeClr val="bg1"/>
+                  </a:solidFill>
                   <a:latin typeface="Lato" panose="020F0502020204030203" pitchFamily="34" charset="0"/>
                   <a:ea typeface="Lato" panose="020F0502020204030203" pitchFamily="34" charset="0"/>
                   <a:cs typeface="Lato" panose="020F0502020204030203" pitchFamily="34" charset="0"/>
@@ -5436,177 +5634,7 @@
             </a:p>
           </p:txBody>
         </p:sp>
-        <p:sp>
-          <p:nvSpPr>
-            <p:cNvPr id="5" name="Arc 4">
-              <a:extLst>
-                <a:ext uri="{FF2B5EF4-FFF2-40B4-BE49-F238E27FC236}">
-                  <a16:creationId xmlns:a16="http://schemas.microsoft.com/office/drawing/2014/main" id="{D0C4265C-D759-B14F-84BC-58391C6B7C18}"/>
-                </a:ext>
-              </a:extLst>
-            </p:cNvPr>
-            <p:cNvSpPr/>
-            <p:nvPr/>
-          </p:nvSpPr>
-          <p:spPr>
-            <a:xfrm rot="10800000">
-              <a:off x="2798045" y="4655884"/>
-              <a:ext cx="1141344" cy="1258832"/>
-            </a:xfrm>
-            <a:prstGeom prst="arc">
-              <a:avLst>
-                <a:gd name="adj1" fmla="val 16200000"/>
-                <a:gd name="adj2" fmla="val 5401622"/>
-              </a:avLst>
-            </a:prstGeom>
-            <a:ln w="76200" cmpd="sng">
-              <a:solidFill>
-                <a:schemeClr val="bg1"/>
-              </a:solidFill>
-              <a:headEnd type="triangle" w="med" len="med"/>
-              <a:tailEnd type="none" w="med" len="med"/>
-            </a:ln>
-            <a:effectLst/>
-          </p:spPr>
-          <p:style>
-            <a:lnRef idx="2">
-              <a:schemeClr val="accent1"/>
-            </a:lnRef>
-            <a:fillRef idx="0">
-              <a:schemeClr val="accent1"/>
-            </a:fillRef>
-            <a:effectRef idx="1">
-              <a:schemeClr val="accent1"/>
-            </a:effectRef>
-            <a:fontRef idx="minor">
-              <a:schemeClr val="tx1"/>
-            </a:fontRef>
-          </p:style>
-          <p:txBody>
-            <a:bodyPr rtlCol="0" anchor="ctr"/>
-            <a:lstStyle/>
-            <a:p>
-              <a:pPr algn="ctr"/>
-              <a:endParaRPr lang="en-US"/>
-            </a:p>
-          </p:txBody>
-        </p:sp>
-        <p:sp>
-          <p:nvSpPr>
-            <p:cNvPr id="19" name="Arc 18">
-              <a:extLst>
-                <a:ext uri="{FF2B5EF4-FFF2-40B4-BE49-F238E27FC236}">
-                  <a16:creationId xmlns:a16="http://schemas.microsoft.com/office/drawing/2014/main" id="{DC8AACC8-8042-1944-84F1-27B259EDA2AC}"/>
-                </a:ext>
-              </a:extLst>
-            </p:cNvPr>
-            <p:cNvSpPr/>
-            <p:nvPr/>
-          </p:nvSpPr>
-          <p:spPr>
-            <a:xfrm rot="20700000">
-              <a:off x="4635792" y="4562648"/>
-              <a:ext cx="1141344" cy="1258832"/>
-            </a:xfrm>
-            <a:prstGeom prst="arc">
-              <a:avLst>
-                <a:gd name="adj1" fmla="val 17848501"/>
-                <a:gd name="adj2" fmla="val 5401622"/>
-              </a:avLst>
-            </a:prstGeom>
-            <a:ln w="76200" cmpd="sng">
-              <a:solidFill>
-                <a:schemeClr val="bg1"/>
-              </a:solidFill>
-              <a:headEnd type="triangle" w="med" len="med"/>
-              <a:tailEnd type="none" w="med" len="med"/>
-            </a:ln>
-            <a:effectLst/>
-          </p:spPr>
-          <p:style>
-            <a:lnRef idx="2">
-              <a:schemeClr val="accent1"/>
-            </a:lnRef>
-            <a:fillRef idx="0">
-              <a:schemeClr val="accent1"/>
-            </a:fillRef>
-            <a:effectRef idx="1">
-              <a:schemeClr val="accent1"/>
-            </a:effectRef>
-            <a:fontRef idx="minor">
-              <a:schemeClr val="tx1"/>
-            </a:fontRef>
-          </p:style>
-          <p:txBody>
-            <a:bodyPr rtlCol="0" anchor="ctr"/>
-            <a:lstStyle/>
-            <a:p>
-              <a:pPr algn="ctr"/>
-              <a:endParaRPr lang="en-US"/>
-            </a:p>
-          </p:txBody>
-        </p:sp>
       </p:grpSp>
-      <p:sp>
-        <p:nvSpPr>
-          <p:cNvPr id="21" name="Rounded Rectangle 20">
-            <a:extLst>
-              <a:ext uri="{FF2B5EF4-FFF2-40B4-BE49-F238E27FC236}">
-                <a16:creationId xmlns:a16="http://schemas.microsoft.com/office/drawing/2014/main" id="{52D3C6C2-398E-C744-86F7-298B6594A65A}"/>
-              </a:ext>
-            </a:extLst>
-          </p:cNvPr>
-          <p:cNvSpPr/>
-          <p:nvPr/>
-        </p:nvSpPr>
-        <p:spPr>
-          <a:xfrm rot="869788">
-            <a:off x="6863190" y="3049352"/>
-            <a:ext cx="1981200" cy="985548"/>
-          </a:xfrm>
-          <a:prstGeom prst="roundRect">
-            <a:avLst>
-              <a:gd name="adj" fmla="val 9045"/>
-            </a:avLst>
-          </a:prstGeom>
-          <a:noFill/>
-          <a:ln w="19050" cmpd="sng">
-            <a:solidFill>
-              <a:srgbClr val="FFFFFF"/>
-            </a:solidFill>
-          </a:ln>
-          <a:effectLst/>
-        </p:spPr>
-        <p:style>
-          <a:lnRef idx="1">
-            <a:schemeClr val="accent1"/>
-          </a:lnRef>
-          <a:fillRef idx="3">
-            <a:schemeClr val="accent1"/>
-          </a:fillRef>
-          <a:effectRef idx="2">
-            <a:schemeClr val="accent1"/>
-          </a:effectRef>
-          <a:fontRef idx="minor">
-            <a:schemeClr val="lt1"/>
-          </a:fontRef>
-        </p:style>
-        <p:txBody>
-          <a:bodyPr rtlCol="0" anchor="ctr"/>
-          <a:lstStyle/>
-          <a:p>
-            <a:pPr algn="ctr"/>
-            <a:r>
-              <a:rPr lang="en-US" dirty="0">
-                <a:latin typeface="Lato" panose="020F0502020204030203" pitchFamily="34" charset="0"/>
-                <a:ea typeface="Lato" panose="020F0502020204030203" pitchFamily="34" charset="0"/>
-                <a:cs typeface="Lato" panose="020F0502020204030203" pitchFamily="34" charset="0"/>
-              </a:rPr>
-              <a:t>facts about which things are it</a:t>
-            </a:r>
-          </a:p>
-        </p:txBody>
-      </p:sp>
       <p:grpSp>
         <p:nvGrpSpPr>
           <p:cNvPr id="23" name="Group 22">
@@ -5620,12 +5648,15 @@
           <p:nvPr/>
         </p:nvGrpSpPr>
         <p:grpSpPr>
-          <a:xfrm rot="19919881">
-            <a:off x="6321010" y="3261045"/>
+          <a:xfrm>
+            <a:off x="6233516" y="4054046"/>
             <a:ext cx="911329" cy="1945364"/>
             <a:chOff x="7074175" y="4299558"/>
             <a:chExt cx="911329" cy="1945364"/>
           </a:xfrm>
+          <a:solidFill>
+            <a:schemeClr val="tx1"/>
+          </a:solidFill>
         </p:grpSpPr>
         <p:sp>
           <p:nvSpPr>
@@ -5655,7 +5686,7 @@
             </a:solidFill>
             <a:ln w="19050" cmpd="sng">
               <a:solidFill>
-                <a:srgbClr val="FFFFFF"/>
+                <a:schemeClr val="bg1"/>
               </a:solidFill>
             </a:ln>
             <a:effectLst/>
@@ -5680,6 +5711,9 @@
             <a:p>
               <a:pPr algn="ctr"/>
               <a:endParaRPr lang="en-US">
+                <a:solidFill>
+                  <a:schemeClr val="bg1"/>
+                </a:solidFill>
                 <a:latin typeface="Lato" panose="020F0502020204030203" pitchFamily="34" charset="0"/>
                 <a:ea typeface="Lato" panose="020F0502020204030203" pitchFamily="34" charset="0"/>
                 <a:cs typeface="Lato" panose="020F0502020204030203" pitchFamily="34" charset="0"/>
@@ -5706,6 +5740,7 @@
               <a:chOff x="7111769" y="3864975"/>
               <a:chExt cx="631034" cy="2840648"/>
             </a:xfrm>
+            <a:grpFill/>
           </p:grpSpPr>
           <p:sp>
             <p:nvSpPr>
@@ -5775,10 +5810,10 @@
                   </a:path>
                 </a:pathLst>
               </a:custGeom>
-              <a:noFill/>
+              <a:grpFill/>
               <a:ln w="76200" cmpd="sng">
                 <a:solidFill>
-                  <a:srgbClr val="FFFFFF"/>
+                  <a:schemeClr val="bg1"/>
                 </a:solidFill>
               </a:ln>
               <a:effectLst/>
@@ -5803,6 +5838,9 @@
               <a:p>
                 <a:pPr algn="ctr"/>
                 <a:endParaRPr lang="en-US">
+                  <a:solidFill>
+                    <a:schemeClr val="bg1"/>
+                  </a:solidFill>
                   <a:latin typeface="Lato" panose="020F0502020204030203" pitchFamily="34" charset="0"/>
                   <a:ea typeface="Lato" panose="020F0502020204030203" pitchFamily="34" charset="0"/>
                   <a:cs typeface="Lato" panose="020F0502020204030203" pitchFamily="34" charset="0"/>
@@ -5878,10 +5916,10 @@
                   </a:path>
                 </a:pathLst>
               </a:custGeom>
-              <a:noFill/>
+              <a:grpFill/>
               <a:ln w="76200" cmpd="sng">
                 <a:solidFill>
-                  <a:srgbClr val="FFFFFF"/>
+                  <a:schemeClr val="bg1"/>
                 </a:solidFill>
               </a:ln>
               <a:effectLst/>
@@ -5906,6 +5944,9 @@
               <a:p>
                 <a:pPr algn="ctr"/>
                 <a:endParaRPr lang="en-US">
+                  <a:solidFill>
+                    <a:schemeClr val="bg1"/>
+                  </a:solidFill>
                   <a:latin typeface="Lato" panose="020F0502020204030203" pitchFamily="34" charset="0"/>
                   <a:ea typeface="Lato" panose="020F0502020204030203" pitchFamily="34" charset="0"/>
                   <a:cs typeface="Lato" panose="020F0502020204030203" pitchFamily="34" charset="0"/>
@@ -5929,7 +5970,7 @@
         </p:nvSpPr>
         <p:spPr>
           <a:xfrm>
-            <a:off x="933281" y="3938110"/>
+            <a:off x="467115" y="3740886"/>
             <a:ext cx="1981200" cy="985548"/>
           </a:xfrm>
           <a:prstGeom prst="roundRect">
@@ -5942,7 +5983,7 @@
           </a:solidFill>
           <a:ln w="19050" cmpd="sng">
             <a:solidFill>
-              <a:srgbClr val="FFFFFF"/>
+              <a:schemeClr val="bg1"/>
             </a:solidFill>
           </a:ln>
           <a:effectLst/>
@@ -5968,6 +6009,9 @@
             <a:pPr algn="ctr"/>
             <a:r>
               <a:rPr lang="en-US" dirty="0">
+                <a:solidFill>
+                  <a:schemeClr val="bg1"/>
+                </a:solidFill>
                 <a:latin typeface="Lato" panose="020F0502020204030203" pitchFamily="34" charset="0"/>
                 <a:ea typeface="Lato" panose="020F0502020204030203" pitchFamily="34" charset="0"/>
                 <a:cs typeface="Lato" panose="020F0502020204030203" pitchFamily="34" charset="0"/>
@@ -5991,7 +6035,7 @@
         </p:nvSpPr>
         <p:spPr>
           <a:xfrm>
-            <a:off x="953104" y="5043300"/>
+            <a:off x="486938" y="4846076"/>
             <a:ext cx="1981200" cy="985548"/>
           </a:xfrm>
           <a:prstGeom prst="roundRect">
@@ -6004,7 +6048,7 @@
           </a:solidFill>
           <a:ln w="19050" cmpd="sng">
             <a:solidFill>
-              <a:srgbClr val="FFFFFF"/>
+              <a:schemeClr val="bg1"/>
             </a:solidFill>
           </a:ln>
           <a:effectLst/>
@@ -6030,6 +6074,9 @@
             <a:pPr algn="ctr"/>
             <a:r>
               <a:rPr lang="en-US" dirty="0">
+                <a:solidFill>
+                  <a:schemeClr val="bg1"/>
+                </a:solidFill>
                 <a:latin typeface="Lato" panose="020F0502020204030203" pitchFamily="34" charset="0"/>
                 <a:ea typeface="Lato" panose="020F0502020204030203" pitchFamily="34" charset="0"/>
                 <a:cs typeface="Lato" panose="020F0502020204030203" pitchFamily="34" charset="0"/>
@@ -6053,7 +6100,7 @@
         </p:nvSpPr>
         <p:spPr>
           <a:xfrm>
-            <a:off x="953104" y="6233022"/>
+            <a:off x="486938" y="6035798"/>
             <a:ext cx="1981200" cy="985548"/>
           </a:xfrm>
           <a:prstGeom prst="roundRect">
@@ -6066,7 +6113,7 @@
           </a:solidFill>
           <a:ln w="19050" cmpd="sng">
             <a:solidFill>
-              <a:srgbClr val="FFFFFF"/>
+              <a:schemeClr val="bg1"/>
             </a:solidFill>
           </a:ln>
           <a:effectLst/>
@@ -6092,6 +6139,9 @@
             <a:pPr algn="ctr"/>
             <a:r>
               <a:rPr lang="en-US" dirty="0">
+                <a:solidFill>
+                  <a:schemeClr val="bg1"/>
+                </a:solidFill>
                 <a:latin typeface="Lato" panose="020F0502020204030203" pitchFamily="34" charset="0"/>
                 <a:ea typeface="Lato" panose="020F0502020204030203" pitchFamily="34" charset="0"/>
                 <a:cs typeface="Lato" panose="020F0502020204030203" pitchFamily="34" charset="0"/>
@@ -6102,6 +6152,9 @@
           <a:p>
             <a:pPr algn="ctr"/>
             <a:endParaRPr lang="en-US" dirty="0">
+              <a:solidFill>
+                <a:schemeClr val="bg1"/>
+              </a:solidFill>
               <a:latin typeface="Lato" panose="020F0502020204030203" pitchFamily="34" charset="0"/>
               <a:ea typeface="Lato" panose="020F0502020204030203" pitchFamily="34" charset="0"/>
               <a:cs typeface="Lato" panose="020F0502020204030203" pitchFamily="34" charset="0"/>
@@ -6110,6 +6163,9 @@
           <a:p>
             <a:pPr algn="ctr"/>
             <a:endParaRPr lang="en-US" dirty="0">
+              <a:solidFill>
+                <a:schemeClr val="bg1"/>
+              </a:solidFill>
               <a:latin typeface="Lato" panose="020F0502020204030203" pitchFamily="34" charset="0"/>
               <a:ea typeface="Lato" panose="020F0502020204030203" pitchFamily="34" charset="0"/>
               <a:cs typeface="Lato" panose="020F0502020204030203" pitchFamily="34" charset="0"/>
@@ -6127,14 +6183,15 @@
             </a:extLst>
           </p:cNvPr>
           <p:cNvCxnSpPr>
+            <a:cxnSpLocks/>
             <a:stCxn id="31" idx="3"/>
           </p:cNvCxnSpPr>
           <p:nvPr/>
         </p:nvCxnSpPr>
         <p:spPr>
-          <a:xfrm>
-            <a:off x="2914481" y="4430884"/>
-            <a:ext cx="709466" cy="168010"/>
+          <a:xfrm flipV="1">
+            <a:off x="2448315" y="4050768"/>
+            <a:ext cx="1146865" cy="182892"/>
           </a:xfrm>
           <a:prstGeom prst="straightConnector1">
             <a:avLst/>
@@ -6179,8 +6236,8 @@
         </p:nvCxnSpPr>
         <p:spPr>
           <a:xfrm flipV="1">
-            <a:off x="2934304" y="4646615"/>
-            <a:ext cx="672389" cy="889459"/>
+            <a:off x="2468138" y="4086053"/>
+            <a:ext cx="1145580" cy="1252797"/>
           </a:xfrm>
           <a:prstGeom prst="straightConnector1">
             <a:avLst/>
@@ -6208,56 +6265,75 @@
           </a:fontRef>
         </p:style>
       </p:cxnSp>
-      <p:cxnSp>
-        <p:nvCxnSpPr>
-          <p:cNvPr id="40" name="Straight Arrow Connector 39">
+      <p:sp>
+        <p:nvSpPr>
+          <p:cNvPr id="22" name="Rounded Rectangle 21">
             <a:extLst>
               <a:ext uri="{FF2B5EF4-FFF2-40B4-BE49-F238E27FC236}">
-                <a16:creationId xmlns:a16="http://schemas.microsoft.com/office/drawing/2014/main" id="{994E615B-06DE-DA47-A71F-22AF96C50A22}"/>
+                <a16:creationId xmlns:a16="http://schemas.microsoft.com/office/drawing/2014/main" id="{44FBE0E8-6506-C940-8521-FD6A9FC89399}"/>
               </a:ext>
             </a:extLst>
           </p:cNvPr>
-          <p:cNvCxnSpPr>
-            <a:cxnSpLocks/>
-            <a:stCxn id="33" idx="3"/>
-          </p:cNvCxnSpPr>
+          <p:cNvSpPr/>
           <p:nvPr/>
-        </p:nvCxnSpPr>
+        </p:nvSpPr>
         <p:spPr>
-          <a:xfrm flipV="1">
-            <a:off x="2934304" y="4686662"/>
-            <a:ext cx="689643" cy="2039134"/>
+          <a:xfrm rot="20187465">
+            <a:off x="6823865" y="4889552"/>
+            <a:ext cx="1981200" cy="985548"/>
           </a:xfrm>
-          <a:prstGeom prst="straightConnector1">
-            <a:avLst/>
+          <a:prstGeom prst="roundRect">
+            <a:avLst>
+              <a:gd name="adj" fmla="val 9045"/>
+            </a:avLst>
           </a:prstGeom>
-          <a:ln w="38100" cmpd="sng">
+          <a:solidFill>
+            <a:schemeClr val="tx1"/>
+          </a:solidFill>
+          <a:ln w="19050" cmpd="sng">
             <a:solidFill>
               <a:schemeClr val="bg1"/>
             </a:solidFill>
-            <a:tailEnd type="triangle"/>
           </a:ln>
           <a:effectLst/>
         </p:spPr>
         <p:style>
-          <a:lnRef idx="2">
+          <a:lnRef idx="1">
             <a:schemeClr val="accent1"/>
           </a:lnRef>
-          <a:fillRef idx="0">
+          <a:fillRef idx="3">
             <a:schemeClr val="accent1"/>
           </a:fillRef>
-          <a:effectRef idx="1">
+          <a:effectRef idx="2">
             <a:schemeClr val="accent1"/>
           </a:effectRef>
           <a:fontRef idx="minor">
-            <a:schemeClr val="tx1"/>
+            <a:schemeClr val="lt1"/>
           </a:fontRef>
         </p:style>
-      </p:cxnSp>
+        <p:txBody>
+          <a:bodyPr rtlCol="0" anchor="ctr"/>
+          <a:lstStyle/>
+          <a:p>
+            <a:pPr algn="ctr"/>
+            <a:r>
+              <a:rPr lang="en-US" dirty="0">
+                <a:solidFill>
+                  <a:schemeClr val="bg1"/>
+                </a:solidFill>
+                <a:latin typeface="Lato" panose="020F0502020204030203" pitchFamily="34" charset="0"/>
+                <a:ea typeface="Lato" panose="020F0502020204030203" pitchFamily="34" charset="0"/>
+                <a:cs typeface="Lato" panose="020F0502020204030203" pitchFamily="34" charset="0"/>
+              </a:rPr>
+              <a:t>facts about which things are it</a:t>
+            </a:r>
+          </a:p>
+        </p:txBody>
+      </p:sp>
     </p:spTree>
     <p:extLst>
       <p:ext uri="{BB962C8B-B14F-4D97-AF65-F5344CB8AC3E}">
-        <p14:creationId xmlns:p14="http://schemas.microsoft.com/office/powerpoint/2010/main" val="2289623427"/>
+        <p14:creationId xmlns:p14="http://schemas.microsoft.com/office/powerpoint/2010/main" val="166118029"/>
       </p:ext>
     </p:extLst>
   </p:cSld>
@@ -6267,7 +6343,7 @@
 </p:sld>
 </file>
 
-<file path=ppt/slides/slide4.xml><?xml version="1.0" encoding="utf-8"?>
+<file path=ppt/slides/slide11.xml><?xml version="1.0" encoding="utf-8"?>
 <p:sld xmlns:a="http://schemas.openxmlformats.org/drawingml/2006/main" xmlns:r="http://schemas.openxmlformats.org/officeDocument/2006/relationships" xmlns:p="http://schemas.openxmlformats.org/presentationml/2006/main">
   <p:cSld>
     <p:spTree>
@@ -6298,7 +6374,7 @@
         </p:nvSpPr>
         <p:spPr>
           <a:xfrm>
-            <a:off x="2133324" y="2528901"/>
+            <a:off x="2131127" y="3626236"/>
             <a:ext cx="1981200" cy="985548"/>
           </a:xfrm>
           <a:prstGeom prst="roundRect">
@@ -6346,617 +6422,6 @@
       </p:sp>
       <p:grpSp>
         <p:nvGrpSpPr>
-          <p:cNvPr id="18" name="Group 17">
-            <a:extLst>
-              <a:ext uri="{FF2B5EF4-FFF2-40B4-BE49-F238E27FC236}">
-                <a16:creationId xmlns:a16="http://schemas.microsoft.com/office/drawing/2014/main" id="{D8494678-1DE0-6B47-9C6E-9162A3C96DD2}"/>
-              </a:ext>
-            </a:extLst>
-          </p:cNvPr>
-          <p:cNvGrpSpPr/>
-          <p:nvPr/>
-        </p:nvGrpSpPr>
-        <p:grpSpPr>
-          <a:xfrm>
-            <a:off x="1675849" y="1625932"/>
-            <a:ext cx="2840648" cy="873735"/>
-            <a:chOff x="1675849" y="1625932"/>
-            <a:chExt cx="2840648" cy="873735"/>
-          </a:xfrm>
-        </p:grpSpPr>
-        <p:sp>
-          <p:nvSpPr>
-            <p:cNvPr id="22" name="Down Arrow 21">
-              <a:extLst>
-                <a:ext uri="{FF2B5EF4-FFF2-40B4-BE49-F238E27FC236}">
-                  <a16:creationId xmlns:a16="http://schemas.microsoft.com/office/drawing/2014/main" id="{ECB654D8-07C8-2C46-80BB-60725B2072C5}"/>
-                </a:ext>
-              </a:extLst>
-            </p:cNvPr>
-            <p:cNvSpPr/>
-            <p:nvPr/>
-          </p:nvSpPr>
-          <p:spPr>
-            <a:xfrm>
-              <a:off x="2978092" y="2219373"/>
-              <a:ext cx="234891" cy="280294"/>
-            </a:xfrm>
-            <a:prstGeom prst="downArrow">
-              <a:avLst>
-                <a:gd name="adj1" fmla="val 50000"/>
-                <a:gd name="adj2" fmla="val 217624"/>
-              </a:avLst>
-            </a:prstGeom>
-            <a:solidFill>
-              <a:schemeClr val="bg1"/>
-            </a:solidFill>
-            <a:ln w="19050" cmpd="sng">
-              <a:solidFill>
-                <a:srgbClr val="FFFFFF"/>
-              </a:solidFill>
-            </a:ln>
-            <a:effectLst/>
-          </p:spPr>
-          <p:style>
-            <a:lnRef idx="1">
-              <a:schemeClr val="accent1"/>
-            </a:lnRef>
-            <a:fillRef idx="3">
-              <a:schemeClr val="accent1"/>
-            </a:fillRef>
-            <a:effectRef idx="2">
-              <a:schemeClr val="accent1"/>
-            </a:effectRef>
-            <a:fontRef idx="minor">
-              <a:schemeClr val="lt1"/>
-            </a:fontRef>
-          </p:style>
-          <p:txBody>
-            <a:bodyPr rtlCol="0" anchor="ctr"/>
-            <a:lstStyle/>
-            <a:p>
-              <a:pPr algn="ctr"/>
-              <a:endParaRPr lang="en-US">
-                <a:latin typeface="Lato" panose="020F0502020204030203" pitchFamily="34" charset="0"/>
-                <a:ea typeface="Lato" panose="020F0502020204030203" pitchFamily="34" charset="0"/>
-                <a:cs typeface="Lato" panose="020F0502020204030203" pitchFamily="34" charset="0"/>
-              </a:endParaRPr>
-            </a:p>
-          </p:txBody>
-        </p:sp>
-        <p:sp>
-          <p:nvSpPr>
-            <p:cNvPr id="24" name="Freeform 23">
-              <a:extLst>
-                <a:ext uri="{FF2B5EF4-FFF2-40B4-BE49-F238E27FC236}">
-                  <a16:creationId xmlns:a16="http://schemas.microsoft.com/office/drawing/2014/main" id="{C7905E18-4F23-9C44-AF39-E322221AC371}"/>
-                </a:ext>
-              </a:extLst>
-            </p:cNvPr>
-            <p:cNvSpPr/>
-            <p:nvPr/>
-          </p:nvSpPr>
-          <p:spPr>
-            <a:xfrm>
-              <a:off x="1675849" y="1625932"/>
-              <a:ext cx="1392573" cy="631034"/>
-            </a:xfrm>
-            <a:custGeom>
-              <a:avLst/>
-              <a:gdLst>
-                <a:gd name="connsiteX0" fmla="*/ 1442907 w 1444770"/>
-                <a:gd name="connsiteY0" fmla="*/ 1107347 h 1107347"/>
-                <a:gd name="connsiteX1" fmla="*/ 1258349 w 1444770"/>
-                <a:gd name="connsiteY1" fmla="*/ 562063 h 1107347"/>
-                <a:gd name="connsiteX2" fmla="*/ 268448 w 1444770"/>
-                <a:gd name="connsiteY2" fmla="*/ 343949 h 1107347"/>
-                <a:gd name="connsiteX3" fmla="*/ 0 w 1444770"/>
-                <a:gd name="connsiteY3" fmla="*/ 0 h 1107347"/>
-              </a:gdLst>
-              <a:ahLst/>
-              <a:cxnLst>
-                <a:cxn ang="0">
-                  <a:pos x="connsiteX0" y="connsiteY0"/>
-                </a:cxn>
-                <a:cxn ang="0">
-                  <a:pos x="connsiteX1" y="connsiteY1"/>
-                </a:cxn>
-                <a:cxn ang="0">
-                  <a:pos x="connsiteX2" y="connsiteY2"/>
-                </a:cxn>
-                <a:cxn ang="0">
-                  <a:pos x="connsiteX3" y="connsiteY3"/>
-                </a:cxn>
-              </a:cxnLst>
-              <a:rect l="l" t="t" r="r" b="b"/>
-              <a:pathLst>
-                <a:path w="1444770" h="1107347">
-                  <a:moveTo>
-                    <a:pt x="1442907" y="1107347"/>
-                  </a:moveTo>
-                  <a:cubicBezTo>
-                    <a:pt x="1448499" y="898321"/>
-                    <a:pt x="1454092" y="689296"/>
-                    <a:pt x="1258349" y="562063"/>
-                  </a:cubicBezTo>
-                  <a:cubicBezTo>
-                    <a:pt x="1062606" y="434830"/>
-                    <a:pt x="478173" y="437626"/>
-                    <a:pt x="268448" y="343949"/>
-                  </a:cubicBezTo>
-                  <a:cubicBezTo>
-                    <a:pt x="58723" y="250272"/>
-                    <a:pt x="29361" y="125136"/>
-                    <a:pt x="0" y="0"/>
-                  </a:cubicBezTo>
-                </a:path>
-              </a:pathLst>
-            </a:custGeom>
-            <a:noFill/>
-            <a:ln w="76200" cmpd="sng">
-              <a:solidFill>
-                <a:srgbClr val="FFFFFF"/>
-              </a:solidFill>
-            </a:ln>
-            <a:effectLst/>
-          </p:spPr>
-          <p:style>
-            <a:lnRef idx="1">
-              <a:schemeClr val="accent1"/>
-            </a:lnRef>
-            <a:fillRef idx="3">
-              <a:schemeClr val="accent1"/>
-            </a:fillRef>
-            <a:effectRef idx="2">
-              <a:schemeClr val="accent1"/>
-            </a:effectRef>
-            <a:fontRef idx="minor">
-              <a:schemeClr val="lt1"/>
-            </a:fontRef>
-          </p:style>
-          <p:txBody>
-            <a:bodyPr rtlCol="0" anchor="ctr"/>
-            <a:lstStyle/>
-            <a:p>
-              <a:pPr algn="ctr"/>
-              <a:endParaRPr lang="en-US">
-                <a:latin typeface="Lato" panose="020F0502020204030203" pitchFamily="34" charset="0"/>
-                <a:ea typeface="Lato" panose="020F0502020204030203" pitchFamily="34" charset="0"/>
-                <a:cs typeface="Lato" panose="020F0502020204030203" pitchFamily="34" charset="0"/>
-              </a:endParaRPr>
-            </a:p>
-          </p:txBody>
-        </p:sp>
-        <p:sp>
-          <p:nvSpPr>
-            <p:cNvPr id="25" name="Freeform 24">
-              <a:extLst>
-                <a:ext uri="{FF2B5EF4-FFF2-40B4-BE49-F238E27FC236}">
-                  <a16:creationId xmlns:a16="http://schemas.microsoft.com/office/drawing/2014/main" id="{AE8A6C7B-3812-AC4B-B415-AD909AB384A9}"/>
-                </a:ext>
-              </a:extLst>
-            </p:cNvPr>
-            <p:cNvSpPr/>
-            <p:nvPr/>
-          </p:nvSpPr>
-          <p:spPr>
-            <a:xfrm flipH="1">
-              <a:off x="3123924" y="1625932"/>
-              <a:ext cx="1392573" cy="631034"/>
-            </a:xfrm>
-            <a:custGeom>
-              <a:avLst/>
-              <a:gdLst>
-                <a:gd name="connsiteX0" fmla="*/ 1442907 w 1444770"/>
-                <a:gd name="connsiteY0" fmla="*/ 1107347 h 1107347"/>
-                <a:gd name="connsiteX1" fmla="*/ 1258349 w 1444770"/>
-                <a:gd name="connsiteY1" fmla="*/ 562063 h 1107347"/>
-                <a:gd name="connsiteX2" fmla="*/ 268448 w 1444770"/>
-                <a:gd name="connsiteY2" fmla="*/ 343949 h 1107347"/>
-                <a:gd name="connsiteX3" fmla="*/ 0 w 1444770"/>
-                <a:gd name="connsiteY3" fmla="*/ 0 h 1107347"/>
-              </a:gdLst>
-              <a:ahLst/>
-              <a:cxnLst>
-                <a:cxn ang="0">
-                  <a:pos x="connsiteX0" y="connsiteY0"/>
-                </a:cxn>
-                <a:cxn ang="0">
-                  <a:pos x="connsiteX1" y="connsiteY1"/>
-                </a:cxn>
-                <a:cxn ang="0">
-                  <a:pos x="connsiteX2" y="connsiteY2"/>
-                </a:cxn>
-                <a:cxn ang="0">
-                  <a:pos x="connsiteX3" y="connsiteY3"/>
-                </a:cxn>
-              </a:cxnLst>
-              <a:rect l="l" t="t" r="r" b="b"/>
-              <a:pathLst>
-                <a:path w="1444770" h="1107347">
-                  <a:moveTo>
-                    <a:pt x="1442907" y="1107347"/>
-                  </a:moveTo>
-                  <a:cubicBezTo>
-                    <a:pt x="1448499" y="898321"/>
-                    <a:pt x="1454092" y="689296"/>
-                    <a:pt x="1258349" y="562063"/>
-                  </a:cubicBezTo>
-                  <a:cubicBezTo>
-                    <a:pt x="1062606" y="434830"/>
-                    <a:pt x="478173" y="437626"/>
-                    <a:pt x="268448" y="343949"/>
-                  </a:cubicBezTo>
-                  <a:cubicBezTo>
-                    <a:pt x="58723" y="250272"/>
-                    <a:pt x="29361" y="125136"/>
-                    <a:pt x="0" y="0"/>
-                  </a:cubicBezTo>
-                </a:path>
-              </a:pathLst>
-            </a:custGeom>
-            <a:noFill/>
-            <a:ln w="76200" cmpd="sng">
-              <a:solidFill>
-                <a:srgbClr val="FFFFFF"/>
-              </a:solidFill>
-            </a:ln>
-            <a:effectLst/>
-          </p:spPr>
-          <p:style>
-            <a:lnRef idx="1">
-              <a:schemeClr val="accent1"/>
-            </a:lnRef>
-            <a:fillRef idx="3">
-              <a:schemeClr val="accent1"/>
-            </a:fillRef>
-            <a:effectRef idx="2">
-              <a:schemeClr val="accent1"/>
-            </a:effectRef>
-            <a:fontRef idx="minor">
-              <a:schemeClr val="lt1"/>
-            </a:fontRef>
-          </p:style>
-          <p:txBody>
-            <a:bodyPr rtlCol="0" anchor="ctr"/>
-            <a:lstStyle/>
-            <a:p>
-              <a:pPr algn="ctr"/>
-              <a:endParaRPr lang="en-US">
-                <a:latin typeface="Lato" panose="020F0502020204030203" pitchFamily="34" charset="0"/>
-                <a:ea typeface="Lato" panose="020F0502020204030203" pitchFamily="34" charset="0"/>
-                <a:cs typeface="Lato" panose="020F0502020204030203" pitchFamily="34" charset="0"/>
-              </a:endParaRPr>
-            </a:p>
-          </p:txBody>
-        </p:sp>
-      </p:grpSp>
-      <p:grpSp>
-        <p:nvGrpSpPr>
-          <p:cNvPr id="30" name="Group 29">
-            <a:extLst>
-              <a:ext uri="{FF2B5EF4-FFF2-40B4-BE49-F238E27FC236}">
-                <a16:creationId xmlns:a16="http://schemas.microsoft.com/office/drawing/2014/main" id="{9B19E2B7-0FC5-194C-A1DF-E9C5035E84F5}"/>
-              </a:ext>
-            </a:extLst>
-          </p:cNvPr>
-          <p:cNvGrpSpPr/>
-          <p:nvPr/>
-        </p:nvGrpSpPr>
-        <p:grpSpPr>
-          <a:xfrm rot="19871222">
-            <a:off x="3490983" y="4047648"/>
-            <a:ext cx="2979091" cy="2288480"/>
-            <a:chOff x="2798045" y="4119010"/>
-            <a:chExt cx="2979091" cy="2288480"/>
-          </a:xfrm>
-        </p:grpSpPr>
-        <p:sp>
-          <p:nvSpPr>
-            <p:cNvPr id="9" name="Rounded Rectangle 8">
-              <a:extLst>
-                <a:ext uri="{FF2B5EF4-FFF2-40B4-BE49-F238E27FC236}">
-                  <a16:creationId xmlns:a16="http://schemas.microsoft.com/office/drawing/2014/main" id="{136BF6F5-80A1-1049-83E3-8B904852DD4B}"/>
-                </a:ext>
-              </a:extLst>
-            </p:cNvPr>
-            <p:cNvSpPr/>
-            <p:nvPr/>
-          </p:nvSpPr>
-          <p:spPr>
-            <a:xfrm>
-              <a:off x="3368720" y="4119010"/>
-              <a:ext cx="1981200" cy="985548"/>
-            </a:xfrm>
-            <a:prstGeom prst="roundRect">
-              <a:avLst>
-                <a:gd name="adj" fmla="val 9045"/>
-              </a:avLst>
-            </a:prstGeom>
-            <a:noFill/>
-            <a:ln w="19050" cmpd="sng">
-              <a:solidFill>
-                <a:srgbClr val="FFFFFF"/>
-              </a:solidFill>
-            </a:ln>
-            <a:effectLst/>
-          </p:spPr>
-          <p:style>
-            <a:lnRef idx="1">
-              <a:schemeClr val="accent1"/>
-            </a:lnRef>
-            <a:fillRef idx="3">
-              <a:schemeClr val="accent1"/>
-            </a:fillRef>
-            <a:effectRef idx="2">
-              <a:schemeClr val="accent1"/>
-            </a:effectRef>
-            <a:fontRef idx="minor">
-              <a:schemeClr val="lt1"/>
-            </a:fontRef>
-          </p:style>
-          <p:txBody>
-            <a:bodyPr rtlCol="0" anchor="ctr"/>
-            <a:lstStyle/>
-            <a:p>
-              <a:pPr algn="ctr"/>
-              <a:r>
-                <a:rPr lang="en-US" dirty="0">
-                  <a:latin typeface="Lato" panose="020F0502020204030203" pitchFamily="34" charset="0"/>
-                  <a:ea typeface="Lato" panose="020F0502020204030203" pitchFamily="34" charset="0"/>
-                  <a:cs typeface="Lato" panose="020F0502020204030203" pitchFamily="34" charset="0"/>
-                </a:rPr>
-                <a:t>mechanistically neutral </a:t>
-              </a:r>
-              <a:r>
-                <a:rPr lang="en-US" dirty="0" err="1">
-                  <a:latin typeface="Lato" panose="020F0502020204030203" pitchFamily="34" charset="0"/>
-                  <a:ea typeface="Lato" panose="020F0502020204030203" pitchFamily="34" charset="0"/>
-                  <a:cs typeface="Lato" panose="020F0502020204030203" pitchFamily="34" charset="0"/>
-                </a:rPr>
-                <a:t>characterisations</a:t>
-              </a:r>
-              <a:endParaRPr lang="en-US" dirty="0">
-                <a:latin typeface="Lato" panose="020F0502020204030203" pitchFamily="34" charset="0"/>
-                <a:ea typeface="Lato" panose="020F0502020204030203" pitchFamily="34" charset="0"/>
-                <a:cs typeface="Lato" panose="020F0502020204030203" pitchFamily="34" charset="0"/>
-              </a:endParaRPr>
-            </a:p>
-          </p:txBody>
-        </p:sp>
-        <p:sp>
-          <p:nvSpPr>
-            <p:cNvPr id="10" name="Rounded Rectangle 9">
-              <a:extLst>
-                <a:ext uri="{FF2B5EF4-FFF2-40B4-BE49-F238E27FC236}">
-                  <a16:creationId xmlns:a16="http://schemas.microsoft.com/office/drawing/2014/main" id="{7D2B0777-68D8-C643-9613-99213340DD0B}"/>
-                </a:ext>
-              </a:extLst>
-            </p:cNvPr>
-            <p:cNvSpPr/>
-            <p:nvPr/>
-          </p:nvSpPr>
-          <p:spPr>
-            <a:xfrm>
-              <a:off x="3368720" y="5421942"/>
-              <a:ext cx="1981200" cy="985548"/>
-            </a:xfrm>
-            <a:prstGeom prst="roundRect">
-              <a:avLst>
-                <a:gd name="adj" fmla="val 9045"/>
-              </a:avLst>
-            </a:prstGeom>
-            <a:noFill/>
-            <a:ln w="19050" cmpd="sng">
-              <a:solidFill>
-                <a:srgbClr val="FFFFFF"/>
-              </a:solidFill>
-            </a:ln>
-            <a:effectLst/>
-          </p:spPr>
-          <p:style>
-            <a:lnRef idx="1">
-              <a:schemeClr val="accent1"/>
-            </a:lnRef>
-            <a:fillRef idx="3">
-              <a:schemeClr val="accent1"/>
-            </a:fillRef>
-            <a:effectRef idx="2">
-              <a:schemeClr val="accent1"/>
-            </a:effectRef>
-            <a:fontRef idx="minor">
-              <a:schemeClr val="lt1"/>
-            </a:fontRef>
-          </p:style>
-          <p:txBody>
-            <a:bodyPr rtlCol="0" anchor="ctr"/>
-            <a:lstStyle/>
-            <a:p>
-              <a:pPr algn="ctr"/>
-              <a:r>
-                <a:rPr lang="en-US" dirty="0">
-                  <a:latin typeface="Lato" panose="020F0502020204030203" pitchFamily="34" charset="0"/>
-                  <a:ea typeface="Lato" panose="020F0502020204030203" pitchFamily="34" charset="0"/>
-                  <a:cs typeface="Lato" panose="020F0502020204030203" pitchFamily="34" charset="0"/>
-                </a:rPr>
-                <a:t>discoveries about mechanisms</a:t>
-              </a:r>
-            </a:p>
-          </p:txBody>
-        </p:sp>
-        <p:sp>
-          <p:nvSpPr>
-            <p:cNvPr id="5" name="Arc 4">
-              <a:extLst>
-                <a:ext uri="{FF2B5EF4-FFF2-40B4-BE49-F238E27FC236}">
-                  <a16:creationId xmlns:a16="http://schemas.microsoft.com/office/drawing/2014/main" id="{D0C4265C-D759-B14F-84BC-58391C6B7C18}"/>
-                </a:ext>
-              </a:extLst>
-            </p:cNvPr>
-            <p:cNvSpPr/>
-            <p:nvPr/>
-          </p:nvSpPr>
-          <p:spPr>
-            <a:xfrm rot="10800000">
-              <a:off x="2798045" y="4655884"/>
-              <a:ext cx="1141344" cy="1258832"/>
-            </a:xfrm>
-            <a:prstGeom prst="arc">
-              <a:avLst>
-                <a:gd name="adj1" fmla="val 16200000"/>
-                <a:gd name="adj2" fmla="val 5401622"/>
-              </a:avLst>
-            </a:prstGeom>
-            <a:ln w="76200" cmpd="sng">
-              <a:solidFill>
-                <a:schemeClr val="bg1"/>
-              </a:solidFill>
-              <a:headEnd type="triangle" w="med" len="med"/>
-              <a:tailEnd type="none" w="med" len="med"/>
-            </a:ln>
-            <a:effectLst/>
-          </p:spPr>
-          <p:style>
-            <a:lnRef idx="2">
-              <a:schemeClr val="accent1"/>
-            </a:lnRef>
-            <a:fillRef idx="0">
-              <a:schemeClr val="accent1"/>
-            </a:fillRef>
-            <a:effectRef idx="1">
-              <a:schemeClr val="accent1"/>
-            </a:effectRef>
-            <a:fontRef idx="minor">
-              <a:schemeClr val="tx1"/>
-            </a:fontRef>
-          </p:style>
-          <p:txBody>
-            <a:bodyPr rtlCol="0" anchor="ctr"/>
-            <a:lstStyle/>
-            <a:p>
-              <a:pPr algn="ctr"/>
-              <a:endParaRPr lang="en-US"/>
-            </a:p>
-          </p:txBody>
-        </p:sp>
-        <p:sp>
-          <p:nvSpPr>
-            <p:cNvPr id="19" name="Arc 18">
-              <a:extLst>
-                <a:ext uri="{FF2B5EF4-FFF2-40B4-BE49-F238E27FC236}">
-                  <a16:creationId xmlns:a16="http://schemas.microsoft.com/office/drawing/2014/main" id="{DC8AACC8-8042-1944-84F1-27B259EDA2AC}"/>
-                </a:ext>
-              </a:extLst>
-            </p:cNvPr>
-            <p:cNvSpPr/>
-            <p:nvPr/>
-          </p:nvSpPr>
-          <p:spPr>
-            <a:xfrm rot="20700000">
-              <a:off x="4635792" y="4562648"/>
-              <a:ext cx="1141344" cy="1258832"/>
-            </a:xfrm>
-            <a:prstGeom prst="arc">
-              <a:avLst>
-                <a:gd name="adj1" fmla="val 17848501"/>
-                <a:gd name="adj2" fmla="val 5401622"/>
-              </a:avLst>
-            </a:prstGeom>
-            <a:ln w="76200" cmpd="sng">
-              <a:solidFill>
-                <a:schemeClr val="bg1"/>
-              </a:solidFill>
-              <a:headEnd type="triangle" w="med" len="med"/>
-              <a:tailEnd type="none" w="med" len="med"/>
-            </a:ln>
-            <a:effectLst/>
-          </p:spPr>
-          <p:style>
-            <a:lnRef idx="2">
-              <a:schemeClr val="accent1"/>
-            </a:lnRef>
-            <a:fillRef idx="0">
-              <a:schemeClr val="accent1"/>
-            </a:fillRef>
-            <a:effectRef idx="1">
-              <a:schemeClr val="accent1"/>
-            </a:effectRef>
-            <a:fontRef idx="minor">
-              <a:schemeClr val="tx1"/>
-            </a:fontRef>
-          </p:style>
-          <p:txBody>
-            <a:bodyPr rtlCol="0" anchor="ctr"/>
-            <a:lstStyle/>
-            <a:p>
-              <a:pPr algn="ctr"/>
-              <a:endParaRPr lang="en-US"/>
-            </a:p>
-          </p:txBody>
-        </p:sp>
-      </p:grpSp>
-      <p:sp>
-        <p:nvSpPr>
-          <p:cNvPr id="21" name="Rounded Rectangle 20">
-            <a:extLst>
-              <a:ext uri="{FF2B5EF4-FFF2-40B4-BE49-F238E27FC236}">
-                <a16:creationId xmlns:a16="http://schemas.microsoft.com/office/drawing/2014/main" id="{52D3C6C2-398E-C744-86F7-298B6594A65A}"/>
-              </a:ext>
-            </a:extLst>
-          </p:cNvPr>
-          <p:cNvSpPr/>
-          <p:nvPr/>
-        </p:nvSpPr>
-        <p:spPr>
-          <a:xfrm rot="869788">
-            <a:off x="6863190" y="3049352"/>
-            <a:ext cx="1981200" cy="985548"/>
-          </a:xfrm>
-          <a:prstGeom prst="roundRect">
-            <a:avLst>
-              <a:gd name="adj" fmla="val 9045"/>
-            </a:avLst>
-          </a:prstGeom>
-          <a:noFill/>
-          <a:ln w="19050" cmpd="sng">
-            <a:solidFill>
-              <a:srgbClr val="FFFFFF"/>
-            </a:solidFill>
-          </a:ln>
-          <a:effectLst/>
-        </p:spPr>
-        <p:style>
-          <a:lnRef idx="1">
-            <a:schemeClr val="accent1"/>
-          </a:lnRef>
-          <a:fillRef idx="3">
-            <a:schemeClr val="accent1"/>
-          </a:fillRef>
-          <a:effectRef idx="2">
-            <a:schemeClr val="accent1"/>
-          </a:effectRef>
-          <a:fontRef idx="minor">
-            <a:schemeClr val="lt1"/>
-          </a:fontRef>
-        </p:style>
-        <p:txBody>
-          <a:bodyPr rtlCol="0" anchor="ctr"/>
-          <a:lstStyle/>
-          <a:p>
-            <a:pPr algn="ctr"/>
-            <a:r>
-              <a:rPr lang="en-US" dirty="0">
-                <a:latin typeface="Lato" panose="020F0502020204030203" pitchFamily="34" charset="0"/>
-                <a:ea typeface="Lato" panose="020F0502020204030203" pitchFamily="34" charset="0"/>
-                <a:cs typeface="Lato" panose="020F0502020204030203" pitchFamily="34" charset="0"/>
-              </a:rPr>
-              <a:t>facts about which things are it</a:t>
-            </a:r>
-          </a:p>
-        </p:txBody>
-      </p:sp>
-      <p:grpSp>
-        <p:nvGrpSpPr>
           <p:cNvPr id="17" name="Group 16">
             <a:extLst>
               <a:ext uri="{FF2B5EF4-FFF2-40B4-BE49-F238E27FC236}">
@@ -6969,14 +6434,11 @@
         </p:nvGrpSpPr>
         <p:grpSpPr>
           <a:xfrm>
-            <a:off x="645226" y="644978"/>
+            <a:off x="645226" y="640383"/>
             <a:ext cx="4953003" cy="985548"/>
             <a:chOff x="645226" y="640383"/>
             <a:chExt cx="4953003" cy="985548"/>
           </a:xfrm>
-          <a:solidFill>
-            <a:schemeClr val="tx1"/>
-          </a:solidFill>
         </p:grpSpPr>
         <p:sp>
           <p:nvSpPr>
@@ -7000,7 +6462,7 @@
                 <a:gd name="adj" fmla="val 9045"/>
               </a:avLst>
             </a:prstGeom>
-            <a:grpFill/>
+            <a:noFill/>
             <a:ln w="19050" cmpd="sng">
               <a:solidFill>
                 <a:srgbClr val="FFFFFF"/>
@@ -7060,7 +6522,7 @@
                 <a:gd name="adj" fmla="val 9045"/>
               </a:avLst>
             </a:prstGeom>
-            <a:grpFill/>
+            <a:noFill/>
             <a:ln w="19050" cmpd="sng">
               <a:solidFill>
                 <a:srgbClr val="FFFFFF"/>
@@ -7099,6 +6561,2568 @@
           </p:txBody>
         </p:sp>
       </p:grpSp>
+      <p:sp>
+        <p:nvSpPr>
+          <p:cNvPr id="22" name="Down Arrow 21">
+            <a:extLst>
+              <a:ext uri="{FF2B5EF4-FFF2-40B4-BE49-F238E27FC236}">
+                <a16:creationId xmlns:a16="http://schemas.microsoft.com/office/drawing/2014/main" id="{ECB654D8-07C8-2C46-80BB-60725B2072C5}"/>
+              </a:ext>
+            </a:extLst>
+          </p:cNvPr>
+          <p:cNvSpPr/>
+          <p:nvPr/>
+        </p:nvSpPr>
+        <p:spPr>
+          <a:xfrm>
+            <a:off x="2978092" y="2492189"/>
+            <a:ext cx="234891" cy="1134047"/>
+          </a:xfrm>
+          <a:prstGeom prst="downArrow">
+            <a:avLst>
+              <a:gd name="adj1" fmla="val 50000"/>
+              <a:gd name="adj2" fmla="val 146429"/>
+            </a:avLst>
+          </a:prstGeom>
+          <a:solidFill>
+            <a:schemeClr val="bg1"/>
+          </a:solidFill>
+          <a:ln w="19050" cmpd="sng">
+            <a:solidFill>
+              <a:srgbClr val="FFFFFF"/>
+            </a:solidFill>
+          </a:ln>
+          <a:effectLst/>
+        </p:spPr>
+        <p:style>
+          <a:lnRef idx="1">
+            <a:schemeClr val="accent1"/>
+          </a:lnRef>
+          <a:fillRef idx="3">
+            <a:schemeClr val="accent1"/>
+          </a:fillRef>
+          <a:effectRef idx="2">
+            <a:schemeClr val="accent1"/>
+          </a:effectRef>
+          <a:fontRef idx="minor">
+            <a:schemeClr val="lt1"/>
+          </a:fontRef>
+        </p:style>
+        <p:txBody>
+          <a:bodyPr rtlCol="0" anchor="ctr"/>
+          <a:lstStyle/>
+          <a:p>
+            <a:pPr algn="ctr"/>
+            <a:endParaRPr lang="en-US">
+              <a:latin typeface="Lato" panose="020F0502020204030203" pitchFamily="34" charset="0"/>
+              <a:ea typeface="Lato" panose="020F0502020204030203" pitchFamily="34" charset="0"/>
+              <a:cs typeface="Lato" panose="020F0502020204030203" pitchFamily="34" charset="0"/>
+            </a:endParaRPr>
+          </a:p>
+        </p:txBody>
+      </p:sp>
+      <p:sp>
+        <p:nvSpPr>
+          <p:cNvPr id="24" name="Freeform 23">
+            <a:extLst>
+              <a:ext uri="{FF2B5EF4-FFF2-40B4-BE49-F238E27FC236}">
+                <a16:creationId xmlns:a16="http://schemas.microsoft.com/office/drawing/2014/main" id="{C7905E18-4F23-9C44-AF39-E322221AC371}"/>
+              </a:ext>
+            </a:extLst>
+          </p:cNvPr>
+          <p:cNvSpPr/>
+          <p:nvPr/>
+        </p:nvSpPr>
+        <p:spPr>
+          <a:xfrm>
+            <a:off x="1675849" y="1625931"/>
+            <a:ext cx="1392573" cy="1134047"/>
+          </a:xfrm>
+          <a:custGeom>
+            <a:avLst/>
+            <a:gdLst>
+              <a:gd name="connsiteX0" fmla="*/ 1442907 w 1444770"/>
+              <a:gd name="connsiteY0" fmla="*/ 1107347 h 1107347"/>
+              <a:gd name="connsiteX1" fmla="*/ 1258349 w 1444770"/>
+              <a:gd name="connsiteY1" fmla="*/ 562063 h 1107347"/>
+              <a:gd name="connsiteX2" fmla="*/ 268448 w 1444770"/>
+              <a:gd name="connsiteY2" fmla="*/ 343949 h 1107347"/>
+              <a:gd name="connsiteX3" fmla="*/ 0 w 1444770"/>
+              <a:gd name="connsiteY3" fmla="*/ 0 h 1107347"/>
+            </a:gdLst>
+            <a:ahLst/>
+            <a:cxnLst>
+              <a:cxn ang="0">
+                <a:pos x="connsiteX0" y="connsiteY0"/>
+              </a:cxn>
+              <a:cxn ang="0">
+                <a:pos x="connsiteX1" y="connsiteY1"/>
+              </a:cxn>
+              <a:cxn ang="0">
+                <a:pos x="connsiteX2" y="connsiteY2"/>
+              </a:cxn>
+              <a:cxn ang="0">
+                <a:pos x="connsiteX3" y="connsiteY3"/>
+              </a:cxn>
+            </a:cxnLst>
+            <a:rect l="l" t="t" r="r" b="b"/>
+            <a:pathLst>
+              <a:path w="1444770" h="1107347">
+                <a:moveTo>
+                  <a:pt x="1442907" y="1107347"/>
+                </a:moveTo>
+                <a:cubicBezTo>
+                  <a:pt x="1448499" y="898321"/>
+                  <a:pt x="1454092" y="689296"/>
+                  <a:pt x="1258349" y="562063"/>
+                </a:cubicBezTo>
+                <a:cubicBezTo>
+                  <a:pt x="1062606" y="434830"/>
+                  <a:pt x="478173" y="437626"/>
+                  <a:pt x="268448" y="343949"/>
+                </a:cubicBezTo>
+                <a:cubicBezTo>
+                  <a:pt x="58723" y="250272"/>
+                  <a:pt x="29361" y="125136"/>
+                  <a:pt x="0" y="0"/>
+                </a:cubicBezTo>
+              </a:path>
+            </a:pathLst>
+          </a:custGeom>
+          <a:noFill/>
+          <a:ln w="76200" cmpd="sng">
+            <a:solidFill>
+              <a:srgbClr val="FFFFFF"/>
+            </a:solidFill>
+          </a:ln>
+          <a:effectLst/>
+        </p:spPr>
+        <p:style>
+          <a:lnRef idx="1">
+            <a:schemeClr val="accent1"/>
+          </a:lnRef>
+          <a:fillRef idx="3">
+            <a:schemeClr val="accent1"/>
+          </a:fillRef>
+          <a:effectRef idx="2">
+            <a:schemeClr val="accent1"/>
+          </a:effectRef>
+          <a:fontRef idx="minor">
+            <a:schemeClr val="lt1"/>
+          </a:fontRef>
+        </p:style>
+        <p:txBody>
+          <a:bodyPr rtlCol="0" anchor="ctr"/>
+          <a:lstStyle/>
+          <a:p>
+            <a:pPr algn="ctr"/>
+            <a:endParaRPr lang="en-US">
+              <a:latin typeface="Lato" panose="020F0502020204030203" pitchFamily="34" charset="0"/>
+              <a:ea typeface="Lato" panose="020F0502020204030203" pitchFamily="34" charset="0"/>
+              <a:cs typeface="Lato" panose="020F0502020204030203" pitchFamily="34" charset="0"/>
+            </a:endParaRPr>
+          </a:p>
+        </p:txBody>
+      </p:sp>
+      <p:sp>
+        <p:nvSpPr>
+          <p:cNvPr id="25" name="Freeform 24">
+            <a:extLst>
+              <a:ext uri="{FF2B5EF4-FFF2-40B4-BE49-F238E27FC236}">
+                <a16:creationId xmlns:a16="http://schemas.microsoft.com/office/drawing/2014/main" id="{AE8A6C7B-3812-AC4B-B415-AD909AB384A9}"/>
+              </a:ext>
+            </a:extLst>
+          </p:cNvPr>
+          <p:cNvSpPr/>
+          <p:nvPr/>
+        </p:nvSpPr>
+        <p:spPr>
+          <a:xfrm flipH="1">
+            <a:off x="3123924" y="1625931"/>
+            <a:ext cx="1392573" cy="1134047"/>
+          </a:xfrm>
+          <a:custGeom>
+            <a:avLst/>
+            <a:gdLst>
+              <a:gd name="connsiteX0" fmla="*/ 1442907 w 1444770"/>
+              <a:gd name="connsiteY0" fmla="*/ 1107347 h 1107347"/>
+              <a:gd name="connsiteX1" fmla="*/ 1258349 w 1444770"/>
+              <a:gd name="connsiteY1" fmla="*/ 562063 h 1107347"/>
+              <a:gd name="connsiteX2" fmla="*/ 268448 w 1444770"/>
+              <a:gd name="connsiteY2" fmla="*/ 343949 h 1107347"/>
+              <a:gd name="connsiteX3" fmla="*/ 0 w 1444770"/>
+              <a:gd name="connsiteY3" fmla="*/ 0 h 1107347"/>
+            </a:gdLst>
+            <a:ahLst/>
+            <a:cxnLst>
+              <a:cxn ang="0">
+                <a:pos x="connsiteX0" y="connsiteY0"/>
+              </a:cxn>
+              <a:cxn ang="0">
+                <a:pos x="connsiteX1" y="connsiteY1"/>
+              </a:cxn>
+              <a:cxn ang="0">
+                <a:pos x="connsiteX2" y="connsiteY2"/>
+              </a:cxn>
+              <a:cxn ang="0">
+                <a:pos x="connsiteX3" y="connsiteY3"/>
+              </a:cxn>
+            </a:cxnLst>
+            <a:rect l="l" t="t" r="r" b="b"/>
+            <a:pathLst>
+              <a:path w="1444770" h="1107347">
+                <a:moveTo>
+                  <a:pt x="1442907" y="1107347"/>
+                </a:moveTo>
+                <a:cubicBezTo>
+                  <a:pt x="1448499" y="898321"/>
+                  <a:pt x="1454092" y="689296"/>
+                  <a:pt x="1258349" y="562063"/>
+                </a:cubicBezTo>
+                <a:cubicBezTo>
+                  <a:pt x="1062606" y="434830"/>
+                  <a:pt x="478173" y="437626"/>
+                  <a:pt x="268448" y="343949"/>
+                </a:cubicBezTo>
+                <a:cubicBezTo>
+                  <a:pt x="58723" y="250272"/>
+                  <a:pt x="29361" y="125136"/>
+                  <a:pt x="0" y="0"/>
+                </a:cubicBezTo>
+              </a:path>
+            </a:pathLst>
+          </a:custGeom>
+          <a:noFill/>
+          <a:ln w="76200" cmpd="sng">
+            <a:solidFill>
+              <a:srgbClr val="FFFFFF"/>
+            </a:solidFill>
+          </a:ln>
+          <a:effectLst/>
+        </p:spPr>
+        <p:style>
+          <a:lnRef idx="1">
+            <a:schemeClr val="accent1"/>
+          </a:lnRef>
+          <a:fillRef idx="3">
+            <a:schemeClr val="accent1"/>
+          </a:fillRef>
+          <a:effectRef idx="2">
+            <a:schemeClr val="accent1"/>
+          </a:effectRef>
+          <a:fontRef idx="minor">
+            <a:schemeClr val="lt1"/>
+          </a:fontRef>
+        </p:style>
+        <p:txBody>
+          <a:bodyPr rtlCol="0" anchor="ctr"/>
+          <a:lstStyle/>
+          <a:p>
+            <a:pPr algn="ctr"/>
+            <a:endParaRPr lang="en-US">
+              <a:latin typeface="Lato" panose="020F0502020204030203" pitchFamily="34" charset="0"/>
+              <a:ea typeface="Lato" panose="020F0502020204030203" pitchFamily="34" charset="0"/>
+              <a:cs typeface="Lato" panose="020F0502020204030203" pitchFamily="34" charset="0"/>
+            </a:endParaRPr>
+          </a:p>
+        </p:txBody>
+      </p:sp>
+    </p:spTree>
+    <p:extLst>
+      <p:ext uri="{BB962C8B-B14F-4D97-AF65-F5344CB8AC3E}">
+        <p14:creationId xmlns:p14="http://schemas.microsoft.com/office/powerpoint/2010/main" val="1607988074"/>
+      </p:ext>
+    </p:extLst>
+  </p:cSld>
+  <p:clrMapOvr>
+    <a:masterClrMapping/>
+  </p:clrMapOvr>
+</p:sld>
+</file>
+
+<file path=ppt/slides/slide2.xml><?xml version="1.0" encoding="utf-8"?>
+<p:sld xmlns:a="http://schemas.openxmlformats.org/drawingml/2006/main" xmlns:r="http://schemas.openxmlformats.org/officeDocument/2006/relationships" xmlns:p="http://schemas.openxmlformats.org/presentationml/2006/main">
+  <p:cSld>
+    <p:spTree>
+      <p:nvGrpSpPr>
+        <p:cNvPr id="1" name=""/>
+        <p:cNvGrpSpPr/>
+        <p:nvPr/>
+      </p:nvGrpSpPr>
+      <p:grpSpPr>
+        <a:xfrm>
+          <a:off x="0" y="0"/>
+          <a:ext cx="0" cy="0"/>
+          <a:chOff x="0" y="0"/>
+          <a:chExt cx="0" cy="0"/>
+        </a:xfrm>
+      </p:grpSpPr>
+      <p:sp>
+        <p:nvSpPr>
+          <p:cNvPr id="15" name="Rounded Rectangle 14">
+            <a:extLst>
+              <a:ext uri="{FF2B5EF4-FFF2-40B4-BE49-F238E27FC236}">
+                <a16:creationId xmlns:a16="http://schemas.microsoft.com/office/drawing/2014/main" id="{99D2EAF6-B6EC-F048-B6A6-42B6AEAB15CA}"/>
+              </a:ext>
+            </a:extLst>
+          </p:cNvPr>
+          <p:cNvSpPr/>
+          <p:nvPr/>
+        </p:nvSpPr>
+        <p:spPr>
+          <a:xfrm>
+            <a:off x="645226" y="322249"/>
+            <a:ext cx="1981200" cy="985548"/>
+          </a:xfrm>
+          <a:prstGeom prst="roundRect">
+            <a:avLst>
+              <a:gd name="adj" fmla="val 9045"/>
+            </a:avLst>
+          </a:prstGeom>
+          <a:solidFill>
+            <a:schemeClr val="tx1"/>
+          </a:solidFill>
+          <a:ln w="19050" cmpd="sng">
+            <a:solidFill>
+              <a:srgbClr val="FFFFFF"/>
+            </a:solidFill>
+          </a:ln>
+          <a:effectLst/>
+        </p:spPr>
+        <p:style>
+          <a:lnRef idx="1">
+            <a:schemeClr val="accent1"/>
+          </a:lnRef>
+          <a:fillRef idx="3">
+            <a:schemeClr val="accent1"/>
+          </a:fillRef>
+          <a:effectRef idx="2">
+            <a:schemeClr val="accent1"/>
+          </a:effectRef>
+          <a:fontRef idx="minor">
+            <a:schemeClr val="lt1"/>
+          </a:fontRef>
+        </p:style>
+        <p:txBody>
+          <a:bodyPr rtlCol="0" anchor="ctr"/>
+          <a:lstStyle/>
+          <a:p>
+            <a:pPr algn="ctr"/>
+            <a:r>
+              <a:rPr lang="en-US" dirty="0">
+                <a:latin typeface="Lato" panose="020F0502020204030203" pitchFamily="34" charset="0"/>
+                <a:ea typeface="Lato" panose="020F0502020204030203" pitchFamily="34" charset="0"/>
+                <a:cs typeface="Lato" panose="020F0502020204030203" pitchFamily="34" charset="0"/>
+              </a:rPr>
+              <a:t>psychological capacities &amp; their development</a:t>
+            </a:r>
+          </a:p>
+        </p:txBody>
+      </p:sp>
+    </p:spTree>
+    <p:extLst>
+      <p:ext uri="{BB962C8B-B14F-4D97-AF65-F5344CB8AC3E}">
+        <p14:creationId xmlns:p14="http://schemas.microsoft.com/office/powerpoint/2010/main" val="4132935139"/>
+      </p:ext>
+    </p:extLst>
+  </p:cSld>
+  <p:clrMapOvr>
+    <a:masterClrMapping/>
+  </p:clrMapOvr>
+</p:sld>
+</file>
+
+<file path=ppt/slides/slide3.xml><?xml version="1.0" encoding="utf-8"?>
+<p:sld xmlns:a="http://schemas.openxmlformats.org/drawingml/2006/main" xmlns:r="http://schemas.openxmlformats.org/officeDocument/2006/relationships" xmlns:p="http://schemas.openxmlformats.org/presentationml/2006/main">
+  <p:cSld>
+    <p:spTree>
+      <p:nvGrpSpPr>
+        <p:cNvPr id="1" name=""/>
+        <p:cNvGrpSpPr/>
+        <p:nvPr/>
+      </p:nvGrpSpPr>
+      <p:grpSpPr>
+        <a:xfrm>
+          <a:off x="0" y="0"/>
+          <a:ext cx="0" cy="0"/>
+          <a:chOff x="0" y="0"/>
+          <a:chExt cx="0" cy="0"/>
+        </a:xfrm>
+      </p:grpSpPr>
+      <p:sp>
+        <p:nvSpPr>
+          <p:cNvPr id="16" name="Rounded Rectangle 15">
+            <a:extLst>
+              <a:ext uri="{FF2B5EF4-FFF2-40B4-BE49-F238E27FC236}">
+                <a16:creationId xmlns:a16="http://schemas.microsoft.com/office/drawing/2014/main" id="{2C364BA5-9CAC-6143-A91C-40563C8FD1A5}"/>
+              </a:ext>
+            </a:extLst>
+          </p:cNvPr>
+          <p:cNvSpPr/>
+          <p:nvPr/>
+        </p:nvSpPr>
+        <p:spPr>
+          <a:xfrm>
+            <a:off x="3617029" y="322249"/>
+            <a:ext cx="1981200" cy="985548"/>
+          </a:xfrm>
+          <a:prstGeom prst="roundRect">
+            <a:avLst>
+              <a:gd name="adj" fmla="val 9045"/>
+            </a:avLst>
+          </a:prstGeom>
+          <a:solidFill>
+            <a:schemeClr val="tx1"/>
+          </a:solidFill>
+          <a:ln w="19050" cmpd="sng">
+            <a:solidFill>
+              <a:srgbClr val="FFFFFF"/>
+            </a:solidFill>
+          </a:ln>
+          <a:effectLst/>
+        </p:spPr>
+        <p:style>
+          <a:lnRef idx="1">
+            <a:schemeClr val="accent1"/>
+          </a:lnRef>
+          <a:fillRef idx="3">
+            <a:schemeClr val="accent1"/>
+          </a:fillRef>
+          <a:effectRef idx="2">
+            <a:schemeClr val="accent1"/>
+          </a:effectRef>
+          <a:fontRef idx="minor">
+            <a:schemeClr val="lt1"/>
+          </a:fontRef>
+        </p:style>
+        <p:txBody>
+          <a:bodyPr rtlCol="0" anchor="ctr"/>
+          <a:lstStyle/>
+          <a:p>
+            <a:pPr algn="ctr"/>
+            <a:r>
+              <a:rPr lang="en-US" dirty="0">
+                <a:latin typeface="Lato" panose="020F0502020204030203" pitchFamily="34" charset="0"/>
+                <a:ea typeface="Lato" panose="020F0502020204030203" pitchFamily="34" charset="0"/>
+                <a:cs typeface="Lato" panose="020F0502020204030203" pitchFamily="34" charset="0"/>
+              </a:rPr>
+              <a:t>‘the evidence from everyday thinking’</a:t>
+            </a:r>
+          </a:p>
+        </p:txBody>
+      </p:sp>
+    </p:spTree>
+    <p:extLst>
+      <p:ext uri="{BB962C8B-B14F-4D97-AF65-F5344CB8AC3E}">
+        <p14:creationId xmlns:p14="http://schemas.microsoft.com/office/powerpoint/2010/main" val="2948710558"/>
+      </p:ext>
+    </p:extLst>
+  </p:cSld>
+  <p:clrMapOvr>
+    <a:masterClrMapping/>
+  </p:clrMapOvr>
+</p:sld>
+</file>
+
+<file path=ppt/slides/slide4.xml><?xml version="1.0" encoding="utf-8"?>
+<p:sld xmlns:a="http://schemas.openxmlformats.org/drawingml/2006/main" xmlns:r="http://schemas.openxmlformats.org/officeDocument/2006/relationships" xmlns:p="http://schemas.openxmlformats.org/presentationml/2006/main">
+  <p:cSld>
+    <p:spTree>
+      <p:nvGrpSpPr>
+        <p:cNvPr id="1" name=""/>
+        <p:cNvGrpSpPr/>
+        <p:nvPr/>
+      </p:nvGrpSpPr>
+      <p:grpSpPr>
+        <a:xfrm>
+          <a:off x="0" y="0"/>
+          <a:ext cx="0" cy="0"/>
+          <a:chOff x="0" y="0"/>
+          <a:chExt cx="0" cy="0"/>
+        </a:xfrm>
+      </p:grpSpPr>
+      <p:sp>
+        <p:nvSpPr>
+          <p:cNvPr id="9" name="Rounded Rectangle 8">
+            <a:extLst>
+              <a:ext uri="{FF2B5EF4-FFF2-40B4-BE49-F238E27FC236}">
+                <a16:creationId xmlns:a16="http://schemas.microsoft.com/office/drawing/2014/main" id="{050427A6-44B1-E34A-BC21-527C8E2C3F83}"/>
+              </a:ext>
+            </a:extLst>
+          </p:cNvPr>
+          <p:cNvSpPr/>
+          <p:nvPr/>
+        </p:nvSpPr>
+        <p:spPr>
+          <a:xfrm>
+            <a:off x="2133324" y="2206172"/>
+            <a:ext cx="1981200" cy="985548"/>
+          </a:xfrm>
+          <a:prstGeom prst="roundRect">
+            <a:avLst>
+              <a:gd name="adj" fmla="val 9045"/>
+            </a:avLst>
+          </a:prstGeom>
+          <a:noFill/>
+          <a:ln w="19050" cmpd="sng">
+            <a:solidFill>
+              <a:srgbClr val="FFFFFF"/>
+            </a:solidFill>
+          </a:ln>
+          <a:effectLst/>
+        </p:spPr>
+        <p:style>
+          <a:lnRef idx="1">
+            <a:schemeClr val="accent1"/>
+          </a:lnRef>
+          <a:fillRef idx="3">
+            <a:schemeClr val="accent1"/>
+          </a:fillRef>
+          <a:effectRef idx="2">
+            <a:schemeClr val="accent1"/>
+          </a:effectRef>
+          <a:fontRef idx="minor">
+            <a:schemeClr val="lt1"/>
+          </a:fontRef>
+        </p:style>
+        <p:txBody>
+          <a:bodyPr rtlCol="0" anchor="ctr"/>
+          <a:lstStyle/>
+          <a:p>
+            <a:pPr algn="ctr"/>
+            <a:r>
+              <a:rPr lang="en-US" dirty="0">
+                <a:latin typeface="Lato" panose="020F0502020204030203" pitchFamily="34" charset="0"/>
+                <a:ea typeface="Lato" panose="020F0502020204030203" pitchFamily="34" charset="0"/>
+                <a:cs typeface="Lato" panose="020F0502020204030203" pitchFamily="34" charset="0"/>
+              </a:rPr>
+              <a:t>facts about which things are it</a:t>
+            </a:r>
+          </a:p>
+        </p:txBody>
+      </p:sp>
+    </p:spTree>
+    <p:extLst>
+      <p:ext uri="{BB962C8B-B14F-4D97-AF65-F5344CB8AC3E}">
+        <p14:creationId xmlns:p14="http://schemas.microsoft.com/office/powerpoint/2010/main" val="676126282"/>
+      </p:ext>
+    </p:extLst>
+  </p:cSld>
+  <p:clrMapOvr>
+    <a:masterClrMapping/>
+  </p:clrMapOvr>
+</p:sld>
+</file>
+
+<file path=ppt/slides/slide5.xml><?xml version="1.0" encoding="utf-8"?>
+<p:sld xmlns:a="http://schemas.openxmlformats.org/drawingml/2006/main" xmlns:r="http://schemas.openxmlformats.org/officeDocument/2006/relationships" xmlns:p="http://schemas.openxmlformats.org/presentationml/2006/main">
+  <p:cSld>
+    <p:spTree>
+      <p:nvGrpSpPr>
+        <p:cNvPr id="1" name=""/>
+        <p:cNvGrpSpPr/>
+        <p:nvPr/>
+      </p:nvGrpSpPr>
+      <p:grpSpPr>
+        <a:xfrm>
+          <a:off x="0" y="0"/>
+          <a:ext cx="0" cy="0"/>
+          <a:chOff x="0" y="0"/>
+          <a:chExt cx="0" cy="0"/>
+        </a:xfrm>
+      </p:grpSpPr>
+      <p:sp>
+        <p:nvSpPr>
+          <p:cNvPr id="37" name="Rectangle 36">
+            <a:extLst>
+              <a:ext uri="{FF2B5EF4-FFF2-40B4-BE49-F238E27FC236}">
+                <a16:creationId xmlns:a16="http://schemas.microsoft.com/office/drawing/2014/main" id="{0BDABD21-1DB9-CE40-A7BC-5750082C7788}"/>
+              </a:ext>
+            </a:extLst>
+          </p:cNvPr>
+          <p:cNvSpPr/>
+          <p:nvPr/>
+        </p:nvSpPr>
+        <p:spPr>
+          <a:xfrm>
+            <a:off x="1" y="-159"/>
+            <a:ext cx="9144000" cy="6858159"/>
+          </a:xfrm>
+          <a:prstGeom prst="rect">
+            <a:avLst/>
+          </a:prstGeom>
+          <a:solidFill>
+            <a:schemeClr val="bg1"/>
+          </a:solidFill>
+          <a:ln w="19050" cmpd="sng">
+            <a:noFill/>
+          </a:ln>
+          <a:effectLst/>
+        </p:spPr>
+        <p:style>
+          <a:lnRef idx="1">
+            <a:schemeClr val="accent1"/>
+          </a:lnRef>
+          <a:fillRef idx="3">
+            <a:schemeClr val="accent1"/>
+          </a:fillRef>
+          <a:effectRef idx="2">
+            <a:schemeClr val="accent1"/>
+          </a:effectRef>
+          <a:fontRef idx="minor">
+            <a:schemeClr val="lt1"/>
+          </a:fontRef>
+        </p:style>
+        <p:txBody>
+          <a:bodyPr rtlCol="0" anchor="ctr"/>
+          <a:lstStyle/>
+          <a:p>
+            <a:pPr algn="ctr"/>
+            <a:endParaRPr lang="en-US"/>
+          </a:p>
+        </p:txBody>
+      </p:sp>
+      <p:sp>
+        <p:nvSpPr>
+          <p:cNvPr id="34" name="Rectangle 33">
+            <a:extLst>
+              <a:ext uri="{FF2B5EF4-FFF2-40B4-BE49-F238E27FC236}">
+                <a16:creationId xmlns:a16="http://schemas.microsoft.com/office/drawing/2014/main" id="{73F7B92F-7531-2A4E-B136-A64E92F4BF78}"/>
+              </a:ext>
+            </a:extLst>
+          </p:cNvPr>
+          <p:cNvSpPr/>
+          <p:nvPr/>
+        </p:nvSpPr>
+        <p:spPr>
+          <a:xfrm>
+            <a:off x="0" y="0"/>
+            <a:ext cx="9143999" cy="3425637"/>
+          </a:xfrm>
+          <a:prstGeom prst="rect">
+            <a:avLst/>
+          </a:prstGeom>
+          <a:solidFill>
+            <a:schemeClr val="tx1"/>
+          </a:solidFill>
+          <a:ln w="19050" cmpd="sng">
+            <a:noFill/>
+          </a:ln>
+          <a:effectLst/>
+        </p:spPr>
+        <p:style>
+          <a:lnRef idx="1">
+            <a:schemeClr val="accent1"/>
+          </a:lnRef>
+          <a:fillRef idx="3">
+            <a:schemeClr val="accent1"/>
+          </a:fillRef>
+          <a:effectRef idx="2">
+            <a:schemeClr val="accent1"/>
+          </a:effectRef>
+          <a:fontRef idx="minor">
+            <a:schemeClr val="lt1"/>
+          </a:fontRef>
+        </p:style>
+        <p:txBody>
+          <a:bodyPr rtlCol="0" anchor="ctr"/>
+          <a:lstStyle/>
+          <a:p>
+            <a:pPr algn="ctr"/>
+            <a:endParaRPr lang="en-US"/>
+          </a:p>
+        </p:txBody>
+      </p:sp>
+      <p:sp>
+        <p:nvSpPr>
+          <p:cNvPr id="9" name="Rounded Rectangle 8">
+            <a:extLst>
+              <a:ext uri="{FF2B5EF4-FFF2-40B4-BE49-F238E27FC236}">
+                <a16:creationId xmlns:a16="http://schemas.microsoft.com/office/drawing/2014/main" id="{136BF6F5-80A1-1049-83E3-8B904852DD4B}"/>
+              </a:ext>
+            </a:extLst>
+          </p:cNvPr>
+          <p:cNvSpPr/>
+          <p:nvPr/>
+        </p:nvSpPr>
+        <p:spPr>
+          <a:xfrm>
+            <a:off x="3730401" y="3926193"/>
+            <a:ext cx="1981200" cy="985548"/>
+          </a:xfrm>
+          <a:prstGeom prst="roundRect">
+            <a:avLst>
+              <a:gd name="adj" fmla="val 9045"/>
+            </a:avLst>
+          </a:prstGeom>
+          <a:solidFill>
+            <a:schemeClr val="bg1"/>
+          </a:solidFill>
+          <a:ln w="19050" cmpd="sng">
+            <a:solidFill>
+              <a:schemeClr val="tx1"/>
+            </a:solidFill>
+          </a:ln>
+          <a:effectLst/>
+        </p:spPr>
+        <p:style>
+          <a:lnRef idx="1">
+            <a:schemeClr val="accent1"/>
+          </a:lnRef>
+          <a:fillRef idx="3">
+            <a:schemeClr val="accent1"/>
+          </a:fillRef>
+          <a:effectRef idx="2">
+            <a:schemeClr val="accent1"/>
+          </a:effectRef>
+          <a:fontRef idx="minor">
+            <a:schemeClr val="lt1"/>
+          </a:fontRef>
+        </p:style>
+        <p:txBody>
+          <a:bodyPr rtlCol="0" anchor="ctr"/>
+          <a:lstStyle/>
+          <a:p>
+            <a:pPr algn="ctr"/>
+            <a:r>
+              <a:rPr lang="en-US" dirty="0">
+                <a:solidFill>
+                  <a:schemeClr val="tx1"/>
+                </a:solidFill>
+                <a:latin typeface="Lato" panose="020F0502020204030203" pitchFamily="34" charset="0"/>
+                <a:ea typeface="Lato" panose="020F0502020204030203" pitchFamily="34" charset="0"/>
+                <a:cs typeface="Lato" panose="020F0502020204030203" pitchFamily="34" charset="0"/>
+              </a:rPr>
+              <a:t>mechanistically neutral </a:t>
+            </a:r>
+            <a:r>
+              <a:rPr lang="en-US" dirty="0" err="1">
+                <a:solidFill>
+                  <a:schemeClr val="tx1"/>
+                </a:solidFill>
+                <a:latin typeface="Lato" panose="020F0502020204030203" pitchFamily="34" charset="0"/>
+                <a:ea typeface="Lato" panose="020F0502020204030203" pitchFamily="34" charset="0"/>
+                <a:cs typeface="Lato" panose="020F0502020204030203" pitchFamily="34" charset="0"/>
+              </a:rPr>
+              <a:t>characterisations</a:t>
+            </a:r>
+            <a:endParaRPr lang="en-US" dirty="0">
+              <a:solidFill>
+                <a:schemeClr val="tx1"/>
+              </a:solidFill>
+              <a:latin typeface="Lato" panose="020F0502020204030203" pitchFamily="34" charset="0"/>
+              <a:ea typeface="Lato" panose="020F0502020204030203" pitchFamily="34" charset="0"/>
+              <a:cs typeface="Lato" panose="020F0502020204030203" pitchFamily="34" charset="0"/>
+            </a:endParaRPr>
+          </a:p>
+        </p:txBody>
+      </p:sp>
+    </p:spTree>
+    <p:extLst>
+      <p:ext uri="{BB962C8B-B14F-4D97-AF65-F5344CB8AC3E}">
+        <p14:creationId xmlns:p14="http://schemas.microsoft.com/office/powerpoint/2010/main" val="2183245415"/>
+      </p:ext>
+    </p:extLst>
+  </p:cSld>
+  <p:clrMapOvr>
+    <a:masterClrMapping/>
+  </p:clrMapOvr>
+</p:sld>
+</file>
+
+<file path=ppt/slides/slide6.xml><?xml version="1.0" encoding="utf-8"?>
+<p:sld xmlns:a="http://schemas.openxmlformats.org/drawingml/2006/main" xmlns:r="http://schemas.openxmlformats.org/officeDocument/2006/relationships" xmlns:p="http://schemas.openxmlformats.org/presentationml/2006/main">
+  <p:cSld>
+    <p:spTree>
+      <p:nvGrpSpPr>
+        <p:cNvPr id="1" name=""/>
+        <p:cNvGrpSpPr/>
+        <p:nvPr/>
+      </p:nvGrpSpPr>
+      <p:grpSpPr>
+        <a:xfrm>
+          <a:off x="0" y="0"/>
+          <a:ext cx="0" cy="0"/>
+          <a:chOff x="0" y="0"/>
+          <a:chExt cx="0" cy="0"/>
+        </a:xfrm>
+      </p:grpSpPr>
+      <p:sp>
+        <p:nvSpPr>
+          <p:cNvPr id="37" name="Rectangle 36">
+            <a:extLst>
+              <a:ext uri="{FF2B5EF4-FFF2-40B4-BE49-F238E27FC236}">
+                <a16:creationId xmlns:a16="http://schemas.microsoft.com/office/drawing/2014/main" id="{0BDABD21-1DB9-CE40-A7BC-5750082C7788}"/>
+              </a:ext>
+            </a:extLst>
+          </p:cNvPr>
+          <p:cNvSpPr/>
+          <p:nvPr/>
+        </p:nvSpPr>
+        <p:spPr>
+          <a:xfrm>
+            <a:off x="1" y="-159"/>
+            <a:ext cx="9144000" cy="6858159"/>
+          </a:xfrm>
+          <a:prstGeom prst="rect">
+            <a:avLst/>
+          </a:prstGeom>
+          <a:solidFill>
+            <a:schemeClr val="bg1"/>
+          </a:solidFill>
+          <a:ln w="19050" cmpd="sng">
+            <a:noFill/>
+          </a:ln>
+          <a:effectLst/>
+        </p:spPr>
+        <p:style>
+          <a:lnRef idx="1">
+            <a:schemeClr val="accent1"/>
+          </a:lnRef>
+          <a:fillRef idx="3">
+            <a:schemeClr val="accent1"/>
+          </a:fillRef>
+          <a:effectRef idx="2">
+            <a:schemeClr val="accent1"/>
+          </a:effectRef>
+          <a:fontRef idx="minor">
+            <a:schemeClr val="lt1"/>
+          </a:fontRef>
+        </p:style>
+        <p:txBody>
+          <a:bodyPr rtlCol="0" anchor="ctr"/>
+          <a:lstStyle/>
+          <a:p>
+            <a:pPr algn="ctr"/>
+            <a:endParaRPr lang="en-US"/>
+          </a:p>
+        </p:txBody>
+      </p:sp>
+      <p:sp>
+        <p:nvSpPr>
+          <p:cNvPr id="34" name="Rectangle 33">
+            <a:extLst>
+              <a:ext uri="{FF2B5EF4-FFF2-40B4-BE49-F238E27FC236}">
+                <a16:creationId xmlns:a16="http://schemas.microsoft.com/office/drawing/2014/main" id="{73F7B92F-7531-2A4E-B136-A64E92F4BF78}"/>
+              </a:ext>
+            </a:extLst>
+          </p:cNvPr>
+          <p:cNvSpPr/>
+          <p:nvPr/>
+        </p:nvSpPr>
+        <p:spPr>
+          <a:xfrm>
+            <a:off x="0" y="0"/>
+            <a:ext cx="9143999" cy="3425637"/>
+          </a:xfrm>
+          <a:prstGeom prst="rect">
+            <a:avLst/>
+          </a:prstGeom>
+          <a:solidFill>
+            <a:schemeClr val="tx1"/>
+          </a:solidFill>
+          <a:ln w="19050" cmpd="sng">
+            <a:noFill/>
+          </a:ln>
+          <a:effectLst/>
+        </p:spPr>
+        <p:style>
+          <a:lnRef idx="1">
+            <a:schemeClr val="accent1"/>
+          </a:lnRef>
+          <a:fillRef idx="3">
+            <a:schemeClr val="accent1"/>
+          </a:fillRef>
+          <a:effectRef idx="2">
+            <a:schemeClr val="accent1"/>
+          </a:effectRef>
+          <a:fontRef idx="minor">
+            <a:schemeClr val="lt1"/>
+          </a:fontRef>
+        </p:style>
+        <p:txBody>
+          <a:bodyPr rtlCol="0" anchor="ctr"/>
+          <a:lstStyle/>
+          <a:p>
+            <a:pPr algn="ctr"/>
+            <a:endParaRPr lang="en-US"/>
+          </a:p>
+        </p:txBody>
+      </p:sp>
+      <p:sp>
+        <p:nvSpPr>
+          <p:cNvPr id="9" name="Rounded Rectangle 8">
+            <a:extLst>
+              <a:ext uri="{FF2B5EF4-FFF2-40B4-BE49-F238E27FC236}">
+                <a16:creationId xmlns:a16="http://schemas.microsoft.com/office/drawing/2014/main" id="{136BF6F5-80A1-1049-83E3-8B904852DD4B}"/>
+              </a:ext>
+            </a:extLst>
+          </p:cNvPr>
+          <p:cNvSpPr/>
+          <p:nvPr/>
+        </p:nvSpPr>
+        <p:spPr>
+          <a:xfrm>
+            <a:off x="3730401" y="3926193"/>
+            <a:ext cx="1981200" cy="985548"/>
+          </a:xfrm>
+          <a:prstGeom prst="roundRect">
+            <a:avLst>
+              <a:gd name="adj" fmla="val 9045"/>
+            </a:avLst>
+          </a:prstGeom>
+          <a:solidFill>
+            <a:schemeClr val="bg1"/>
+          </a:solidFill>
+          <a:ln w="19050" cmpd="sng">
+            <a:solidFill>
+              <a:schemeClr val="tx1"/>
+            </a:solidFill>
+          </a:ln>
+          <a:effectLst/>
+        </p:spPr>
+        <p:style>
+          <a:lnRef idx="1">
+            <a:schemeClr val="accent1"/>
+          </a:lnRef>
+          <a:fillRef idx="3">
+            <a:schemeClr val="accent1"/>
+          </a:fillRef>
+          <a:effectRef idx="2">
+            <a:schemeClr val="accent1"/>
+          </a:effectRef>
+          <a:fontRef idx="minor">
+            <a:schemeClr val="lt1"/>
+          </a:fontRef>
+        </p:style>
+        <p:txBody>
+          <a:bodyPr rtlCol="0" anchor="ctr"/>
+          <a:lstStyle/>
+          <a:p>
+            <a:pPr algn="ctr"/>
+            <a:r>
+              <a:rPr lang="en-US" dirty="0">
+                <a:solidFill>
+                  <a:schemeClr val="tx1"/>
+                </a:solidFill>
+                <a:latin typeface="Lato" panose="020F0502020204030203" pitchFamily="34" charset="0"/>
+                <a:ea typeface="Lato" panose="020F0502020204030203" pitchFamily="34" charset="0"/>
+                <a:cs typeface="Lato" panose="020F0502020204030203" pitchFamily="34" charset="0"/>
+              </a:rPr>
+              <a:t>mechanistically neutral </a:t>
+            </a:r>
+            <a:r>
+              <a:rPr lang="en-US" dirty="0" err="1">
+                <a:solidFill>
+                  <a:schemeClr val="tx1"/>
+                </a:solidFill>
+                <a:latin typeface="Lato" panose="020F0502020204030203" pitchFamily="34" charset="0"/>
+                <a:ea typeface="Lato" panose="020F0502020204030203" pitchFamily="34" charset="0"/>
+                <a:cs typeface="Lato" panose="020F0502020204030203" pitchFamily="34" charset="0"/>
+              </a:rPr>
+              <a:t>characterisations</a:t>
+            </a:r>
+            <a:endParaRPr lang="en-US" dirty="0">
+              <a:solidFill>
+                <a:schemeClr val="tx1"/>
+              </a:solidFill>
+              <a:latin typeface="Lato" panose="020F0502020204030203" pitchFamily="34" charset="0"/>
+              <a:ea typeface="Lato" panose="020F0502020204030203" pitchFamily="34" charset="0"/>
+              <a:cs typeface="Lato" panose="020F0502020204030203" pitchFamily="34" charset="0"/>
+            </a:endParaRPr>
+          </a:p>
+        </p:txBody>
+      </p:sp>
+      <p:cxnSp>
+        <p:nvCxnSpPr>
+          <p:cNvPr id="5" name="Straight Arrow Connector 4">
+            <a:extLst>
+              <a:ext uri="{FF2B5EF4-FFF2-40B4-BE49-F238E27FC236}">
+                <a16:creationId xmlns:a16="http://schemas.microsoft.com/office/drawing/2014/main" id="{0B72C9E9-0C8D-424E-89C3-DEEB839E4177}"/>
+              </a:ext>
+            </a:extLst>
+          </p:cNvPr>
+          <p:cNvCxnSpPr>
+            <a:cxnSpLocks/>
+            <a:stCxn id="8" idx="3"/>
+          </p:cNvCxnSpPr>
+          <p:nvPr/>
+        </p:nvCxnSpPr>
+        <p:spPr>
+          <a:xfrm flipV="1">
+            <a:off x="2468138" y="4069955"/>
+            <a:ext cx="1127042" cy="2458617"/>
+          </a:xfrm>
+          <a:prstGeom prst="straightConnector1">
+            <a:avLst/>
+          </a:prstGeom>
+          <a:ln w="38100" cmpd="sng">
+            <a:solidFill>
+              <a:schemeClr val="tx1"/>
+            </a:solidFill>
+            <a:tailEnd type="triangle"/>
+          </a:ln>
+          <a:effectLst/>
+        </p:spPr>
+        <p:style>
+          <a:lnRef idx="2">
+            <a:schemeClr val="accent1"/>
+          </a:lnRef>
+          <a:fillRef idx="0">
+            <a:schemeClr val="accent1"/>
+          </a:fillRef>
+          <a:effectRef idx="1">
+            <a:schemeClr val="accent1"/>
+          </a:effectRef>
+          <a:fontRef idx="minor">
+            <a:schemeClr val="tx1"/>
+          </a:fontRef>
+        </p:style>
+      </p:cxnSp>
+      <p:sp>
+        <p:nvSpPr>
+          <p:cNvPr id="6" name="Rounded Rectangle 5">
+            <a:extLst>
+              <a:ext uri="{FF2B5EF4-FFF2-40B4-BE49-F238E27FC236}">
+                <a16:creationId xmlns:a16="http://schemas.microsoft.com/office/drawing/2014/main" id="{F40A76F6-0B53-9949-84C5-F25994DC17CE}"/>
+              </a:ext>
+            </a:extLst>
+          </p:cNvPr>
+          <p:cNvSpPr/>
+          <p:nvPr/>
+        </p:nvSpPr>
+        <p:spPr>
+          <a:xfrm>
+            <a:off x="467115" y="3740886"/>
+            <a:ext cx="1981200" cy="985548"/>
+          </a:xfrm>
+          <a:prstGeom prst="roundRect">
+            <a:avLst>
+              <a:gd name="adj" fmla="val 9045"/>
+            </a:avLst>
+          </a:prstGeom>
+          <a:solidFill>
+            <a:schemeClr val="bg1"/>
+          </a:solidFill>
+          <a:ln w="19050" cmpd="sng">
+            <a:solidFill>
+              <a:schemeClr val="tx1"/>
+            </a:solidFill>
+          </a:ln>
+          <a:effectLst/>
+        </p:spPr>
+        <p:style>
+          <a:lnRef idx="1">
+            <a:schemeClr val="accent1"/>
+          </a:lnRef>
+          <a:fillRef idx="3">
+            <a:schemeClr val="accent1"/>
+          </a:fillRef>
+          <a:effectRef idx="2">
+            <a:schemeClr val="accent1"/>
+          </a:effectRef>
+          <a:fontRef idx="minor">
+            <a:schemeClr val="lt1"/>
+          </a:fontRef>
+        </p:style>
+        <p:txBody>
+          <a:bodyPr rtlCol="0" anchor="ctr"/>
+          <a:lstStyle/>
+          <a:p>
+            <a:pPr algn="ctr"/>
+            <a:r>
+              <a:rPr lang="en-US" dirty="0">
+                <a:solidFill>
+                  <a:schemeClr val="tx1"/>
+                </a:solidFill>
+                <a:latin typeface="Lato" panose="020F0502020204030203" pitchFamily="34" charset="0"/>
+                <a:ea typeface="Lato" panose="020F0502020204030203" pitchFamily="34" charset="0"/>
+                <a:cs typeface="Lato" panose="020F0502020204030203" pitchFamily="34" charset="0"/>
+              </a:rPr>
+              <a:t>‘the evidence from everyday thinking’</a:t>
+            </a:r>
+          </a:p>
+        </p:txBody>
+      </p:sp>
+      <p:sp>
+        <p:nvSpPr>
+          <p:cNvPr id="7" name="Rounded Rectangle 6">
+            <a:extLst>
+              <a:ext uri="{FF2B5EF4-FFF2-40B4-BE49-F238E27FC236}">
+                <a16:creationId xmlns:a16="http://schemas.microsoft.com/office/drawing/2014/main" id="{9A5D5CFE-2CE2-B344-B658-214A94AC4D90}"/>
+              </a:ext>
+            </a:extLst>
+          </p:cNvPr>
+          <p:cNvSpPr/>
+          <p:nvPr/>
+        </p:nvSpPr>
+        <p:spPr>
+          <a:xfrm>
+            <a:off x="486938" y="4846076"/>
+            <a:ext cx="1981200" cy="985548"/>
+          </a:xfrm>
+          <a:prstGeom prst="roundRect">
+            <a:avLst>
+              <a:gd name="adj" fmla="val 9045"/>
+            </a:avLst>
+          </a:prstGeom>
+          <a:solidFill>
+            <a:schemeClr val="bg1"/>
+          </a:solidFill>
+          <a:ln w="19050" cmpd="sng">
+            <a:solidFill>
+              <a:schemeClr val="tx1"/>
+            </a:solidFill>
+          </a:ln>
+          <a:effectLst/>
+        </p:spPr>
+        <p:style>
+          <a:lnRef idx="1">
+            <a:schemeClr val="accent1"/>
+          </a:lnRef>
+          <a:fillRef idx="3">
+            <a:schemeClr val="accent1"/>
+          </a:fillRef>
+          <a:effectRef idx="2">
+            <a:schemeClr val="accent1"/>
+          </a:effectRef>
+          <a:fontRef idx="minor">
+            <a:schemeClr val="lt1"/>
+          </a:fontRef>
+        </p:style>
+        <p:txBody>
+          <a:bodyPr rtlCol="0" anchor="ctr"/>
+          <a:lstStyle/>
+          <a:p>
+            <a:pPr algn="ctr"/>
+            <a:r>
+              <a:rPr lang="en-US" dirty="0">
+                <a:solidFill>
+                  <a:schemeClr val="tx1"/>
+                </a:solidFill>
+                <a:latin typeface="Lato" panose="020F0502020204030203" pitchFamily="34" charset="0"/>
+                <a:ea typeface="Lato" panose="020F0502020204030203" pitchFamily="34" charset="0"/>
+                <a:cs typeface="Lato" panose="020F0502020204030203" pitchFamily="34" charset="0"/>
+              </a:rPr>
+              <a:t>engineering patterns</a:t>
+            </a:r>
+          </a:p>
+        </p:txBody>
+      </p:sp>
+      <p:sp>
+        <p:nvSpPr>
+          <p:cNvPr id="8" name="Rounded Rectangle 7">
+            <a:extLst>
+              <a:ext uri="{FF2B5EF4-FFF2-40B4-BE49-F238E27FC236}">
+                <a16:creationId xmlns:a16="http://schemas.microsoft.com/office/drawing/2014/main" id="{88FE70AF-DAD2-854A-927F-AE3B45CE8588}"/>
+              </a:ext>
+            </a:extLst>
+          </p:cNvPr>
+          <p:cNvSpPr/>
+          <p:nvPr/>
+        </p:nvSpPr>
+        <p:spPr>
+          <a:xfrm>
+            <a:off x="486938" y="6035798"/>
+            <a:ext cx="1981200" cy="985548"/>
+          </a:xfrm>
+          <a:prstGeom prst="roundRect">
+            <a:avLst>
+              <a:gd name="adj" fmla="val 9045"/>
+            </a:avLst>
+          </a:prstGeom>
+          <a:solidFill>
+            <a:schemeClr val="bg1"/>
+          </a:solidFill>
+          <a:ln w="19050" cmpd="sng">
+            <a:solidFill>
+              <a:schemeClr val="tx1"/>
+            </a:solidFill>
+          </a:ln>
+          <a:effectLst/>
+        </p:spPr>
+        <p:style>
+          <a:lnRef idx="1">
+            <a:schemeClr val="accent1"/>
+          </a:lnRef>
+          <a:fillRef idx="3">
+            <a:schemeClr val="accent1"/>
+          </a:fillRef>
+          <a:effectRef idx="2">
+            <a:schemeClr val="accent1"/>
+          </a:effectRef>
+          <a:fontRef idx="minor">
+            <a:schemeClr val="lt1"/>
+          </a:fontRef>
+        </p:style>
+        <p:txBody>
+          <a:bodyPr rtlCol="0" anchor="ctr"/>
+          <a:lstStyle/>
+          <a:p>
+            <a:pPr algn="ctr"/>
+            <a:r>
+              <a:rPr lang="en-US" dirty="0">
+                <a:solidFill>
+                  <a:schemeClr val="tx1"/>
+                </a:solidFill>
+                <a:latin typeface="Lato" panose="020F0502020204030203" pitchFamily="34" charset="0"/>
+                <a:ea typeface="Lato" panose="020F0502020204030203" pitchFamily="34" charset="0"/>
+                <a:cs typeface="Lato" panose="020F0502020204030203" pitchFamily="34" charset="0"/>
+              </a:rPr>
+              <a:t>… </a:t>
+            </a:r>
+          </a:p>
+          <a:p>
+            <a:pPr algn="ctr"/>
+            <a:endParaRPr lang="en-US" dirty="0">
+              <a:solidFill>
+                <a:schemeClr val="tx1"/>
+              </a:solidFill>
+              <a:latin typeface="Lato" panose="020F0502020204030203" pitchFamily="34" charset="0"/>
+              <a:ea typeface="Lato" panose="020F0502020204030203" pitchFamily="34" charset="0"/>
+              <a:cs typeface="Lato" panose="020F0502020204030203" pitchFamily="34" charset="0"/>
+            </a:endParaRPr>
+          </a:p>
+          <a:p>
+            <a:pPr algn="ctr"/>
+            <a:endParaRPr lang="en-US" dirty="0">
+              <a:solidFill>
+                <a:schemeClr val="tx1"/>
+              </a:solidFill>
+              <a:latin typeface="Lato" panose="020F0502020204030203" pitchFamily="34" charset="0"/>
+              <a:ea typeface="Lato" panose="020F0502020204030203" pitchFamily="34" charset="0"/>
+              <a:cs typeface="Lato" panose="020F0502020204030203" pitchFamily="34" charset="0"/>
+            </a:endParaRPr>
+          </a:p>
+        </p:txBody>
+      </p:sp>
+      <p:cxnSp>
+        <p:nvCxnSpPr>
+          <p:cNvPr id="10" name="Straight Arrow Connector 9">
+            <a:extLst>
+              <a:ext uri="{FF2B5EF4-FFF2-40B4-BE49-F238E27FC236}">
+                <a16:creationId xmlns:a16="http://schemas.microsoft.com/office/drawing/2014/main" id="{4108158B-3060-7D4F-8D70-12D5F05DE8A9}"/>
+              </a:ext>
+            </a:extLst>
+          </p:cNvPr>
+          <p:cNvCxnSpPr>
+            <a:cxnSpLocks/>
+            <a:stCxn id="6" idx="3"/>
+          </p:cNvCxnSpPr>
+          <p:nvPr/>
+        </p:nvCxnSpPr>
+        <p:spPr>
+          <a:xfrm flipV="1">
+            <a:off x="2448315" y="4050768"/>
+            <a:ext cx="1146865" cy="182892"/>
+          </a:xfrm>
+          <a:prstGeom prst="straightConnector1">
+            <a:avLst/>
+          </a:prstGeom>
+          <a:ln w="38100" cmpd="sng">
+            <a:solidFill>
+              <a:schemeClr val="tx1"/>
+            </a:solidFill>
+            <a:tailEnd type="triangle"/>
+          </a:ln>
+          <a:effectLst/>
+        </p:spPr>
+        <p:style>
+          <a:lnRef idx="2">
+            <a:schemeClr val="accent1"/>
+          </a:lnRef>
+          <a:fillRef idx="0">
+            <a:schemeClr val="accent1"/>
+          </a:fillRef>
+          <a:effectRef idx="1">
+            <a:schemeClr val="accent1"/>
+          </a:effectRef>
+          <a:fontRef idx="minor">
+            <a:schemeClr val="tx1"/>
+          </a:fontRef>
+        </p:style>
+      </p:cxnSp>
+      <p:cxnSp>
+        <p:nvCxnSpPr>
+          <p:cNvPr id="11" name="Straight Arrow Connector 10">
+            <a:extLst>
+              <a:ext uri="{FF2B5EF4-FFF2-40B4-BE49-F238E27FC236}">
+                <a16:creationId xmlns:a16="http://schemas.microsoft.com/office/drawing/2014/main" id="{BEC032A3-70BB-3B41-BB60-62B5F7FD0573}"/>
+              </a:ext>
+            </a:extLst>
+          </p:cNvPr>
+          <p:cNvCxnSpPr>
+            <a:cxnSpLocks/>
+            <a:stCxn id="7" idx="3"/>
+          </p:cNvCxnSpPr>
+          <p:nvPr/>
+        </p:nvCxnSpPr>
+        <p:spPr>
+          <a:xfrm flipV="1">
+            <a:off x="2468138" y="4086053"/>
+            <a:ext cx="1145580" cy="1252797"/>
+          </a:xfrm>
+          <a:prstGeom prst="straightConnector1">
+            <a:avLst/>
+          </a:prstGeom>
+          <a:ln w="38100" cmpd="sng">
+            <a:solidFill>
+              <a:schemeClr val="tx1"/>
+            </a:solidFill>
+            <a:tailEnd type="triangle"/>
+          </a:ln>
+          <a:effectLst/>
+        </p:spPr>
+        <p:style>
+          <a:lnRef idx="2">
+            <a:schemeClr val="accent1"/>
+          </a:lnRef>
+          <a:fillRef idx="0">
+            <a:schemeClr val="accent1"/>
+          </a:fillRef>
+          <a:effectRef idx="1">
+            <a:schemeClr val="accent1"/>
+          </a:effectRef>
+          <a:fontRef idx="minor">
+            <a:schemeClr val="tx1"/>
+          </a:fontRef>
+        </p:style>
+      </p:cxnSp>
+    </p:spTree>
+    <p:extLst>
+      <p:ext uri="{BB962C8B-B14F-4D97-AF65-F5344CB8AC3E}">
+        <p14:creationId xmlns:p14="http://schemas.microsoft.com/office/powerpoint/2010/main" val="109928295"/>
+      </p:ext>
+    </p:extLst>
+  </p:cSld>
+  <p:clrMapOvr>
+    <a:masterClrMapping/>
+  </p:clrMapOvr>
+</p:sld>
+</file>
+
+<file path=ppt/slides/slide7.xml><?xml version="1.0" encoding="utf-8"?>
+<p:sld xmlns:a="http://schemas.openxmlformats.org/drawingml/2006/main" xmlns:r="http://schemas.openxmlformats.org/officeDocument/2006/relationships" xmlns:p="http://schemas.openxmlformats.org/presentationml/2006/main">
+  <p:cSld>
+    <p:spTree>
+      <p:nvGrpSpPr>
+        <p:cNvPr id="1" name=""/>
+        <p:cNvGrpSpPr/>
+        <p:nvPr/>
+      </p:nvGrpSpPr>
+      <p:grpSpPr>
+        <a:xfrm>
+          <a:off x="0" y="0"/>
+          <a:ext cx="0" cy="0"/>
+          <a:chOff x="0" y="0"/>
+          <a:chExt cx="0" cy="0"/>
+        </a:xfrm>
+      </p:grpSpPr>
+      <p:sp>
+        <p:nvSpPr>
+          <p:cNvPr id="37" name="Rectangle 36">
+            <a:extLst>
+              <a:ext uri="{FF2B5EF4-FFF2-40B4-BE49-F238E27FC236}">
+                <a16:creationId xmlns:a16="http://schemas.microsoft.com/office/drawing/2014/main" id="{0BDABD21-1DB9-CE40-A7BC-5750082C7788}"/>
+              </a:ext>
+            </a:extLst>
+          </p:cNvPr>
+          <p:cNvSpPr/>
+          <p:nvPr/>
+        </p:nvSpPr>
+        <p:spPr>
+          <a:xfrm>
+            <a:off x="1" y="-159"/>
+            <a:ext cx="9144000" cy="6858159"/>
+          </a:xfrm>
+          <a:prstGeom prst="rect">
+            <a:avLst/>
+          </a:prstGeom>
+          <a:solidFill>
+            <a:schemeClr val="bg1"/>
+          </a:solidFill>
+          <a:ln w="19050" cmpd="sng">
+            <a:noFill/>
+          </a:ln>
+          <a:effectLst/>
+        </p:spPr>
+        <p:style>
+          <a:lnRef idx="1">
+            <a:schemeClr val="accent1"/>
+          </a:lnRef>
+          <a:fillRef idx="3">
+            <a:schemeClr val="accent1"/>
+          </a:fillRef>
+          <a:effectRef idx="2">
+            <a:schemeClr val="accent1"/>
+          </a:effectRef>
+          <a:fontRef idx="minor">
+            <a:schemeClr val="lt1"/>
+          </a:fontRef>
+        </p:style>
+        <p:txBody>
+          <a:bodyPr rtlCol="0" anchor="ctr"/>
+          <a:lstStyle/>
+          <a:p>
+            <a:pPr algn="ctr"/>
+            <a:endParaRPr lang="en-US"/>
+          </a:p>
+        </p:txBody>
+      </p:sp>
+      <p:cxnSp>
+        <p:nvCxnSpPr>
+          <p:cNvPr id="40" name="Straight Arrow Connector 39">
+            <a:extLst>
+              <a:ext uri="{FF2B5EF4-FFF2-40B4-BE49-F238E27FC236}">
+                <a16:creationId xmlns:a16="http://schemas.microsoft.com/office/drawing/2014/main" id="{994E615B-06DE-DA47-A71F-22AF96C50A22}"/>
+              </a:ext>
+            </a:extLst>
+          </p:cNvPr>
+          <p:cNvCxnSpPr>
+            <a:cxnSpLocks/>
+            <a:stCxn id="33" idx="3"/>
+          </p:cNvCxnSpPr>
+          <p:nvPr/>
+        </p:nvCxnSpPr>
+        <p:spPr>
+          <a:xfrm flipV="1">
+            <a:off x="2468138" y="4069955"/>
+            <a:ext cx="1127042" cy="2458617"/>
+          </a:xfrm>
+          <a:prstGeom prst="straightConnector1">
+            <a:avLst/>
+          </a:prstGeom>
+          <a:ln w="38100" cmpd="sng">
+            <a:solidFill>
+              <a:schemeClr val="tx1"/>
+            </a:solidFill>
+            <a:tailEnd type="triangle"/>
+          </a:ln>
+          <a:effectLst/>
+        </p:spPr>
+        <p:style>
+          <a:lnRef idx="2">
+            <a:schemeClr val="accent1"/>
+          </a:lnRef>
+          <a:fillRef idx="0">
+            <a:schemeClr val="accent1"/>
+          </a:fillRef>
+          <a:effectRef idx="1">
+            <a:schemeClr val="accent1"/>
+          </a:effectRef>
+          <a:fontRef idx="minor">
+            <a:schemeClr val="tx1"/>
+          </a:fontRef>
+        </p:style>
+      </p:cxnSp>
+      <p:sp>
+        <p:nvSpPr>
+          <p:cNvPr id="34" name="Rectangle 33">
+            <a:extLst>
+              <a:ext uri="{FF2B5EF4-FFF2-40B4-BE49-F238E27FC236}">
+                <a16:creationId xmlns:a16="http://schemas.microsoft.com/office/drawing/2014/main" id="{73F7B92F-7531-2A4E-B136-A64E92F4BF78}"/>
+              </a:ext>
+            </a:extLst>
+          </p:cNvPr>
+          <p:cNvSpPr/>
+          <p:nvPr/>
+        </p:nvSpPr>
+        <p:spPr>
+          <a:xfrm>
+            <a:off x="0" y="0"/>
+            <a:ext cx="9143999" cy="3425637"/>
+          </a:xfrm>
+          <a:prstGeom prst="rect">
+            <a:avLst/>
+          </a:prstGeom>
+          <a:solidFill>
+            <a:schemeClr val="tx1"/>
+          </a:solidFill>
+          <a:ln w="19050" cmpd="sng">
+            <a:noFill/>
+          </a:ln>
+          <a:effectLst/>
+        </p:spPr>
+        <p:style>
+          <a:lnRef idx="1">
+            <a:schemeClr val="accent1"/>
+          </a:lnRef>
+          <a:fillRef idx="3">
+            <a:schemeClr val="accent1"/>
+          </a:fillRef>
+          <a:effectRef idx="2">
+            <a:schemeClr val="accent1"/>
+          </a:effectRef>
+          <a:fontRef idx="minor">
+            <a:schemeClr val="lt1"/>
+          </a:fontRef>
+        </p:style>
+        <p:txBody>
+          <a:bodyPr rtlCol="0" anchor="ctr"/>
+          <a:lstStyle/>
+          <a:p>
+            <a:pPr algn="ctr"/>
+            <a:endParaRPr lang="en-US"/>
+          </a:p>
+        </p:txBody>
+      </p:sp>
+      <p:grpSp>
+        <p:nvGrpSpPr>
+          <p:cNvPr id="30" name="Group 29">
+            <a:extLst>
+              <a:ext uri="{FF2B5EF4-FFF2-40B4-BE49-F238E27FC236}">
+                <a16:creationId xmlns:a16="http://schemas.microsoft.com/office/drawing/2014/main" id="{9B19E2B7-0FC5-194C-A1DF-E9C5035E84F5}"/>
+              </a:ext>
+            </a:extLst>
+          </p:cNvPr>
+          <p:cNvGrpSpPr/>
+          <p:nvPr/>
+        </p:nvGrpSpPr>
+        <p:grpSpPr>
+          <a:xfrm>
+            <a:off x="3159726" y="3926193"/>
+            <a:ext cx="2979091" cy="2288480"/>
+            <a:chOff x="2798045" y="4119010"/>
+            <a:chExt cx="2979091" cy="2288480"/>
+          </a:xfrm>
+          <a:solidFill>
+            <a:schemeClr val="bg1"/>
+          </a:solidFill>
+        </p:grpSpPr>
+        <p:sp>
+          <p:nvSpPr>
+            <p:cNvPr id="5" name="Arc 4">
+              <a:extLst>
+                <a:ext uri="{FF2B5EF4-FFF2-40B4-BE49-F238E27FC236}">
+                  <a16:creationId xmlns:a16="http://schemas.microsoft.com/office/drawing/2014/main" id="{D0C4265C-D759-B14F-84BC-58391C6B7C18}"/>
+                </a:ext>
+              </a:extLst>
+            </p:cNvPr>
+            <p:cNvSpPr/>
+            <p:nvPr/>
+          </p:nvSpPr>
+          <p:spPr>
+            <a:xfrm rot="10800000">
+              <a:off x="2798045" y="4655884"/>
+              <a:ext cx="1141344" cy="1258832"/>
+            </a:xfrm>
+            <a:prstGeom prst="arc">
+              <a:avLst>
+                <a:gd name="adj1" fmla="val 16200000"/>
+                <a:gd name="adj2" fmla="val 5401622"/>
+              </a:avLst>
+            </a:prstGeom>
+            <a:noFill/>
+            <a:ln w="76200" cmpd="sng">
+              <a:solidFill>
+                <a:schemeClr val="tx1"/>
+              </a:solidFill>
+              <a:headEnd type="triangle" w="med" len="med"/>
+              <a:tailEnd type="none" w="med" len="med"/>
+            </a:ln>
+            <a:effectLst>
+              <a:glow rad="127000">
+                <a:schemeClr val="bg1"/>
+              </a:glow>
+            </a:effectLst>
+          </p:spPr>
+          <p:style>
+            <a:lnRef idx="2">
+              <a:schemeClr val="accent1"/>
+            </a:lnRef>
+            <a:fillRef idx="0">
+              <a:schemeClr val="accent1"/>
+            </a:fillRef>
+            <a:effectRef idx="1">
+              <a:schemeClr val="accent1"/>
+            </a:effectRef>
+            <a:fontRef idx="minor">
+              <a:schemeClr val="tx1"/>
+            </a:fontRef>
+          </p:style>
+          <p:txBody>
+            <a:bodyPr rtlCol="0" anchor="ctr"/>
+            <a:lstStyle/>
+            <a:p>
+              <a:pPr algn="ctr"/>
+              <a:endParaRPr lang="en-US"/>
+            </a:p>
+          </p:txBody>
+        </p:sp>
+        <p:sp>
+          <p:nvSpPr>
+            <p:cNvPr id="19" name="Arc 18">
+              <a:extLst>
+                <a:ext uri="{FF2B5EF4-FFF2-40B4-BE49-F238E27FC236}">
+                  <a16:creationId xmlns:a16="http://schemas.microsoft.com/office/drawing/2014/main" id="{DC8AACC8-8042-1944-84F1-27B259EDA2AC}"/>
+                </a:ext>
+              </a:extLst>
+            </p:cNvPr>
+            <p:cNvSpPr/>
+            <p:nvPr/>
+          </p:nvSpPr>
+          <p:spPr>
+            <a:xfrm rot="20700000">
+              <a:off x="4635792" y="4562648"/>
+              <a:ext cx="1141344" cy="1258832"/>
+            </a:xfrm>
+            <a:prstGeom prst="arc">
+              <a:avLst>
+                <a:gd name="adj1" fmla="val 17848501"/>
+                <a:gd name="adj2" fmla="val 5401622"/>
+              </a:avLst>
+            </a:prstGeom>
+            <a:noFill/>
+            <a:ln w="76200" cmpd="sng">
+              <a:solidFill>
+                <a:schemeClr val="tx1"/>
+              </a:solidFill>
+              <a:headEnd type="triangle" w="med" len="med"/>
+              <a:tailEnd type="none" w="med" len="med"/>
+            </a:ln>
+            <a:effectLst/>
+          </p:spPr>
+          <p:style>
+            <a:lnRef idx="2">
+              <a:schemeClr val="accent1"/>
+            </a:lnRef>
+            <a:fillRef idx="0">
+              <a:schemeClr val="accent1"/>
+            </a:fillRef>
+            <a:effectRef idx="1">
+              <a:schemeClr val="accent1"/>
+            </a:effectRef>
+            <a:fontRef idx="minor">
+              <a:schemeClr val="tx1"/>
+            </a:fontRef>
+          </p:style>
+          <p:txBody>
+            <a:bodyPr rtlCol="0" anchor="ctr"/>
+            <a:lstStyle/>
+            <a:p>
+              <a:pPr algn="ctr"/>
+              <a:endParaRPr lang="en-US"/>
+            </a:p>
+          </p:txBody>
+        </p:sp>
+        <p:sp>
+          <p:nvSpPr>
+            <p:cNvPr id="9" name="Rounded Rectangle 8">
+              <a:extLst>
+                <a:ext uri="{FF2B5EF4-FFF2-40B4-BE49-F238E27FC236}">
+                  <a16:creationId xmlns:a16="http://schemas.microsoft.com/office/drawing/2014/main" id="{136BF6F5-80A1-1049-83E3-8B904852DD4B}"/>
+                </a:ext>
+              </a:extLst>
+            </p:cNvPr>
+            <p:cNvSpPr/>
+            <p:nvPr/>
+          </p:nvSpPr>
+          <p:spPr>
+            <a:xfrm>
+              <a:off x="3368720" y="4119010"/>
+              <a:ext cx="1981200" cy="985548"/>
+            </a:xfrm>
+            <a:prstGeom prst="roundRect">
+              <a:avLst>
+                <a:gd name="adj" fmla="val 9045"/>
+              </a:avLst>
+            </a:prstGeom>
+            <a:grpFill/>
+            <a:ln w="19050" cmpd="sng">
+              <a:solidFill>
+                <a:schemeClr val="tx1"/>
+              </a:solidFill>
+            </a:ln>
+            <a:effectLst/>
+          </p:spPr>
+          <p:style>
+            <a:lnRef idx="1">
+              <a:schemeClr val="accent1"/>
+            </a:lnRef>
+            <a:fillRef idx="3">
+              <a:schemeClr val="accent1"/>
+            </a:fillRef>
+            <a:effectRef idx="2">
+              <a:schemeClr val="accent1"/>
+            </a:effectRef>
+            <a:fontRef idx="minor">
+              <a:schemeClr val="lt1"/>
+            </a:fontRef>
+          </p:style>
+          <p:txBody>
+            <a:bodyPr rtlCol="0" anchor="ctr"/>
+            <a:lstStyle/>
+            <a:p>
+              <a:pPr algn="ctr"/>
+              <a:r>
+                <a:rPr lang="en-US" dirty="0">
+                  <a:solidFill>
+                    <a:schemeClr val="tx1"/>
+                  </a:solidFill>
+                  <a:latin typeface="Lato" panose="020F0502020204030203" pitchFamily="34" charset="0"/>
+                  <a:ea typeface="Lato" panose="020F0502020204030203" pitchFamily="34" charset="0"/>
+                  <a:cs typeface="Lato" panose="020F0502020204030203" pitchFamily="34" charset="0"/>
+                </a:rPr>
+                <a:t>mechanistically neutral </a:t>
+              </a:r>
+              <a:r>
+                <a:rPr lang="en-US" dirty="0" err="1">
+                  <a:solidFill>
+                    <a:schemeClr val="tx1"/>
+                  </a:solidFill>
+                  <a:latin typeface="Lato" panose="020F0502020204030203" pitchFamily="34" charset="0"/>
+                  <a:ea typeface="Lato" panose="020F0502020204030203" pitchFamily="34" charset="0"/>
+                  <a:cs typeface="Lato" panose="020F0502020204030203" pitchFamily="34" charset="0"/>
+                </a:rPr>
+                <a:t>characterisations</a:t>
+              </a:r>
+              <a:endParaRPr lang="en-US" dirty="0">
+                <a:solidFill>
+                  <a:schemeClr val="tx1"/>
+                </a:solidFill>
+                <a:latin typeface="Lato" panose="020F0502020204030203" pitchFamily="34" charset="0"/>
+                <a:ea typeface="Lato" panose="020F0502020204030203" pitchFamily="34" charset="0"/>
+                <a:cs typeface="Lato" panose="020F0502020204030203" pitchFamily="34" charset="0"/>
+              </a:endParaRPr>
+            </a:p>
+          </p:txBody>
+        </p:sp>
+        <p:sp>
+          <p:nvSpPr>
+            <p:cNvPr id="10" name="Rounded Rectangle 9">
+              <a:extLst>
+                <a:ext uri="{FF2B5EF4-FFF2-40B4-BE49-F238E27FC236}">
+                  <a16:creationId xmlns:a16="http://schemas.microsoft.com/office/drawing/2014/main" id="{7D2B0777-68D8-C643-9613-99213340DD0B}"/>
+                </a:ext>
+              </a:extLst>
+            </p:cNvPr>
+            <p:cNvSpPr/>
+            <p:nvPr/>
+          </p:nvSpPr>
+          <p:spPr>
+            <a:xfrm>
+              <a:off x="3368720" y="5421942"/>
+              <a:ext cx="1981200" cy="985548"/>
+            </a:xfrm>
+            <a:prstGeom prst="roundRect">
+              <a:avLst>
+                <a:gd name="adj" fmla="val 9045"/>
+              </a:avLst>
+            </a:prstGeom>
+            <a:grpFill/>
+            <a:ln w="19050" cmpd="sng">
+              <a:solidFill>
+                <a:schemeClr val="tx1"/>
+              </a:solidFill>
+            </a:ln>
+            <a:effectLst/>
+          </p:spPr>
+          <p:style>
+            <a:lnRef idx="1">
+              <a:schemeClr val="accent1"/>
+            </a:lnRef>
+            <a:fillRef idx="3">
+              <a:schemeClr val="accent1"/>
+            </a:fillRef>
+            <a:effectRef idx="2">
+              <a:schemeClr val="accent1"/>
+            </a:effectRef>
+            <a:fontRef idx="minor">
+              <a:schemeClr val="lt1"/>
+            </a:fontRef>
+          </p:style>
+          <p:txBody>
+            <a:bodyPr rtlCol="0" anchor="ctr"/>
+            <a:lstStyle/>
+            <a:p>
+              <a:pPr algn="ctr"/>
+              <a:r>
+                <a:rPr lang="en-US" dirty="0">
+                  <a:solidFill>
+                    <a:schemeClr val="tx1"/>
+                  </a:solidFill>
+                  <a:latin typeface="Lato" panose="020F0502020204030203" pitchFamily="34" charset="0"/>
+                  <a:ea typeface="Lato" panose="020F0502020204030203" pitchFamily="34" charset="0"/>
+                  <a:cs typeface="Lato" panose="020F0502020204030203" pitchFamily="34" charset="0"/>
+                </a:rPr>
+                <a:t>discoveries about mechanisms</a:t>
+              </a:r>
+            </a:p>
+          </p:txBody>
+        </p:sp>
+      </p:grpSp>
+      <p:sp>
+        <p:nvSpPr>
+          <p:cNvPr id="31" name="Rounded Rectangle 30">
+            <a:extLst>
+              <a:ext uri="{FF2B5EF4-FFF2-40B4-BE49-F238E27FC236}">
+                <a16:creationId xmlns:a16="http://schemas.microsoft.com/office/drawing/2014/main" id="{1823950F-DAB2-EE46-BC06-78162879DA96}"/>
+              </a:ext>
+            </a:extLst>
+          </p:cNvPr>
+          <p:cNvSpPr/>
+          <p:nvPr/>
+        </p:nvSpPr>
+        <p:spPr>
+          <a:xfrm>
+            <a:off x="467115" y="3740886"/>
+            <a:ext cx="1981200" cy="985548"/>
+          </a:xfrm>
+          <a:prstGeom prst="roundRect">
+            <a:avLst>
+              <a:gd name="adj" fmla="val 9045"/>
+            </a:avLst>
+          </a:prstGeom>
+          <a:solidFill>
+            <a:schemeClr val="bg1"/>
+          </a:solidFill>
+          <a:ln w="19050" cmpd="sng">
+            <a:solidFill>
+              <a:schemeClr val="tx1"/>
+            </a:solidFill>
+          </a:ln>
+          <a:effectLst/>
+        </p:spPr>
+        <p:style>
+          <a:lnRef idx="1">
+            <a:schemeClr val="accent1"/>
+          </a:lnRef>
+          <a:fillRef idx="3">
+            <a:schemeClr val="accent1"/>
+          </a:fillRef>
+          <a:effectRef idx="2">
+            <a:schemeClr val="accent1"/>
+          </a:effectRef>
+          <a:fontRef idx="minor">
+            <a:schemeClr val="lt1"/>
+          </a:fontRef>
+        </p:style>
+        <p:txBody>
+          <a:bodyPr rtlCol="0" anchor="ctr"/>
+          <a:lstStyle/>
+          <a:p>
+            <a:pPr algn="ctr"/>
+            <a:r>
+              <a:rPr lang="en-US" dirty="0">
+                <a:solidFill>
+                  <a:schemeClr val="tx1"/>
+                </a:solidFill>
+                <a:latin typeface="Lato" panose="020F0502020204030203" pitchFamily="34" charset="0"/>
+                <a:ea typeface="Lato" panose="020F0502020204030203" pitchFamily="34" charset="0"/>
+                <a:cs typeface="Lato" panose="020F0502020204030203" pitchFamily="34" charset="0"/>
+              </a:rPr>
+              <a:t>‘the evidence from everyday thinking’</a:t>
+            </a:r>
+          </a:p>
+        </p:txBody>
+      </p:sp>
+      <p:sp>
+        <p:nvSpPr>
+          <p:cNvPr id="32" name="Rounded Rectangle 31">
+            <a:extLst>
+              <a:ext uri="{FF2B5EF4-FFF2-40B4-BE49-F238E27FC236}">
+                <a16:creationId xmlns:a16="http://schemas.microsoft.com/office/drawing/2014/main" id="{2B68282A-345B-2144-80A5-353033F00443}"/>
+              </a:ext>
+            </a:extLst>
+          </p:cNvPr>
+          <p:cNvSpPr/>
+          <p:nvPr/>
+        </p:nvSpPr>
+        <p:spPr>
+          <a:xfrm>
+            <a:off x="486938" y="4846076"/>
+            <a:ext cx="1981200" cy="985548"/>
+          </a:xfrm>
+          <a:prstGeom prst="roundRect">
+            <a:avLst>
+              <a:gd name="adj" fmla="val 9045"/>
+            </a:avLst>
+          </a:prstGeom>
+          <a:solidFill>
+            <a:schemeClr val="bg1"/>
+          </a:solidFill>
+          <a:ln w="19050" cmpd="sng">
+            <a:solidFill>
+              <a:schemeClr val="tx1"/>
+            </a:solidFill>
+          </a:ln>
+          <a:effectLst/>
+        </p:spPr>
+        <p:style>
+          <a:lnRef idx="1">
+            <a:schemeClr val="accent1"/>
+          </a:lnRef>
+          <a:fillRef idx="3">
+            <a:schemeClr val="accent1"/>
+          </a:fillRef>
+          <a:effectRef idx="2">
+            <a:schemeClr val="accent1"/>
+          </a:effectRef>
+          <a:fontRef idx="minor">
+            <a:schemeClr val="lt1"/>
+          </a:fontRef>
+        </p:style>
+        <p:txBody>
+          <a:bodyPr rtlCol="0" anchor="ctr"/>
+          <a:lstStyle/>
+          <a:p>
+            <a:pPr algn="ctr"/>
+            <a:r>
+              <a:rPr lang="en-US" dirty="0">
+                <a:solidFill>
+                  <a:schemeClr val="tx1"/>
+                </a:solidFill>
+                <a:latin typeface="Lato" panose="020F0502020204030203" pitchFamily="34" charset="0"/>
+                <a:ea typeface="Lato" panose="020F0502020204030203" pitchFamily="34" charset="0"/>
+                <a:cs typeface="Lato" panose="020F0502020204030203" pitchFamily="34" charset="0"/>
+              </a:rPr>
+              <a:t>engineering patterns</a:t>
+            </a:r>
+          </a:p>
+        </p:txBody>
+      </p:sp>
+      <p:sp>
+        <p:nvSpPr>
+          <p:cNvPr id="33" name="Rounded Rectangle 32">
+            <a:extLst>
+              <a:ext uri="{FF2B5EF4-FFF2-40B4-BE49-F238E27FC236}">
+                <a16:creationId xmlns:a16="http://schemas.microsoft.com/office/drawing/2014/main" id="{A53B370C-F0B0-5F40-8B21-021218D13BBC}"/>
+              </a:ext>
+            </a:extLst>
+          </p:cNvPr>
+          <p:cNvSpPr/>
+          <p:nvPr/>
+        </p:nvSpPr>
+        <p:spPr>
+          <a:xfrm>
+            <a:off x="486938" y="6035798"/>
+            <a:ext cx="1981200" cy="985548"/>
+          </a:xfrm>
+          <a:prstGeom prst="roundRect">
+            <a:avLst>
+              <a:gd name="adj" fmla="val 9045"/>
+            </a:avLst>
+          </a:prstGeom>
+          <a:solidFill>
+            <a:schemeClr val="bg1"/>
+          </a:solidFill>
+          <a:ln w="19050" cmpd="sng">
+            <a:solidFill>
+              <a:schemeClr val="tx1"/>
+            </a:solidFill>
+          </a:ln>
+          <a:effectLst/>
+        </p:spPr>
+        <p:style>
+          <a:lnRef idx="1">
+            <a:schemeClr val="accent1"/>
+          </a:lnRef>
+          <a:fillRef idx="3">
+            <a:schemeClr val="accent1"/>
+          </a:fillRef>
+          <a:effectRef idx="2">
+            <a:schemeClr val="accent1"/>
+          </a:effectRef>
+          <a:fontRef idx="minor">
+            <a:schemeClr val="lt1"/>
+          </a:fontRef>
+        </p:style>
+        <p:txBody>
+          <a:bodyPr rtlCol="0" anchor="ctr"/>
+          <a:lstStyle/>
+          <a:p>
+            <a:pPr algn="ctr"/>
+            <a:r>
+              <a:rPr lang="en-US" dirty="0">
+                <a:solidFill>
+                  <a:schemeClr val="tx1"/>
+                </a:solidFill>
+                <a:latin typeface="Lato" panose="020F0502020204030203" pitchFamily="34" charset="0"/>
+                <a:ea typeface="Lato" panose="020F0502020204030203" pitchFamily="34" charset="0"/>
+                <a:cs typeface="Lato" panose="020F0502020204030203" pitchFamily="34" charset="0"/>
+              </a:rPr>
+              <a:t>… </a:t>
+            </a:r>
+          </a:p>
+          <a:p>
+            <a:pPr algn="ctr"/>
+            <a:endParaRPr lang="en-US" dirty="0">
+              <a:solidFill>
+                <a:schemeClr val="tx1"/>
+              </a:solidFill>
+              <a:latin typeface="Lato" panose="020F0502020204030203" pitchFamily="34" charset="0"/>
+              <a:ea typeface="Lato" panose="020F0502020204030203" pitchFamily="34" charset="0"/>
+              <a:cs typeface="Lato" panose="020F0502020204030203" pitchFamily="34" charset="0"/>
+            </a:endParaRPr>
+          </a:p>
+          <a:p>
+            <a:pPr algn="ctr"/>
+            <a:endParaRPr lang="en-US" dirty="0">
+              <a:solidFill>
+                <a:schemeClr val="tx1"/>
+              </a:solidFill>
+              <a:latin typeface="Lato" panose="020F0502020204030203" pitchFamily="34" charset="0"/>
+              <a:ea typeface="Lato" panose="020F0502020204030203" pitchFamily="34" charset="0"/>
+              <a:cs typeface="Lato" panose="020F0502020204030203" pitchFamily="34" charset="0"/>
+            </a:endParaRPr>
+          </a:p>
+        </p:txBody>
+      </p:sp>
+      <p:cxnSp>
+        <p:nvCxnSpPr>
+          <p:cNvPr id="35" name="Straight Arrow Connector 34">
+            <a:extLst>
+              <a:ext uri="{FF2B5EF4-FFF2-40B4-BE49-F238E27FC236}">
+                <a16:creationId xmlns:a16="http://schemas.microsoft.com/office/drawing/2014/main" id="{AB242874-1D3D-2C4C-90A6-CA7043C7651C}"/>
+              </a:ext>
+            </a:extLst>
+          </p:cNvPr>
+          <p:cNvCxnSpPr>
+            <a:cxnSpLocks/>
+            <a:stCxn id="31" idx="3"/>
+          </p:cNvCxnSpPr>
+          <p:nvPr/>
+        </p:nvCxnSpPr>
+        <p:spPr>
+          <a:xfrm flipV="1">
+            <a:off x="2448315" y="4050768"/>
+            <a:ext cx="1146865" cy="182892"/>
+          </a:xfrm>
+          <a:prstGeom prst="straightConnector1">
+            <a:avLst/>
+          </a:prstGeom>
+          <a:ln w="38100" cmpd="sng">
+            <a:solidFill>
+              <a:schemeClr val="tx1"/>
+            </a:solidFill>
+            <a:tailEnd type="triangle"/>
+          </a:ln>
+          <a:effectLst/>
+        </p:spPr>
+        <p:style>
+          <a:lnRef idx="2">
+            <a:schemeClr val="accent1"/>
+          </a:lnRef>
+          <a:fillRef idx="0">
+            <a:schemeClr val="accent1"/>
+          </a:fillRef>
+          <a:effectRef idx="1">
+            <a:schemeClr val="accent1"/>
+          </a:effectRef>
+          <a:fontRef idx="minor">
+            <a:schemeClr val="tx1"/>
+          </a:fontRef>
+        </p:style>
+      </p:cxnSp>
+      <p:cxnSp>
+        <p:nvCxnSpPr>
+          <p:cNvPr id="36" name="Straight Arrow Connector 35">
+            <a:extLst>
+              <a:ext uri="{FF2B5EF4-FFF2-40B4-BE49-F238E27FC236}">
+                <a16:creationId xmlns:a16="http://schemas.microsoft.com/office/drawing/2014/main" id="{63FC954B-4275-F24F-8C71-26C8804EC780}"/>
+              </a:ext>
+            </a:extLst>
+          </p:cNvPr>
+          <p:cNvCxnSpPr>
+            <a:cxnSpLocks/>
+            <a:stCxn id="32" idx="3"/>
+          </p:cNvCxnSpPr>
+          <p:nvPr/>
+        </p:nvCxnSpPr>
+        <p:spPr>
+          <a:xfrm flipV="1">
+            <a:off x="2468138" y="4086053"/>
+            <a:ext cx="1145580" cy="1252797"/>
+          </a:xfrm>
+          <a:prstGeom prst="straightConnector1">
+            <a:avLst/>
+          </a:prstGeom>
+          <a:ln w="38100" cmpd="sng">
+            <a:solidFill>
+              <a:schemeClr val="tx1"/>
+            </a:solidFill>
+            <a:tailEnd type="triangle"/>
+          </a:ln>
+          <a:effectLst/>
+        </p:spPr>
+        <p:style>
+          <a:lnRef idx="2">
+            <a:schemeClr val="accent1"/>
+          </a:lnRef>
+          <a:fillRef idx="0">
+            <a:schemeClr val="accent1"/>
+          </a:fillRef>
+          <a:effectRef idx="1">
+            <a:schemeClr val="accent1"/>
+          </a:effectRef>
+          <a:fontRef idx="minor">
+            <a:schemeClr val="tx1"/>
+          </a:fontRef>
+        </p:style>
+      </p:cxnSp>
+    </p:spTree>
+    <p:extLst>
+      <p:ext uri="{BB962C8B-B14F-4D97-AF65-F5344CB8AC3E}">
+        <p14:creationId xmlns:p14="http://schemas.microsoft.com/office/powerpoint/2010/main" val="3794223084"/>
+      </p:ext>
+    </p:extLst>
+  </p:cSld>
+  <p:clrMapOvr>
+    <a:masterClrMapping/>
+  </p:clrMapOvr>
+</p:sld>
+</file>
+
+<file path=ppt/slides/slide8.xml><?xml version="1.0" encoding="utf-8"?>
+<p:sld xmlns:a="http://schemas.openxmlformats.org/drawingml/2006/main" xmlns:r="http://schemas.openxmlformats.org/officeDocument/2006/relationships" xmlns:p="http://schemas.openxmlformats.org/presentationml/2006/main">
+  <p:cSld>
+    <p:spTree>
+      <p:nvGrpSpPr>
+        <p:cNvPr id="1" name=""/>
+        <p:cNvGrpSpPr/>
+        <p:nvPr/>
+      </p:nvGrpSpPr>
+      <p:grpSpPr>
+        <a:xfrm>
+          <a:off x="0" y="0"/>
+          <a:ext cx="0" cy="0"/>
+          <a:chOff x="0" y="0"/>
+          <a:chExt cx="0" cy="0"/>
+        </a:xfrm>
+      </p:grpSpPr>
+      <p:sp>
+        <p:nvSpPr>
+          <p:cNvPr id="37" name="Rectangle 36">
+            <a:extLst>
+              <a:ext uri="{FF2B5EF4-FFF2-40B4-BE49-F238E27FC236}">
+                <a16:creationId xmlns:a16="http://schemas.microsoft.com/office/drawing/2014/main" id="{0BDABD21-1DB9-CE40-A7BC-5750082C7788}"/>
+              </a:ext>
+            </a:extLst>
+          </p:cNvPr>
+          <p:cNvSpPr/>
+          <p:nvPr/>
+        </p:nvSpPr>
+        <p:spPr>
+          <a:xfrm>
+            <a:off x="1" y="-159"/>
+            <a:ext cx="9144000" cy="6858159"/>
+          </a:xfrm>
+          <a:prstGeom prst="rect">
+            <a:avLst/>
+          </a:prstGeom>
+          <a:solidFill>
+            <a:schemeClr val="bg1"/>
+          </a:solidFill>
+          <a:ln w="19050" cmpd="sng">
+            <a:noFill/>
+          </a:ln>
+          <a:effectLst/>
+        </p:spPr>
+        <p:style>
+          <a:lnRef idx="1">
+            <a:schemeClr val="accent1"/>
+          </a:lnRef>
+          <a:fillRef idx="3">
+            <a:schemeClr val="accent1"/>
+          </a:fillRef>
+          <a:effectRef idx="2">
+            <a:schemeClr val="accent1"/>
+          </a:effectRef>
+          <a:fontRef idx="minor">
+            <a:schemeClr val="lt1"/>
+          </a:fontRef>
+        </p:style>
+        <p:txBody>
+          <a:bodyPr rtlCol="0" anchor="ctr"/>
+          <a:lstStyle/>
+          <a:p>
+            <a:pPr algn="ctr"/>
+            <a:endParaRPr lang="en-US"/>
+          </a:p>
+        </p:txBody>
+      </p:sp>
+      <p:cxnSp>
+        <p:nvCxnSpPr>
+          <p:cNvPr id="40" name="Straight Arrow Connector 39">
+            <a:extLst>
+              <a:ext uri="{FF2B5EF4-FFF2-40B4-BE49-F238E27FC236}">
+                <a16:creationId xmlns:a16="http://schemas.microsoft.com/office/drawing/2014/main" id="{994E615B-06DE-DA47-A71F-22AF96C50A22}"/>
+              </a:ext>
+            </a:extLst>
+          </p:cNvPr>
+          <p:cNvCxnSpPr>
+            <a:cxnSpLocks/>
+            <a:stCxn id="33" idx="3"/>
+          </p:cNvCxnSpPr>
+          <p:nvPr/>
+        </p:nvCxnSpPr>
+        <p:spPr>
+          <a:xfrm flipV="1">
+            <a:off x="2468138" y="4069955"/>
+            <a:ext cx="1127042" cy="2458617"/>
+          </a:xfrm>
+          <a:prstGeom prst="straightConnector1">
+            <a:avLst/>
+          </a:prstGeom>
+          <a:ln w="38100" cmpd="sng">
+            <a:solidFill>
+              <a:schemeClr val="tx1"/>
+            </a:solidFill>
+            <a:tailEnd type="triangle"/>
+          </a:ln>
+          <a:effectLst/>
+        </p:spPr>
+        <p:style>
+          <a:lnRef idx="2">
+            <a:schemeClr val="accent1"/>
+          </a:lnRef>
+          <a:fillRef idx="0">
+            <a:schemeClr val="accent1"/>
+          </a:fillRef>
+          <a:effectRef idx="1">
+            <a:schemeClr val="accent1"/>
+          </a:effectRef>
+          <a:fontRef idx="minor">
+            <a:schemeClr val="tx1"/>
+          </a:fontRef>
+        </p:style>
+      </p:cxnSp>
+      <p:sp>
+        <p:nvSpPr>
+          <p:cNvPr id="34" name="Rectangle 33">
+            <a:extLst>
+              <a:ext uri="{FF2B5EF4-FFF2-40B4-BE49-F238E27FC236}">
+                <a16:creationId xmlns:a16="http://schemas.microsoft.com/office/drawing/2014/main" id="{73F7B92F-7531-2A4E-B136-A64E92F4BF78}"/>
+              </a:ext>
+            </a:extLst>
+          </p:cNvPr>
+          <p:cNvSpPr/>
+          <p:nvPr/>
+        </p:nvSpPr>
+        <p:spPr>
+          <a:xfrm>
+            <a:off x="0" y="0"/>
+            <a:ext cx="9143999" cy="3425637"/>
+          </a:xfrm>
+          <a:prstGeom prst="rect">
+            <a:avLst/>
+          </a:prstGeom>
+          <a:solidFill>
+            <a:schemeClr val="tx1"/>
+          </a:solidFill>
+          <a:ln w="19050" cmpd="sng">
+            <a:noFill/>
+          </a:ln>
+          <a:effectLst/>
+        </p:spPr>
+        <p:style>
+          <a:lnRef idx="1">
+            <a:schemeClr val="accent1"/>
+          </a:lnRef>
+          <a:fillRef idx="3">
+            <a:schemeClr val="accent1"/>
+          </a:fillRef>
+          <a:effectRef idx="2">
+            <a:schemeClr val="accent1"/>
+          </a:effectRef>
+          <a:fontRef idx="minor">
+            <a:schemeClr val="lt1"/>
+          </a:fontRef>
+        </p:style>
+        <p:txBody>
+          <a:bodyPr rtlCol="0" anchor="ctr"/>
+          <a:lstStyle/>
+          <a:p>
+            <a:pPr algn="ctr"/>
+            <a:endParaRPr lang="en-US"/>
+          </a:p>
+        </p:txBody>
+      </p:sp>
+      <p:grpSp>
+        <p:nvGrpSpPr>
+          <p:cNvPr id="30" name="Group 29">
+            <a:extLst>
+              <a:ext uri="{FF2B5EF4-FFF2-40B4-BE49-F238E27FC236}">
+                <a16:creationId xmlns:a16="http://schemas.microsoft.com/office/drawing/2014/main" id="{9B19E2B7-0FC5-194C-A1DF-E9C5035E84F5}"/>
+              </a:ext>
+            </a:extLst>
+          </p:cNvPr>
+          <p:cNvGrpSpPr/>
+          <p:nvPr/>
+        </p:nvGrpSpPr>
+        <p:grpSpPr>
+          <a:xfrm>
+            <a:off x="3159726" y="3926193"/>
+            <a:ext cx="2979091" cy="2288480"/>
+            <a:chOff x="2798045" y="4119010"/>
+            <a:chExt cx="2979091" cy="2288480"/>
+          </a:xfrm>
+          <a:solidFill>
+            <a:schemeClr val="bg1"/>
+          </a:solidFill>
+        </p:grpSpPr>
+        <p:sp>
+          <p:nvSpPr>
+            <p:cNvPr id="5" name="Arc 4">
+              <a:extLst>
+                <a:ext uri="{FF2B5EF4-FFF2-40B4-BE49-F238E27FC236}">
+                  <a16:creationId xmlns:a16="http://schemas.microsoft.com/office/drawing/2014/main" id="{D0C4265C-D759-B14F-84BC-58391C6B7C18}"/>
+                </a:ext>
+              </a:extLst>
+            </p:cNvPr>
+            <p:cNvSpPr/>
+            <p:nvPr/>
+          </p:nvSpPr>
+          <p:spPr>
+            <a:xfrm rot="10800000">
+              <a:off x="2798045" y="4655884"/>
+              <a:ext cx="1141344" cy="1258832"/>
+            </a:xfrm>
+            <a:prstGeom prst="arc">
+              <a:avLst>
+                <a:gd name="adj1" fmla="val 16200000"/>
+                <a:gd name="adj2" fmla="val 5401622"/>
+              </a:avLst>
+            </a:prstGeom>
+            <a:noFill/>
+            <a:ln w="76200" cmpd="sng">
+              <a:solidFill>
+                <a:schemeClr val="tx1"/>
+              </a:solidFill>
+              <a:headEnd type="triangle" w="med" len="med"/>
+              <a:tailEnd type="none" w="med" len="med"/>
+            </a:ln>
+            <a:effectLst>
+              <a:glow rad="127000">
+                <a:schemeClr val="bg1"/>
+              </a:glow>
+            </a:effectLst>
+          </p:spPr>
+          <p:style>
+            <a:lnRef idx="2">
+              <a:schemeClr val="accent1"/>
+            </a:lnRef>
+            <a:fillRef idx="0">
+              <a:schemeClr val="accent1"/>
+            </a:fillRef>
+            <a:effectRef idx="1">
+              <a:schemeClr val="accent1"/>
+            </a:effectRef>
+            <a:fontRef idx="minor">
+              <a:schemeClr val="tx1"/>
+            </a:fontRef>
+          </p:style>
+          <p:txBody>
+            <a:bodyPr rtlCol="0" anchor="ctr"/>
+            <a:lstStyle/>
+            <a:p>
+              <a:pPr algn="ctr"/>
+              <a:endParaRPr lang="en-US"/>
+            </a:p>
+          </p:txBody>
+        </p:sp>
+        <p:sp>
+          <p:nvSpPr>
+            <p:cNvPr id="19" name="Arc 18">
+              <a:extLst>
+                <a:ext uri="{FF2B5EF4-FFF2-40B4-BE49-F238E27FC236}">
+                  <a16:creationId xmlns:a16="http://schemas.microsoft.com/office/drawing/2014/main" id="{DC8AACC8-8042-1944-84F1-27B259EDA2AC}"/>
+                </a:ext>
+              </a:extLst>
+            </p:cNvPr>
+            <p:cNvSpPr/>
+            <p:nvPr/>
+          </p:nvSpPr>
+          <p:spPr>
+            <a:xfrm rot="20700000">
+              <a:off x="4635792" y="4562648"/>
+              <a:ext cx="1141344" cy="1258832"/>
+            </a:xfrm>
+            <a:prstGeom prst="arc">
+              <a:avLst>
+                <a:gd name="adj1" fmla="val 17848501"/>
+                <a:gd name="adj2" fmla="val 5401622"/>
+              </a:avLst>
+            </a:prstGeom>
+            <a:noFill/>
+            <a:ln w="76200" cmpd="sng">
+              <a:solidFill>
+                <a:schemeClr val="tx1"/>
+              </a:solidFill>
+              <a:headEnd type="triangle" w="med" len="med"/>
+              <a:tailEnd type="none" w="med" len="med"/>
+            </a:ln>
+            <a:effectLst/>
+          </p:spPr>
+          <p:style>
+            <a:lnRef idx="2">
+              <a:schemeClr val="accent1"/>
+            </a:lnRef>
+            <a:fillRef idx="0">
+              <a:schemeClr val="accent1"/>
+            </a:fillRef>
+            <a:effectRef idx="1">
+              <a:schemeClr val="accent1"/>
+            </a:effectRef>
+            <a:fontRef idx="minor">
+              <a:schemeClr val="tx1"/>
+            </a:fontRef>
+          </p:style>
+          <p:txBody>
+            <a:bodyPr rtlCol="0" anchor="ctr"/>
+            <a:lstStyle/>
+            <a:p>
+              <a:pPr algn="ctr"/>
+              <a:endParaRPr lang="en-US"/>
+            </a:p>
+          </p:txBody>
+        </p:sp>
+        <p:sp>
+          <p:nvSpPr>
+            <p:cNvPr id="9" name="Rounded Rectangle 8">
+              <a:extLst>
+                <a:ext uri="{FF2B5EF4-FFF2-40B4-BE49-F238E27FC236}">
+                  <a16:creationId xmlns:a16="http://schemas.microsoft.com/office/drawing/2014/main" id="{136BF6F5-80A1-1049-83E3-8B904852DD4B}"/>
+                </a:ext>
+              </a:extLst>
+            </p:cNvPr>
+            <p:cNvSpPr/>
+            <p:nvPr/>
+          </p:nvSpPr>
+          <p:spPr>
+            <a:xfrm>
+              <a:off x="3368720" y="4119010"/>
+              <a:ext cx="1981200" cy="985548"/>
+            </a:xfrm>
+            <a:prstGeom prst="roundRect">
+              <a:avLst>
+                <a:gd name="adj" fmla="val 9045"/>
+              </a:avLst>
+            </a:prstGeom>
+            <a:grpFill/>
+            <a:ln w="19050" cmpd="sng">
+              <a:solidFill>
+                <a:schemeClr val="tx1"/>
+              </a:solidFill>
+            </a:ln>
+            <a:effectLst/>
+          </p:spPr>
+          <p:style>
+            <a:lnRef idx="1">
+              <a:schemeClr val="accent1"/>
+            </a:lnRef>
+            <a:fillRef idx="3">
+              <a:schemeClr val="accent1"/>
+            </a:fillRef>
+            <a:effectRef idx="2">
+              <a:schemeClr val="accent1"/>
+            </a:effectRef>
+            <a:fontRef idx="minor">
+              <a:schemeClr val="lt1"/>
+            </a:fontRef>
+          </p:style>
+          <p:txBody>
+            <a:bodyPr rtlCol="0" anchor="ctr"/>
+            <a:lstStyle/>
+            <a:p>
+              <a:pPr algn="ctr"/>
+              <a:r>
+                <a:rPr lang="en-US" dirty="0">
+                  <a:solidFill>
+                    <a:schemeClr val="tx1"/>
+                  </a:solidFill>
+                  <a:latin typeface="Lato" panose="020F0502020204030203" pitchFamily="34" charset="0"/>
+                  <a:ea typeface="Lato" panose="020F0502020204030203" pitchFamily="34" charset="0"/>
+                  <a:cs typeface="Lato" panose="020F0502020204030203" pitchFamily="34" charset="0"/>
+                </a:rPr>
+                <a:t>mechanistically neutral </a:t>
+              </a:r>
+              <a:r>
+                <a:rPr lang="en-US" dirty="0" err="1">
+                  <a:solidFill>
+                    <a:schemeClr val="tx1"/>
+                  </a:solidFill>
+                  <a:latin typeface="Lato" panose="020F0502020204030203" pitchFamily="34" charset="0"/>
+                  <a:ea typeface="Lato" panose="020F0502020204030203" pitchFamily="34" charset="0"/>
+                  <a:cs typeface="Lato" panose="020F0502020204030203" pitchFamily="34" charset="0"/>
+                </a:rPr>
+                <a:t>characterisations</a:t>
+              </a:r>
+              <a:endParaRPr lang="en-US" dirty="0">
+                <a:solidFill>
+                  <a:schemeClr val="tx1"/>
+                </a:solidFill>
+                <a:latin typeface="Lato" panose="020F0502020204030203" pitchFamily="34" charset="0"/>
+                <a:ea typeface="Lato" panose="020F0502020204030203" pitchFamily="34" charset="0"/>
+                <a:cs typeface="Lato" panose="020F0502020204030203" pitchFamily="34" charset="0"/>
+              </a:endParaRPr>
+            </a:p>
+          </p:txBody>
+        </p:sp>
+        <p:sp>
+          <p:nvSpPr>
+            <p:cNvPr id="10" name="Rounded Rectangle 9">
+              <a:extLst>
+                <a:ext uri="{FF2B5EF4-FFF2-40B4-BE49-F238E27FC236}">
+                  <a16:creationId xmlns:a16="http://schemas.microsoft.com/office/drawing/2014/main" id="{7D2B0777-68D8-C643-9613-99213340DD0B}"/>
+                </a:ext>
+              </a:extLst>
+            </p:cNvPr>
+            <p:cNvSpPr/>
+            <p:nvPr/>
+          </p:nvSpPr>
+          <p:spPr>
+            <a:xfrm>
+              <a:off x="3368720" y="5421942"/>
+              <a:ext cx="1981200" cy="985548"/>
+            </a:xfrm>
+            <a:prstGeom prst="roundRect">
+              <a:avLst>
+                <a:gd name="adj" fmla="val 9045"/>
+              </a:avLst>
+            </a:prstGeom>
+            <a:grpFill/>
+            <a:ln w="19050" cmpd="sng">
+              <a:solidFill>
+                <a:schemeClr val="tx1"/>
+              </a:solidFill>
+            </a:ln>
+            <a:effectLst/>
+          </p:spPr>
+          <p:style>
+            <a:lnRef idx="1">
+              <a:schemeClr val="accent1"/>
+            </a:lnRef>
+            <a:fillRef idx="3">
+              <a:schemeClr val="accent1"/>
+            </a:fillRef>
+            <a:effectRef idx="2">
+              <a:schemeClr val="accent1"/>
+            </a:effectRef>
+            <a:fontRef idx="minor">
+              <a:schemeClr val="lt1"/>
+            </a:fontRef>
+          </p:style>
+          <p:txBody>
+            <a:bodyPr rtlCol="0" anchor="ctr"/>
+            <a:lstStyle/>
+            <a:p>
+              <a:pPr algn="ctr"/>
+              <a:r>
+                <a:rPr lang="en-US" dirty="0">
+                  <a:solidFill>
+                    <a:schemeClr val="tx1"/>
+                  </a:solidFill>
+                  <a:latin typeface="Lato" panose="020F0502020204030203" pitchFamily="34" charset="0"/>
+                  <a:ea typeface="Lato" panose="020F0502020204030203" pitchFamily="34" charset="0"/>
+                  <a:cs typeface="Lato" panose="020F0502020204030203" pitchFamily="34" charset="0"/>
+                </a:rPr>
+                <a:t>discoveries about mechanisms</a:t>
+              </a:r>
+            </a:p>
+          </p:txBody>
+        </p:sp>
+      </p:grpSp>
       <p:grpSp>
         <p:nvGrpSpPr>
           <p:cNvPr id="23" name="Group 22">
@@ -7112,12 +9136,13 @@
           <p:nvPr/>
         </p:nvGrpSpPr>
         <p:grpSpPr>
-          <a:xfrm rot="19919881">
-            <a:off x="6321010" y="3261045"/>
+          <a:xfrm>
+            <a:off x="6233516" y="4054046"/>
             <a:ext cx="911329" cy="1945364"/>
             <a:chOff x="7074175" y="4299558"/>
             <a:chExt cx="911329" cy="1945364"/>
           </a:xfrm>
+          <a:noFill/>
         </p:grpSpPr>
         <p:sp>
           <p:nvSpPr>
@@ -7143,11 +9168,11 @@
               </a:avLst>
             </a:prstGeom>
             <a:solidFill>
-              <a:schemeClr val="bg1"/>
+              <a:schemeClr val="tx1"/>
             </a:solidFill>
             <a:ln w="19050" cmpd="sng">
               <a:solidFill>
-                <a:srgbClr val="FFFFFF"/>
+                <a:schemeClr val="tx1"/>
               </a:solidFill>
             </a:ln>
             <a:effectLst/>
@@ -7172,6 +9197,9 @@
             <a:p>
               <a:pPr algn="ctr"/>
               <a:endParaRPr lang="en-US">
+                <a:solidFill>
+                  <a:schemeClr val="tx1"/>
+                </a:solidFill>
                 <a:latin typeface="Lato" panose="020F0502020204030203" pitchFamily="34" charset="0"/>
                 <a:ea typeface="Lato" panose="020F0502020204030203" pitchFamily="34" charset="0"/>
                 <a:cs typeface="Lato" panose="020F0502020204030203" pitchFamily="34" charset="0"/>
@@ -7198,6 +9226,7 @@
               <a:chOff x="7111769" y="3864975"/>
               <a:chExt cx="631034" cy="2840648"/>
             </a:xfrm>
+            <a:grpFill/>
           </p:grpSpPr>
           <p:sp>
             <p:nvSpPr>
@@ -7267,10 +9296,10 @@
                   </a:path>
                 </a:pathLst>
               </a:custGeom>
-              <a:noFill/>
+              <a:grpFill/>
               <a:ln w="76200" cmpd="sng">
                 <a:solidFill>
-                  <a:srgbClr val="FFFFFF"/>
+                  <a:schemeClr val="tx1"/>
                 </a:solidFill>
               </a:ln>
               <a:effectLst/>
@@ -7295,6 +9324,9 @@
               <a:p>
                 <a:pPr algn="ctr"/>
                 <a:endParaRPr lang="en-US">
+                  <a:solidFill>
+                    <a:schemeClr val="tx1"/>
+                  </a:solidFill>
                   <a:latin typeface="Lato" panose="020F0502020204030203" pitchFamily="34" charset="0"/>
                   <a:ea typeface="Lato" panose="020F0502020204030203" pitchFamily="34" charset="0"/>
                   <a:cs typeface="Lato" panose="020F0502020204030203" pitchFamily="34" charset="0"/>
@@ -7370,10 +9402,10 @@
                   </a:path>
                 </a:pathLst>
               </a:custGeom>
-              <a:noFill/>
+              <a:grpFill/>
               <a:ln w="76200" cmpd="sng">
                 <a:solidFill>
-                  <a:srgbClr val="FFFFFF"/>
+                  <a:schemeClr val="tx1"/>
                 </a:solidFill>
               </a:ln>
               <a:effectLst/>
@@ -7398,6 +9430,9 @@
               <a:p>
                 <a:pPr algn="ctr"/>
                 <a:endParaRPr lang="en-US">
+                  <a:solidFill>
+                    <a:schemeClr val="tx1"/>
+                  </a:solidFill>
                   <a:latin typeface="Lato" panose="020F0502020204030203" pitchFamily="34" charset="0"/>
                   <a:ea typeface="Lato" panose="020F0502020204030203" pitchFamily="34" charset="0"/>
                   <a:cs typeface="Lato" panose="020F0502020204030203" pitchFamily="34" charset="0"/>
@@ -7421,7 +9456,7 @@
         </p:nvSpPr>
         <p:spPr>
           <a:xfrm>
-            <a:off x="933281" y="3938110"/>
+            <a:off x="467115" y="3740886"/>
             <a:ext cx="1981200" cy="985548"/>
           </a:xfrm>
           <a:prstGeom prst="roundRect">
@@ -7430,11 +9465,11 @@
             </a:avLst>
           </a:prstGeom>
           <a:solidFill>
-            <a:schemeClr val="tx1"/>
+            <a:schemeClr val="bg1"/>
           </a:solidFill>
           <a:ln w="19050" cmpd="sng">
             <a:solidFill>
-              <a:srgbClr val="FFFFFF"/>
+              <a:schemeClr val="tx1"/>
             </a:solidFill>
           </a:ln>
           <a:effectLst/>
@@ -7460,6 +9495,9 @@
             <a:pPr algn="ctr"/>
             <a:r>
               <a:rPr lang="en-US" dirty="0">
+                <a:solidFill>
+                  <a:schemeClr val="tx1"/>
+                </a:solidFill>
                 <a:latin typeface="Lato" panose="020F0502020204030203" pitchFamily="34" charset="0"/>
                 <a:ea typeface="Lato" panose="020F0502020204030203" pitchFamily="34" charset="0"/>
                 <a:cs typeface="Lato" panose="020F0502020204030203" pitchFamily="34" charset="0"/>
@@ -7483,7 +9521,7 @@
         </p:nvSpPr>
         <p:spPr>
           <a:xfrm>
-            <a:off x="953104" y="5043300"/>
+            <a:off x="486938" y="4846076"/>
             <a:ext cx="1981200" cy="985548"/>
           </a:xfrm>
           <a:prstGeom prst="roundRect">
@@ -7492,11 +9530,11 @@
             </a:avLst>
           </a:prstGeom>
           <a:solidFill>
-            <a:schemeClr val="tx1"/>
+            <a:schemeClr val="bg1"/>
           </a:solidFill>
           <a:ln w="19050" cmpd="sng">
             <a:solidFill>
-              <a:srgbClr val="FFFFFF"/>
+              <a:schemeClr val="tx1"/>
             </a:solidFill>
           </a:ln>
           <a:effectLst/>
@@ -7522,6 +9560,9 @@
             <a:pPr algn="ctr"/>
             <a:r>
               <a:rPr lang="en-US" dirty="0">
+                <a:solidFill>
+                  <a:schemeClr val="tx1"/>
+                </a:solidFill>
                 <a:latin typeface="Lato" panose="020F0502020204030203" pitchFamily="34" charset="0"/>
                 <a:ea typeface="Lato" panose="020F0502020204030203" pitchFamily="34" charset="0"/>
                 <a:cs typeface="Lato" panose="020F0502020204030203" pitchFamily="34" charset="0"/>
@@ -7545,7 +9586,7 @@
         </p:nvSpPr>
         <p:spPr>
           <a:xfrm>
-            <a:off x="953104" y="6233022"/>
+            <a:off x="486938" y="6035798"/>
             <a:ext cx="1981200" cy="985548"/>
           </a:xfrm>
           <a:prstGeom prst="roundRect">
@@ -7554,11 +9595,11 @@
             </a:avLst>
           </a:prstGeom>
           <a:solidFill>
-            <a:schemeClr val="tx1"/>
+            <a:schemeClr val="bg1"/>
           </a:solidFill>
           <a:ln w="19050" cmpd="sng">
             <a:solidFill>
-              <a:srgbClr val="FFFFFF"/>
+              <a:schemeClr val="tx1"/>
             </a:solidFill>
           </a:ln>
           <a:effectLst/>
@@ -7584,6 +9625,9 @@
             <a:pPr algn="ctr"/>
             <a:r>
               <a:rPr lang="en-US" dirty="0">
+                <a:solidFill>
+                  <a:schemeClr val="tx1"/>
+                </a:solidFill>
                 <a:latin typeface="Lato" panose="020F0502020204030203" pitchFamily="34" charset="0"/>
                 <a:ea typeface="Lato" panose="020F0502020204030203" pitchFamily="34" charset="0"/>
                 <a:cs typeface="Lato" panose="020F0502020204030203" pitchFamily="34" charset="0"/>
@@ -7594,6 +9638,9 @@
           <a:p>
             <a:pPr algn="ctr"/>
             <a:endParaRPr lang="en-US" dirty="0">
+              <a:solidFill>
+                <a:schemeClr val="tx1"/>
+              </a:solidFill>
               <a:latin typeface="Lato" panose="020F0502020204030203" pitchFamily="34" charset="0"/>
               <a:ea typeface="Lato" panose="020F0502020204030203" pitchFamily="34" charset="0"/>
               <a:cs typeface="Lato" panose="020F0502020204030203" pitchFamily="34" charset="0"/>
@@ -7602,6 +9649,9 @@
           <a:p>
             <a:pPr algn="ctr"/>
             <a:endParaRPr lang="en-US" dirty="0">
+              <a:solidFill>
+                <a:schemeClr val="tx1"/>
+              </a:solidFill>
               <a:latin typeface="Lato" panose="020F0502020204030203" pitchFamily="34" charset="0"/>
               <a:ea typeface="Lato" panose="020F0502020204030203" pitchFamily="34" charset="0"/>
               <a:cs typeface="Lato" panose="020F0502020204030203" pitchFamily="34" charset="0"/>
@@ -7619,21 +9669,22 @@
             </a:extLst>
           </p:cNvPr>
           <p:cNvCxnSpPr>
+            <a:cxnSpLocks/>
             <a:stCxn id="31" idx="3"/>
           </p:cNvCxnSpPr>
           <p:nvPr/>
         </p:nvCxnSpPr>
         <p:spPr>
-          <a:xfrm>
-            <a:off x="2914481" y="4430884"/>
-            <a:ext cx="709466" cy="168010"/>
+          <a:xfrm flipV="1">
+            <a:off x="2448315" y="4050768"/>
+            <a:ext cx="1146865" cy="182892"/>
           </a:xfrm>
           <a:prstGeom prst="straightConnector1">
             <a:avLst/>
           </a:prstGeom>
           <a:ln w="38100" cmpd="sng">
             <a:solidFill>
-              <a:schemeClr val="bg1"/>
+              <a:schemeClr val="tx1"/>
             </a:solidFill>
             <a:tailEnd type="triangle"/>
           </a:ln>
@@ -7671,15 +9722,15 @@
         </p:nvCxnSpPr>
         <p:spPr>
           <a:xfrm flipV="1">
-            <a:off x="2934304" y="4646615"/>
-            <a:ext cx="672389" cy="889459"/>
+            <a:off x="2468138" y="4086053"/>
+            <a:ext cx="1145580" cy="1252797"/>
           </a:xfrm>
           <a:prstGeom prst="straightConnector1">
             <a:avLst/>
           </a:prstGeom>
           <a:ln w="38100" cmpd="sng">
             <a:solidFill>
-              <a:schemeClr val="bg1"/>
+              <a:schemeClr val="tx1"/>
             </a:solidFill>
             <a:tailEnd type="triangle"/>
           </a:ln>
@@ -7700,56 +9751,75 @@
           </a:fontRef>
         </p:style>
       </p:cxnSp>
-      <p:cxnSp>
-        <p:nvCxnSpPr>
-          <p:cNvPr id="40" name="Straight Arrow Connector 39">
+      <p:sp>
+        <p:nvSpPr>
+          <p:cNvPr id="22" name="Rounded Rectangle 21">
             <a:extLst>
               <a:ext uri="{FF2B5EF4-FFF2-40B4-BE49-F238E27FC236}">
-                <a16:creationId xmlns:a16="http://schemas.microsoft.com/office/drawing/2014/main" id="{994E615B-06DE-DA47-A71F-22AF96C50A22}"/>
+                <a16:creationId xmlns:a16="http://schemas.microsoft.com/office/drawing/2014/main" id="{10DD133C-4945-D74A-98FA-3DE1D73AEAD1}"/>
               </a:ext>
             </a:extLst>
           </p:cNvPr>
-          <p:cNvCxnSpPr>
-            <a:cxnSpLocks/>
-            <a:stCxn id="33" idx="3"/>
-          </p:cNvCxnSpPr>
+          <p:cNvSpPr/>
           <p:nvPr/>
-        </p:nvCxnSpPr>
+        </p:nvSpPr>
         <p:spPr>
-          <a:xfrm flipV="1">
-            <a:off x="2934304" y="4686662"/>
-            <a:ext cx="689643" cy="2039134"/>
+          <a:xfrm rot="20187465">
+            <a:off x="6823865" y="4889552"/>
+            <a:ext cx="1981200" cy="985548"/>
           </a:xfrm>
-          <a:prstGeom prst="straightConnector1">
-            <a:avLst/>
+          <a:prstGeom prst="roundRect">
+            <a:avLst>
+              <a:gd name="adj" fmla="val 9045"/>
+            </a:avLst>
           </a:prstGeom>
-          <a:ln w="38100" cmpd="sng">
+          <a:solidFill>
+            <a:schemeClr val="bg1"/>
+          </a:solidFill>
+          <a:ln w="19050" cmpd="sng">
             <a:solidFill>
-              <a:schemeClr val="bg1"/>
+              <a:schemeClr val="tx1"/>
             </a:solidFill>
-            <a:tailEnd type="triangle"/>
           </a:ln>
           <a:effectLst/>
         </p:spPr>
         <p:style>
-          <a:lnRef idx="2">
+          <a:lnRef idx="1">
             <a:schemeClr val="accent1"/>
           </a:lnRef>
-          <a:fillRef idx="0">
+          <a:fillRef idx="3">
             <a:schemeClr val="accent1"/>
           </a:fillRef>
-          <a:effectRef idx="1">
+          <a:effectRef idx="2">
             <a:schemeClr val="accent1"/>
           </a:effectRef>
           <a:fontRef idx="minor">
-            <a:schemeClr val="tx1"/>
+            <a:schemeClr val="lt1"/>
           </a:fontRef>
         </p:style>
-      </p:cxnSp>
+        <p:txBody>
+          <a:bodyPr rtlCol="0" anchor="ctr"/>
+          <a:lstStyle/>
+          <a:p>
+            <a:pPr algn="ctr"/>
+            <a:r>
+              <a:rPr lang="en-US" dirty="0">
+                <a:solidFill>
+                  <a:schemeClr val="tx1"/>
+                </a:solidFill>
+                <a:latin typeface="Lato" panose="020F0502020204030203" pitchFamily="34" charset="0"/>
+                <a:ea typeface="Lato" panose="020F0502020204030203" pitchFamily="34" charset="0"/>
+                <a:cs typeface="Lato" panose="020F0502020204030203" pitchFamily="34" charset="0"/>
+              </a:rPr>
+              <a:t>facts about which things are it</a:t>
+            </a:r>
+          </a:p>
+        </p:txBody>
+      </p:sp>
     </p:spTree>
     <p:extLst>
       <p:ext uri="{BB962C8B-B14F-4D97-AF65-F5344CB8AC3E}">
-        <p14:creationId xmlns:p14="http://schemas.microsoft.com/office/powerpoint/2010/main" val="4089254314"/>
+        <p14:creationId xmlns:p14="http://schemas.microsoft.com/office/powerpoint/2010/main" val="473813799"/>
       </p:ext>
     </p:extLst>
   </p:cSld>
@@ -7759,7 +9829,7 @@
 </p:sld>
 </file>
 
-<file path=ppt/slides/slide5.xml><?xml version="1.0" encoding="utf-8"?>
+<file path=ppt/slides/slide9.xml><?xml version="1.0" encoding="utf-8"?>
 <p:sld xmlns:a="http://schemas.openxmlformats.org/drawingml/2006/main" xmlns:r="http://schemas.openxmlformats.org/officeDocument/2006/relationships" xmlns:p="http://schemas.openxmlformats.org/presentationml/2006/main">
   <p:cSld>
     <p:spTree>
@@ -8569,8 +10639,8 @@
           <p:nvPr/>
         </p:nvSpPr>
         <p:spPr>
-          <a:xfrm rot="18647588">
-            <a:off x="6894204" y="4585422"/>
+          <a:xfrm rot="20187465">
+            <a:off x="6823865" y="4889552"/>
             <a:ext cx="1981200" cy="985548"/>
           </a:xfrm>
           <a:prstGeom prst="roundRect">
@@ -9396,1071 +11466,7 @@
     </p:spTree>
     <p:extLst>
       <p:ext uri="{BB962C8B-B14F-4D97-AF65-F5344CB8AC3E}">
-        <p14:creationId xmlns:p14="http://schemas.microsoft.com/office/powerpoint/2010/main" val="2183245415"/>
-      </p:ext>
-    </p:extLst>
-  </p:cSld>
-  <p:clrMapOvr>
-    <a:masterClrMapping/>
-  </p:clrMapOvr>
-</p:sld>
-</file>
-
-<file path=ppt/slides/slide6.xml><?xml version="1.0" encoding="utf-8"?>
-<p:sld xmlns:a="http://schemas.openxmlformats.org/drawingml/2006/main" xmlns:r="http://schemas.openxmlformats.org/officeDocument/2006/relationships" xmlns:p="http://schemas.openxmlformats.org/presentationml/2006/main">
-  <p:cSld>
-    <p:spTree>
-      <p:nvGrpSpPr>
-        <p:cNvPr id="1" name=""/>
-        <p:cNvGrpSpPr/>
-        <p:nvPr/>
-      </p:nvGrpSpPr>
-      <p:grpSpPr>
-        <a:xfrm>
-          <a:off x="0" y="0"/>
-          <a:ext cx="0" cy="0"/>
-          <a:chOff x="0" y="0"/>
-          <a:chExt cx="0" cy="0"/>
-        </a:xfrm>
-      </p:grpSpPr>
-      <p:cxnSp>
-        <p:nvCxnSpPr>
-          <p:cNvPr id="40" name="Straight Arrow Connector 39">
-            <a:extLst>
-              <a:ext uri="{FF2B5EF4-FFF2-40B4-BE49-F238E27FC236}">
-                <a16:creationId xmlns:a16="http://schemas.microsoft.com/office/drawing/2014/main" id="{994E615B-06DE-DA47-A71F-22AF96C50A22}"/>
-              </a:ext>
-            </a:extLst>
-          </p:cNvPr>
-          <p:cNvCxnSpPr>
-            <a:cxnSpLocks/>
-            <a:stCxn id="33" idx="3"/>
-          </p:cNvCxnSpPr>
-          <p:nvPr/>
-        </p:nvCxnSpPr>
-        <p:spPr>
-          <a:xfrm flipV="1">
-            <a:off x="2468138" y="4069955"/>
-            <a:ext cx="1127042" cy="2458617"/>
-          </a:xfrm>
-          <a:prstGeom prst="straightConnector1">
-            <a:avLst/>
-          </a:prstGeom>
-          <a:ln w="38100" cmpd="sng">
-            <a:solidFill>
-              <a:schemeClr val="bg1"/>
-            </a:solidFill>
-            <a:tailEnd type="triangle"/>
-          </a:ln>
-          <a:effectLst/>
-        </p:spPr>
-        <p:style>
-          <a:lnRef idx="2">
-            <a:schemeClr val="accent1"/>
-          </a:lnRef>
-          <a:fillRef idx="0">
-            <a:schemeClr val="accent1"/>
-          </a:fillRef>
-          <a:effectRef idx="1">
-            <a:schemeClr val="accent1"/>
-          </a:effectRef>
-          <a:fontRef idx="minor">
-            <a:schemeClr val="tx1"/>
-          </a:fontRef>
-        </p:style>
-      </p:cxnSp>
-      <p:grpSp>
-        <p:nvGrpSpPr>
-          <p:cNvPr id="30" name="Group 29">
-            <a:extLst>
-              <a:ext uri="{FF2B5EF4-FFF2-40B4-BE49-F238E27FC236}">
-                <a16:creationId xmlns:a16="http://schemas.microsoft.com/office/drawing/2014/main" id="{9B19E2B7-0FC5-194C-A1DF-E9C5035E84F5}"/>
-              </a:ext>
-            </a:extLst>
-          </p:cNvPr>
-          <p:cNvGrpSpPr/>
-          <p:nvPr/>
-        </p:nvGrpSpPr>
-        <p:grpSpPr>
-          <a:xfrm>
-            <a:off x="3159726" y="3926193"/>
-            <a:ext cx="2979091" cy="2288480"/>
-            <a:chOff x="2798045" y="4119010"/>
-            <a:chExt cx="2979091" cy="2288480"/>
-          </a:xfrm>
-          <a:solidFill>
-            <a:schemeClr val="tx1"/>
-          </a:solidFill>
-        </p:grpSpPr>
-        <p:sp>
-          <p:nvSpPr>
-            <p:cNvPr id="5" name="Arc 4">
-              <a:extLst>
-                <a:ext uri="{FF2B5EF4-FFF2-40B4-BE49-F238E27FC236}">
-                  <a16:creationId xmlns:a16="http://schemas.microsoft.com/office/drawing/2014/main" id="{D0C4265C-D759-B14F-84BC-58391C6B7C18}"/>
-                </a:ext>
-              </a:extLst>
-            </p:cNvPr>
-            <p:cNvSpPr/>
-            <p:nvPr/>
-          </p:nvSpPr>
-          <p:spPr>
-            <a:xfrm rot="10800000">
-              <a:off x="2798045" y="4655884"/>
-              <a:ext cx="1141344" cy="1258832"/>
-            </a:xfrm>
-            <a:prstGeom prst="arc">
-              <a:avLst>
-                <a:gd name="adj1" fmla="val 16200000"/>
-                <a:gd name="adj2" fmla="val 5401622"/>
-              </a:avLst>
-            </a:prstGeom>
-            <a:noFill/>
-            <a:ln w="76200" cmpd="sng">
-              <a:solidFill>
-                <a:schemeClr val="bg1"/>
-              </a:solidFill>
-              <a:headEnd type="triangle" w="med" len="med"/>
-              <a:tailEnd type="none" w="med" len="med"/>
-            </a:ln>
-            <a:effectLst>
-              <a:glow rad="127000">
-                <a:schemeClr val="tx1"/>
-              </a:glow>
-            </a:effectLst>
-          </p:spPr>
-          <p:style>
-            <a:lnRef idx="2">
-              <a:schemeClr val="accent1"/>
-            </a:lnRef>
-            <a:fillRef idx="0">
-              <a:schemeClr val="accent1"/>
-            </a:fillRef>
-            <a:effectRef idx="1">
-              <a:schemeClr val="accent1"/>
-            </a:effectRef>
-            <a:fontRef idx="minor">
-              <a:schemeClr val="tx1"/>
-            </a:fontRef>
-          </p:style>
-          <p:txBody>
-            <a:bodyPr rtlCol="0" anchor="ctr"/>
-            <a:lstStyle/>
-            <a:p>
-              <a:pPr algn="ctr"/>
-              <a:endParaRPr lang="en-US">
-                <a:solidFill>
-                  <a:schemeClr val="bg1"/>
-                </a:solidFill>
-              </a:endParaRPr>
-            </a:p>
-          </p:txBody>
-        </p:sp>
-        <p:sp>
-          <p:nvSpPr>
-            <p:cNvPr id="19" name="Arc 18">
-              <a:extLst>
-                <a:ext uri="{FF2B5EF4-FFF2-40B4-BE49-F238E27FC236}">
-                  <a16:creationId xmlns:a16="http://schemas.microsoft.com/office/drawing/2014/main" id="{DC8AACC8-8042-1944-84F1-27B259EDA2AC}"/>
-                </a:ext>
-              </a:extLst>
-            </p:cNvPr>
-            <p:cNvSpPr/>
-            <p:nvPr/>
-          </p:nvSpPr>
-          <p:spPr>
-            <a:xfrm rot="20700000">
-              <a:off x="4635792" y="4562648"/>
-              <a:ext cx="1141344" cy="1258832"/>
-            </a:xfrm>
-            <a:prstGeom prst="arc">
-              <a:avLst>
-                <a:gd name="adj1" fmla="val 17848501"/>
-                <a:gd name="adj2" fmla="val 5401622"/>
-              </a:avLst>
-            </a:prstGeom>
-            <a:noFill/>
-            <a:ln w="76200" cmpd="sng">
-              <a:solidFill>
-                <a:schemeClr val="bg1"/>
-              </a:solidFill>
-              <a:headEnd type="triangle" w="med" len="med"/>
-              <a:tailEnd type="none" w="med" len="med"/>
-            </a:ln>
-            <a:effectLst/>
-          </p:spPr>
-          <p:style>
-            <a:lnRef idx="2">
-              <a:schemeClr val="accent1"/>
-            </a:lnRef>
-            <a:fillRef idx="0">
-              <a:schemeClr val="accent1"/>
-            </a:fillRef>
-            <a:effectRef idx="1">
-              <a:schemeClr val="accent1"/>
-            </a:effectRef>
-            <a:fontRef idx="minor">
-              <a:schemeClr val="tx1"/>
-            </a:fontRef>
-          </p:style>
-          <p:txBody>
-            <a:bodyPr rtlCol="0" anchor="ctr"/>
-            <a:lstStyle/>
-            <a:p>
-              <a:pPr algn="ctr"/>
-              <a:endParaRPr lang="en-US">
-                <a:solidFill>
-                  <a:schemeClr val="bg1"/>
-                </a:solidFill>
-              </a:endParaRPr>
-            </a:p>
-          </p:txBody>
-        </p:sp>
-        <p:sp>
-          <p:nvSpPr>
-            <p:cNvPr id="9" name="Rounded Rectangle 8">
-              <a:extLst>
-                <a:ext uri="{FF2B5EF4-FFF2-40B4-BE49-F238E27FC236}">
-                  <a16:creationId xmlns:a16="http://schemas.microsoft.com/office/drawing/2014/main" id="{136BF6F5-80A1-1049-83E3-8B904852DD4B}"/>
-                </a:ext>
-              </a:extLst>
-            </p:cNvPr>
-            <p:cNvSpPr/>
-            <p:nvPr/>
-          </p:nvSpPr>
-          <p:spPr>
-            <a:xfrm>
-              <a:off x="3368720" y="4119010"/>
-              <a:ext cx="1981200" cy="985548"/>
-            </a:xfrm>
-            <a:prstGeom prst="roundRect">
-              <a:avLst>
-                <a:gd name="adj" fmla="val 9045"/>
-              </a:avLst>
-            </a:prstGeom>
-            <a:grpFill/>
-            <a:ln w="19050" cmpd="sng">
-              <a:solidFill>
-                <a:schemeClr val="bg1"/>
-              </a:solidFill>
-            </a:ln>
-            <a:effectLst/>
-          </p:spPr>
-          <p:style>
-            <a:lnRef idx="1">
-              <a:schemeClr val="accent1"/>
-            </a:lnRef>
-            <a:fillRef idx="3">
-              <a:schemeClr val="accent1"/>
-            </a:fillRef>
-            <a:effectRef idx="2">
-              <a:schemeClr val="accent1"/>
-            </a:effectRef>
-            <a:fontRef idx="minor">
-              <a:schemeClr val="lt1"/>
-            </a:fontRef>
-          </p:style>
-          <p:txBody>
-            <a:bodyPr rtlCol="0" anchor="ctr"/>
-            <a:lstStyle/>
-            <a:p>
-              <a:pPr algn="ctr"/>
-              <a:r>
-                <a:rPr lang="en-US" dirty="0">
-                  <a:solidFill>
-                    <a:schemeClr val="bg1"/>
-                  </a:solidFill>
-                  <a:latin typeface="Lato" panose="020F0502020204030203" pitchFamily="34" charset="0"/>
-                  <a:ea typeface="Lato" panose="020F0502020204030203" pitchFamily="34" charset="0"/>
-                  <a:cs typeface="Lato" panose="020F0502020204030203" pitchFamily="34" charset="0"/>
-                </a:rPr>
-                <a:t>mechanistically neutral </a:t>
-              </a:r>
-              <a:r>
-                <a:rPr lang="en-US" dirty="0" err="1">
-                  <a:solidFill>
-                    <a:schemeClr val="bg1"/>
-                  </a:solidFill>
-                  <a:latin typeface="Lato" panose="020F0502020204030203" pitchFamily="34" charset="0"/>
-                  <a:ea typeface="Lato" panose="020F0502020204030203" pitchFamily="34" charset="0"/>
-                  <a:cs typeface="Lato" panose="020F0502020204030203" pitchFamily="34" charset="0"/>
-                </a:rPr>
-                <a:t>characterisations</a:t>
-              </a:r>
-              <a:endParaRPr lang="en-US" dirty="0">
-                <a:solidFill>
-                  <a:schemeClr val="bg1"/>
-                </a:solidFill>
-                <a:latin typeface="Lato" panose="020F0502020204030203" pitchFamily="34" charset="0"/>
-                <a:ea typeface="Lato" panose="020F0502020204030203" pitchFamily="34" charset="0"/>
-                <a:cs typeface="Lato" panose="020F0502020204030203" pitchFamily="34" charset="0"/>
-              </a:endParaRPr>
-            </a:p>
-          </p:txBody>
-        </p:sp>
-        <p:sp>
-          <p:nvSpPr>
-            <p:cNvPr id="10" name="Rounded Rectangle 9">
-              <a:extLst>
-                <a:ext uri="{FF2B5EF4-FFF2-40B4-BE49-F238E27FC236}">
-                  <a16:creationId xmlns:a16="http://schemas.microsoft.com/office/drawing/2014/main" id="{7D2B0777-68D8-C643-9613-99213340DD0B}"/>
-                </a:ext>
-              </a:extLst>
-            </p:cNvPr>
-            <p:cNvSpPr/>
-            <p:nvPr/>
-          </p:nvSpPr>
-          <p:spPr>
-            <a:xfrm>
-              <a:off x="3368720" y="5421942"/>
-              <a:ext cx="1981200" cy="985548"/>
-            </a:xfrm>
-            <a:prstGeom prst="roundRect">
-              <a:avLst>
-                <a:gd name="adj" fmla="val 9045"/>
-              </a:avLst>
-            </a:prstGeom>
-            <a:grpFill/>
-            <a:ln w="19050" cmpd="sng">
-              <a:solidFill>
-                <a:schemeClr val="bg1"/>
-              </a:solidFill>
-            </a:ln>
-            <a:effectLst/>
-          </p:spPr>
-          <p:style>
-            <a:lnRef idx="1">
-              <a:schemeClr val="accent1"/>
-            </a:lnRef>
-            <a:fillRef idx="3">
-              <a:schemeClr val="accent1"/>
-            </a:fillRef>
-            <a:effectRef idx="2">
-              <a:schemeClr val="accent1"/>
-            </a:effectRef>
-            <a:fontRef idx="minor">
-              <a:schemeClr val="lt1"/>
-            </a:fontRef>
-          </p:style>
-          <p:txBody>
-            <a:bodyPr rtlCol="0" anchor="ctr"/>
-            <a:lstStyle/>
-            <a:p>
-              <a:pPr algn="ctr"/>
-              <a:r>
-                <a:rPr lang="en-US" dirty="0">
-                  <a:solidFill>
-                    <a:schemeClr val="bg1"/>
-                  </a:solidFill>
-                  <a:latin typeface="Lato" panose="020F0502020204030203" pitchFamily="34" charset="0"/>
-                  <a:ea typeface="Lato" panose="020F0502020204030203" pitchFamily="34" charset="0"/>
-                  <a:cs typeface="Lato" panose="020F0502020204030203" pitchFamily="34" charset="0"/>
-                </a:rPr>
-                <a:t>discoveries about mechanisms</a:t>
-              </a:r>
-            </a:p>
-          </p:txBody>
-        </p:sp>
-      </p:grpSp>
-      <p:sp>
-        <p:nvSpPr>
-          <p:cNvPr id="21" name="Rounded Rectangle 20">
-            <a:extLst>
-              <a:ext uri="{FF2B5EF4-FFF2-40B4-BE49-F238E27FC236}">
-                <a16:creationId xmlns:a16="http://schemas.microsoft.com/office/drawing/2014/main" id="{52D3C6C2-398E-C744-86F7-298B6594A65A}"/>
-              </a:ext>
-            </a:extLst>
-          </p:cNvPr>
-          <p:cNvSpPr/>
-          <p:nvPr/>
-        </p:nvSpPr>
-        <p:spPr>
-          <a:xfrm rot="18647588">
-            <a:off x="6894204" y="4585422"/>
-            <a:ext cx="1981200" cy="985548"/>
-          </a:xfrm>
-          <a:prstGeom prst="roundRect">
-            <a:avLst>
-              <a:gd name="adj" fmla="val 9045"/>
-            </a:avLst>
-          </a:prstGeom>
-          <a:solidFill>
-            <a:schemeClr val="tx1"/>
-          </a:solidFill>
-          <a:ln w="19050" cmpd="sng">
-            <a:solidFill>
-              <a:schemeClr val="bg1"/>
-            </a:solidFill>
-          </a:ln>
-          <a:effectLst/>
-        </p:spPr>
-        <p:style>
-          <a:lnRef idx="1">
-            <a:schemeClr val="accent1"/>
-          </a:lnRef>
-          <a:fillRef idx="3">
-            <a:schemeClr val="accent1"/>
-          </a:fillRef>
-          <a:effectRef idx="2">
-            <a:schemeClr val="accent1"/>
-          </a:effectRef>
-          <a:fontRef idx="minor">
-            <a:schemeClr val="lt1"/>
-          </a:fontRef>
-        </p:style>
-        <p:txBody>
-          <a:bodyPr rtlCol="0" anchor="ctr"/>
-          <a:lstStyle/>
-          <a:p>
-            <a:pPr algn="ctr"/>
-            <a:r>
-              <a:rPr lang="en-US" dirty="0">
-                <a:solidFill>
-                  <a:schemeClr val="bg1"/>
-                </a:solidFill>
-                <a:latin typeface="Lato" panose="020F0502020204030203" pitchFamily="34" charset="0"/>
-                <a:ea typeface="Lato" panose="020F0502020204030203" pitchFamily="34" charset="0"/>
-                <a:cs typeface="Lato" panose="020F0502020204030203" pitchFamily="34" charset="0"/>
-              </a:rPr>
-              <a:t>facts about which things are it</a:t>
-            </a:r>
-          </a:p>
-        </p:txBody>
-      </p:sp>
-      <p:grpSp>
-        <p:nvGrpSpPr>
-          <p:cNvPr id="23" name="Group 22">
-            <a:extLst>
-              <a:ext uri="{FF2B5EF4-FFF2-40B4-BE49-F238E27FC236}">
-                <a16:creationId xmlns:a16="http://schemas.microsoft.com/office/drawing/2014/main" id="{ED0D76E6-0E22-FF44-A938-302E2AD9A836}"/>
-              </a:ext>
-            </a:extLst>
-          </p:cNvPr>
-          <p:cNvGrpSpPr/>
-          <p:nvPr/>
-        </p:nvGrpSpPr>
-        <p:grpSpPr>
-          <a:xfrm>
-            <a:off x="6233516" y="4054046"/>
-            <a:ext cx="911329" cy="1945364"/>
-            <a:chOff x="7074175" y="4299558"/>
-            <a:chExt cx="911329" cy="1945364"/>
-          </a:xfrm>
-          <a:solidFill>
-            <a:schemeClr val="tx1"/>
-          </a:solidFill>
-        </p:grpSpPr>
-        <p:sp>
-          <p:nvSpPr>
-            <p:cNvPr id="27" name="Down Arrow 26">
-              <a:extLst>
-                <a:ext uri="{FF2B5EF4-FFF2-40B4-BE49-F238E27FC236}">
-                  <a16:creationId xmlns:a16="http://schemas.microsoft.com/office/drawing/2014/main" id="{C59429FD-B098-9B40-AD78-BF80883ECD68}"/>
-                </a:ext>
-              </a:extLst>
-            </p:cNvPr>
-            <p:cNvSpPr/>
-            <p:nvPr/>
-          </p:nvSpPr>
-          <p:spPr>
-            <a:xfrm rot="16200000">
-              <a:off x="7727911" y="5145788"/>
-              <a:ext cx="234891" cy="280294"/>
-            </a:xfrm>
-            <a:prstGeom prst="downArrow">
-              <a:avLst>
-                <a:gd name="adj1" fmla="val 50000"/>
-                <a:gd name="adj2" fmla="val 217624"/>
-              </a:avLst>
-            </a:prstGeom>
-            <a:solidFill>
-              <a:schemeClr val="bg1"/>
-            </a:solidFill>
-            <a:ln w="19050" cmpd="sng">
-              <a:solidFill>
-                <a:schemeClr val="bg1"/>
-              </a:solidFill>
-            </a:ln>
-            <a:effectLst/>
-          </p:spPr>
-          <p:style>
-            <a:lnRef idx="1">
-              <a:schemeClr val="accent1"/>
-            </a:lnRef>
-            <a:fillRef idx="3">
-              <a:schemeClr val="accent1"/>
-            </a:fillRef>
-            <a:effectRef idx="2">
-              <a:schemeClr val="accent1"/>
-            </a:effectRef>
-            <a:fontRef idx="minor">
-              <a:schemeClr val="lt1"/>
-            </a:fontRef>
-          </p:style>
-          <p:txBody>
-            <a:bodyPr rtlCol="0" anchor="ctr"/>
-            <a:lstStyle/>
-            <a:p>
-              <a:pPr algn="ctr"/>
-              <a:endParaRPr lang="en-US">
-                <a:solidFill>
-                  <a:schemeClr val="bg1"/>
-                </a:solidFill>
-                <a:latin typeface="Lato" panose="020F0502020204030203" pitchFamily="34" charset="0"/>
-                <a:ea typeface="Lato" panose="020F0502020204030203" pitchFamily="34" charset="0"/>
-                <a:cs typeface="Lato" panose="020F0502020204030203" pitchFamily="34" charset="0"/>
-              </a:endParaRPr>
-            </a:p>
-          </p:txBody>
-        </p:sp>
-        <p:grpSp>
-          <p:nvGrpSpPr>
-            <p:cNvPr id="20" name="Group 19">
-              <a:extLst>
-                <a:ext uri="{FF2B5EF4-FFF2-40B4-BE49-F238E27FC236}">
-                  <a16:creationId xmlns:a16="http://schemas.microsoft.com/office/drawing/2014/main" id="{C6925F09-B0A5-704F-8784-B233B3D203C1}"/>
-                </a:ext>
-              </a:extLst>
-            </p:cNvPr>
-            <p:cNvGrpSpPr/>
-            <p:nvPr/>
-          </p:nvGrpSpPr>
-          <p:grpSpPr>
-            <a:xfrm>
-              <a:off x="7074175" y="4299558"/>
-              <a:ext cx="631034" cy="1945364"/>
-              <a:chOff x="7111769" y="3864975"/>
-              <a:chExt cx="631034" cy="2840648"/>
-            </a:xfrm>
-            <a:grpFill/>
-          </p:grpSpPr>
-          <p:sp>
-            <p:nvSpPr>
-              <p:cNvPr id="28" name="Freeform 27">
-                <a:extLst>
-                  <a:ext uri="{FF2B5EF4-FFF2-40B4-BE49-F238E27FC236}">
-                    <a16:creationId xmlns:a16="http://schemas.microsoft.com/office/drawing/2014/main" id="{AAA2661E-2146-344B-AB49-0E9D43A30A90}"/>
-                  </a:ext>
-                </a:extLst>
-              </p:cNvPr>
-              <p:cNvSpPr/>
-              <p:nvPr/>
-            </p:nvSpPr>
-            <p:spPr>
-              <a:xfrm rot="16200000">
-                <a:off x="6730999" y="5693820"/>
-                <a:ext cx="1392573" cy="631034"/>
-              </a:xfrm>
-              <a:custGeom>
-                <a:avLst/>
-                <a:gdLst>
-                  <a:gd name="connsiteX0" fmla="*/ 1442907 w 1444770"/>
-                  <a:gd name="connsiteY0" fmla="*/ 1107347 h 1107347"/>
-                  <a:gd name="connsiteX1" fmla="*/ 1258349 w 1444770"/>
-                  <a:gd name="connsiteY1" fmla="*/ 562063 h 1107347"/>
-                  <a:gd name="connsiteX2" fmla="*/ 268448 w 1444770"/>
-                  <a:gd name="connsiteY2" fmla="*/ 343949 h 1107347"/>
-                  <a:gd name="connsiteX3" fmla="*/ 0 w 1444770"/>
-                  <a:gd name="connsiteY3" fmla="*/ 0 h 1107347"/>
-                </a:gdLst>
-                <a:ahLst/>
-                <a:cxnLst>
-                  <a:cxn ang="0">
-                    <a:pos x="connsiteX0" y="connsiteY0"/>
-                  </a:cxn>
-                  <a:cxn ang="0">
-                    <a:pos x="connsiteX1" y="connsiteY1"/>
-                  </a:cxn>
-                  <a:cxn ang="0">
-                    <a:pos x="connsiteX2" y="connsiteY2"/>
-                  </a:cxn>
-                  <a:cxn ang="0">
-                    <a:pos x="connsiteX3" y="connsiteY3"/>
-                  </a:cxn>
-                </a:cxnLst>
-                <a:rect l="l" t="t" r="r" b="b"/>
-                <a:pathLst>
-                  <a:path w="1444770" h="1107347">
-                    <a:moveTo>
-                      <a:pt x="1442907" y="1107347"/>
-                    </a:moveTo>
-                    <a:cubicBezTo>
-                      <a:pt x="1448499" y="898321"/>
-                      <a:pt x="1454092" y="689296"/>
-                      <a:pt x="1258349" y="562063"/>
-                    </a:cubicBezTo>
-                    <a:cubicBezTo>
-                      <a:pt x="1062606" y="434830"/>
-                      <a:pt x="478173" y="437626"/>
-                      <a:pt x="268448" y="343949"/>
-                    </a:cubicBezTo>
-                    <a:cubicBezTo>
-                      <a:pt x="58723" y="250272"/>
-                      <a:pt x="29361" y="125136"/>
-                      <a:pt x="0" y="0"/>
-                    </a:cubicBezTo>
-                  </a:path>
-                </a:pathLst>
-              </a:custGeom>
-              <a:grpFill/>
-              <a:ln w="76200" cmpd="sng">
-                <a:solidFill>
-                  <a:schemeClr val="bg1"/>
-                </a:solidFill>
-              </a:ln>
-              <a:effectLst/>
-            </p:spPr>
-            <p:style>
-              <a:lnRef idx="1">
-                <a:schemeClr val="accent1"/>
-              </a:lnRef>
-              <a:fillRef idx="3">
-                <a:schemeClr val="accent1"/>
-              </a:fillRef>
-              <a:effectRef idx="2">
-                <a:schemeClr val="accent1"/>
-              </a:effectRef>
-              <a:fontRef idx="minor">
-                <a:schemeClr val="lt1"/>
-              </a:fontRef>
-            </p:style>
-            <p:txBody>
-              <a:bodyPr rtlCol="0" anchor="ctr"/>
-              <a:lstStyle/>
-              <a:p>
-                <a:pPr algn="ctr"/>
-                <a:endParaRPr lang="en-US">
-                  <a:solidFill>
-                    <a:schemeClr val="bg1"/>
-                  </a:solidFill>
-                  <a:latin typeface="Lato" panose="020F0502020204030203" pitchFamily="34" charset="0"/>
-                  <a:ea typeface="Lato" panose="020F0502020204030203" pitchFamily="34" charset="0"/>
-                  <a:cs typeface="Lato" panose="020F0502020204030203" pitchFamily="34" charset="0"/>
-                </a:endParaRPr>
-              </a:p>
-            </p:txBody>
-          </p:sp>
-          <p:sp>
-            <p:nvSpPr>
-              <p:cNvPr id="29" name="Freeform 28">
-                <a:extLst>
-                  <a:ext uri="{FF2B5EF4-FFF2-40B4-BE49-F238E27FC236}">
-                    <a16:creationId xmlns:a16="http://schemas.microsoft.com/office/drawing/2014/main" id="{34D271E4-9849-9C4B-AA6B-E06501B07819}"/>
-                  </a:ext>
-                </a:extLst>
-              </p:cNvPr>
-              <p:cNvSpPr/>
-              <p:nvPr/>
-            </p:nvSpPr>
-            <p:spPr>
-              <a:xfrm rot="16200000" flipH="1">
-                <a:off x="6730999" y="4245745"/>
-                <a:ext cx="1392573" cy="631034"/>
-              </a:xfrm>
-              <a:custGeom>
-                <a:avLst/>
-                <a:gdLst>
-                  <a:gd name="connsiteX0" fmla="*/ 1442907 w 1444770"/>
-                  <a:gd name="connsiteY0" fmla="*/ 1107347 h 1107347"/>
-                  <a:gd name="connsiteX1" fmla="*/ 1258349 w 1444770"/>
-                  <a:gd name="connsiteY1" fmla="*/ 562063 h 1107347"/>
-                  <a:gd name="connsiteX2" fmla="*/ 268448 w 1444770"/>
-                  <a:gd name="connsiteY2" fmla="*/ 343949 h 1107347"/>
-                  <a:gd name="connsiteX3" fmla="*/ 0 w 1444770"/>
-                  <a:gd name="connsiteY3" fmla="*/ 0 h 1107347"/>
-                </a:gdLst>
-                <a:ahLst/>
-                <a:cxnLst>
-                  <a:cxn ang="0">
-                    <a:pos x="connsiteX0" y="connsiteY0"/>
-                  </a:cxn>
-                  <a:cxn ang="0">
-                    <a:pos x="connsiteX1" y="connsiteY1"/>
-                  </a:cxn>
-                  <a:cxn ang="0">
-                    <a:pos x="connsiteX2" y="connsiteY2"/>
-                  </a:cxn>
-                  <a:cxn ang="0">
-                    <a:pos x="connsiteX3" y="connsiteY3"/>
-                  </a:cxn>
-                </a:cxnLst>
-                <a:rect l="l" t="t" r="r" b="b"/>
-                <a:pathLst>
-                  <a:path w="1444770" h="1107347">
-                    <a:moveTo>
-                      <a:pt x="1442907" y="1107347"/>
-                    </a:moveTo>
-                    <a:cubicBezTo>
-                      <a:pt x="1448499" y="898321"/>
-                      <a:pt x="1454092" y="689296"/>
-                      <a:pt x="1258349" y="562063"/>
-                    </a:cubicBezTo>
-                    <a:cubicBezTo>
-                      <a:pt x="1062606" y="434830"/>
-                      <a:pt x="478173" y="437626"/>
-                      <a:pt x="268448" y="343949"/>
-                    </a:cubicBezTo>
-                    <a:cubicBezTo>
-                      <a:pt x="58723" y="250272"/>
-                      <a:pt x="29361" y="125136"/>
-                      <a:pt x="0" y="0"/>
-                    </a:cubicBezTo>
-                  </a:path>
-                </a:pathLst>
-              </a:custGeom>
-              <a:grpFill/>
-              <a:ln w="76200" cmpd="sng">
-                <a:solidFill>
-                  <a:schemeClr val="bg1"/>
-                </a:solidFill>
-              </a:ln>
-              <a:effectLst/>
-            </p:spPr>
-            <p:style>
-              <a:lnRef idx="1">
-                <a:schemeClr val="accent1"/>
-              </a:lnRef>
-              <a:fillRef idx="3">
-                <a:schemeClr val="accent1"/>
-              </a:fillRef>
-              <a:effectRef idx="2">
-                <a:schemeClr val="accent1"/>
-              </a:effectRef>
-              <a:fontRef idx="minor">
-                <a:schemeClr val="lt1"/>
-              </a:fontRef>
-            </p:style>
-            <p:txBody>
-              <a:bodyPr rtlCol="0" anchor="ctr"/>
-              <a:lstStyle/>
-              <a:p>
-                <a:pPr algn="ctr"/>
-                <a:endParaRPr lang="en-US">
-                  <a:solidFill>
-                    <a:schemeClr val="bg1"/>
-                  </a:solidFill>
-                  <a:latin typeface="Lato" panose="020F0502020204030203" pitchFamily="34" charset="0"/>
-                  <a:ea typeface="Lato" panose="020F0502020204030203" pitchFamily="34" charset="0"/>
-                  <a:cs typeface="Lato" panose="020F0502020204030203" pitchFamily="34" charset="0"/>
-                </a:endParaRPr>
-              </a:p>
-            </p:txBody>
-          </p:sp>
-        </p:grpSp>
-      </p:grpSp>
-      <p:sp>
-        <p:nvSpPr>
-          <p:cNvPr id="31" name="Rounded Rectangle 30">
-            <a:extLst>
-              <a:ext uri="{FF2B5EF4-FFF2-40B4-BE49-F238E27FC236}">
-                <a16:creationId xmlns:a16="http://schemas.microsoft.com/office/drawing/2014/main" id="{1823950F-DAB2-EE46-BC06-78162879DA96}"/>
-              </a:ext>
-            </a:extLst>
-          </p:cNvPr>
-          <p:cNvSpPr/>
-          <p:nvPr/>
-        </p:nvSpPr>
-        <p:spPr>
-          <a:xfrm>
-            <a:off x="467115" y="3740886"/>
-            <a:ext cx="1981200" cy="985548"/>
-          </a:xfrm>
-          <a:prstGeom prst="roundRect">
-            <a:avLst>
-              <a:gd name="adj" fmla="val 9045"/>
-            </a:avLst>
-          </a:prstGeom>
-          <a:solidFill>
-            <a:schemeClr val="tx1"/>
-          </a:solidFill>
-          <a:ln w="19050" cmpd="sng">
-            <a:solidFill>
-              <a:schemeClr val="bg1"/>
-            </a:solidFill>
-          </a:ln>
-          <a:effectLst/>
-        </p:spPr>
-        <p:style>
-          <a:lnRef idx="1">
-            <a:schemeClr val="accent1"/>
-          </a:lnRef>
-          <a:fillRef idx="3">
-            <a:schemeClr val="accent1"/>
-          </a:fillRef>
-          <a:effectRef idx="2">
-            <a:schemeClr val="accent1"/>
-          </a:effectRef>
-          <a:fontRef idx="minor">
-            <a:schemeClr val="lt1"/>
-          </a:fontRef>
-        </p:style>
-        <p:txBody>
-          <a:bodyPr rtlCol="0" anchor="ctr"/>
-          <a:lstStyle/>
-          <a:p>
-            <a:pPr algn="ctr"/>
-            <a:r>
-              <a:rPr lang="en-US" dirty="0">
-                <a:solidFill>
-                  <a:schemeClr val="bg1"/>
-                </a:solidFill>
-                <a:latin typeface="Lato" panose="020F0502020204030203" pitchFamily="34" charset="0"/>
-                <a:ea typeface="Lato" panose="020F0502020204030203" pitchFamily="34" charset="0"/>
-                <a:cs typeface="Lato" panose="020F0502020204030203" pitchFamily="34" charset="0"/>
-              </a:rPr>
-              <a:t>‘the evidence from everyday thinking’</a:t>
-            </a:r>
-          </a:p>
-        </p:txBody>
-      </p:sp>
-      <p:sp>
-        <p:nvSpPr>
-          <p:cNvPr id="32" name="Rounded Rectangle 31">
-            <a:extLst>
-              <a:ext uri="{FF2B5EF4-FFF2-40B4-BE49-F238E27FC236}">
-                <a16:creationId xmlns:a16="http://schemas.microsoft.com/office/drawing/2014/main" id="{2B68282A-345B-2144-80A5-353033F00443}"/>
-              </a:ext>
-            </a:extLst>
-          </p:cNvPr>
-          <p:cNvSpPr/>
-          <p:nvPr/>
-        </p:nvSpPr>
-        <p:spPr>
-          <a:xfrm>
-            <a:off x="486938" y="4846076"/>
-            <a:ext cx="1981200" cy="985548"/>
-          </a:xfrm>
-          <a:prstGeom prst="roundRect">
-            <a:avLst>
-              <a:gd name="adj" fmla="val 9045"/>
-            </a:avLst>
-          </a:prstGeom>
-          <a:solidFill>
-            <a:schemeClr val="tx1"/>
-          </a:solidFill>
-          <a:ln w="19050" cmpd="sng">
-            <a:solidFill>
-              <a:schemeClr val="bg1"/>
-            </a:solidFill>
-          </a:ln>
-          <a:effectLst/>
-        </p:spPr>
-        <p:style>
-          <a:lnRef idx="1">
-            <a:schemeClr val="accent1"/>
-          </a:lnRef>
-          <a:fillRef idx="3">
-            <a:schemeClr val="accent1"/>
-          </a:fillRef>
-          <a:effectRef idx="2">
-            <a:schemeClr val="accent1"/>
-          </a:effectRef>
-          <a:fontRef idx="minor">
-            <a:schemeClr val="lt1"/>
-          </a:fontRef>
-        </p:style>
-        <p:txBody>
-          <a:bodyPr rtlCol="0" anchor="ctr"/>
-          <a:lstStyle/>
-          <a:p>
-            <a:pPr algn="ctr"/>
-            <a:r>
-              <a:rPr lang="en-US" dirty="0">
-                <a:solidFill>
-                  <a:schemeClr val="bg1"/>
-                </a:solidFill>
-                <a:latin typeface="Lato" panose="020F0502020204030203" pitchFamily="34" charset="0"/>
-                <a:ea typeface="Lato" panose="020F0502020204030203" pitchFamily="34" charset="0"/>
-                <a:cs typeface="Lato" panose="020F0502020204030203" pitchFamily="34" charset="0"/>
-              </a:rPr>
-              <a:t>engineering patterns</a:t>
-            </a:r>
-          </a:p>
-        </p:txBody>
-      </p:sp>
-      <p:sp>
-        <p:nvSpPr>
-          <p:cNvPr id="33" name="Rounded Rectangle 32">
-            <a:extLst>
-              <a:ext uri="{FF2B5EF4-FFF2-40B4-BE49-F238E27FC236}">
-                <a16:creationId xmlns:a16="http://schemas.microsoft.com/office/drawing/2014/main" id="{A53B370C-F0B0-5F40-8B21-021218D13BBC}"/>
-              </a:ext>
-            </a:extLst>
-          </p:cNvPr>
-          <p:cNvSpPr/>
-          <p:nvPr/>
-        </p:nvSpPr>
-        <p:spPr>
-          <a:xfrm>
-            <a:off x="486938" y="6035798"/>
-            <a:ext cx="1981200" cy="985548"/>
-          </a:xfrm>
-          <a:prstGeom prst="roundRect">
-            <a:avLst>
-              <a:gd name="adj" fmla="val 9045"/>
-            </a:avLst>
-          </a:prstGeom>
-          <a:solidFill>
-            <a:schemeClr val="tx1"/>
-          </a:solidFill>
-          <a:ln w="19050" cmpd="sng">
-            <a:solidFill>
-              <a:schemeClr val="bg1"/>
-            </a:solidFill>
-          </a:ln>
-          <a:effectLst/>
-        </p:spPr>
-        <p:style>
-          <a:lnRef idx="1">
-            <a:schemeClr val="accent1"/>
-          </a:lnRef>
-          <a:fillRef idx="3">
-            <a:schemeClr val="accent1"/>
-          </a:fillRef>
-          <a:effectRef idx="2">
-            <a:schemeClr val="accent1"/>
-          </a:effectRef>
-          <a:fontRef idx="minor">
-            <a:schemeClr val="lt1"/>
-          </a:fontRef>
-        </p:style>
-        <p:txBody>
-          <a:bodyPr rtlCol="0" anchor="ctr"/>
-          <a:lstStyle/>
-          <a:p>
-            <a:pPr algn="ctr"/>
-            <a:r>
-              <a:rPr lang="en-US" dirty="0">
-                <a:solidFill>
-                  <a:schemeClr val="bg1"/>
-                </a:solidFill>
-                <a:latin typeface="Lato" panose="020F0502020204030203" pitchFamily="34" charset="0"/>
-                <a:ea typeface="Lato" panose="020F0502020204030203" pitchFamily="34" charset="0"/>
-                <a:cs typeface="Lato" panose="020F0502020204030203" pitchFamily="34" charset="0"/>
-              </a:rPr>
-              <a:t>… </a:t>
-            </a:r>
-          </a:p>
-          <a:p>
-            <a:pPr algn="ctr"/>
-            <a:endParaRPr lang="en-US" dirty="0">
-              <a:solidFill>
-                <a:schemeClr val="bg1"/>
-              </a:solidFill>
-              <a:latin typeface="Lato" panose="020F0502020204030203" pitchFamily="34" charset="0"/>
-              <a:ea typeface="Lato" panose="020F0502020204030203" pitchFamily="34" charset="0"/>
-              <a:cs typeface="Lato" panose="020F0502020204030203" pitchFamily="34" charset="0"/>
-            </a:endParaRPr>
-          </a:p>
-          <a:p>
-            <a:pPr algn="ctr"/>
-            <a:endParaRPr lang="en-US" dirty="0">
-              <a:solidFill>
-                <a:schemeClr val="bg1"/>
-              </a:solidFill>
-              <a:latin typeface="Lato" panose="020F0502020204030203" pitchFamily="34" charset="0"/>
-              <a:ea typeface="Lato" panose="020F0502020204030203" pitchFamily="34" charset="0"/>
-              <a:cs typeface="Lato" panose="020F0502020204030203" pitchFamily="34" charset="0"/>
-            </a:endParaRPr>
-          </a:p>
-        </p:txBody>
-      </p:sp>
-      <p:cxnSp>
-        <p:nvCxnSpPr>
-          <p:cNvPr id="35" name="Straight Arrow Connector 34">
-            <a:extLst>
-              <a:ext uri="{FF2B5EF4-FFF2-40B4-BE49-F238E27FC236}">
-                <a16:creationId xmlns:a16="http://schemas.microsoft.com/office/drawing/2014/main" id="{AB242874-1D3D-2C4C-90A6-CA7043C7651C}"/>
-              </a:ext>
-            </a:extLst>
-          </p:cNvPr>
-          <p:cNvCxnSpPr>
-            <a:cxnSpLocks/>
-            <a:stCxn id="31" idx="3"/>
-          </p:cNvCxnSpPr>
-          <p:nvPr/>
-        </p:nvCxnSpPr>
-        <p:spPr>
-          <a:xfrm flipV="1">
-            <a:off x="2448315" y="4050768"/>
-            <a:ext cx="1146865" cy="182892"/>
-          </a:xfrm>
-          <a:prstGeom prst="straightConnector1">
-            <a:avLst/>
-          </a:prstGeom>
-          <a:ln w="38100" cmpd="sng">
-            <a:solidFill>
-              <a:schemeClr val="bg1"/>
-            </a:solidFill>
-            <a:tailEnd type="triangle"/>
-          </a:ln>
-          <a:effectLst/>
-        </p:spPr>
-        <p:style>
-          <a:lnRef idx="2">
-            <a:schemeClr val="accent1"/>
-          </a:lnRef>
-          <a:fillRef idx="0">
-            <a:schemeClr val="accent1"/>
-          </a:fillRef>
-          <a:effectRef idx="1">
-            <a:schemeClr val="accent1"/>
-          </a:effectRef>
-          <a:fontRef idx="minor">
-            <a:schemeClr val="tx1"/>
-          </a:fontRef>
-        </p:style>
-      </p:cxnSp>
-      <p:cxnSp>
-        <p:nvCxnSpPr>
-          <p:cNvPr id="36" name="Straight Arrow Connector 35">
-            <a:extLst>
-              <a:ext uri="{FF2B5EF4-FFF2-40B4-BE49-F238E27FC236}">
-                <a16:creationId xmlns:a16="http://schemas.microsoft.com/office/drawing/2014/main" id="{63FC954B-4275-F24F-8C71-26C8804EC780}"/>
-              </a:ext>
-            </a:extLst>
-          </p:cNvPr>
-          <p:cNvCxnSpPr>
-            <a:cxnSpLocks/>
-            <a:stCxn id="32" idx="3"/>
-          </p:cNvCxnSpPr>
-          <p:nvPr/>
-        </p:nvCxnSpPr>
-        <p:spPr>
-          <a:xfrm flipV="1">
-            <a:off x="2468138" y="4086053"/>
-            <a:ext cx="1145580" cy="1252797"/>
-          </a:xfrm>
-          <a:prstGeom prst="straightConnector1">
-            <a:avLst/>
-          </a:prstGeom>
-          <a:ln w="38100" cmpd="sng">
-            <a:solidFill>
-              <a:schemeClr val="bg1"/>
-            </a:solidFill>
-            <a:tailEnd type="triangle"/>
-          </a:ln>
-          <a:effectLst/>
-        </p:spPr>
-        <p:style>
-          <a:lnRef idx="2">
-            <a:schemeClr val="accent1"/>
-          </a:lnRef>
-          <a:fillRef idx="0">
-            <a:schemeClr val="accent1"/>
-          </a:fillRef>
-          <a:effectRef idx="1">
-            <a:schemeClr val="accent1"/>
-          </a:effectRef>
-          <a:fontRef idx="minor">
-            <a:schemeClr val="tx1"/>
-          </a:fontRef>
-        </p:style>
-      </p:cxnSp>
-    </p:spTree>
-    <p:extLst>
-      <p:ext uri="{BB962C8B-B14F-4D97-AF65-F5344CB8AC3E}">
-        <p14:creationId xmlns:p14="http://schemas.microsoft.com/office/powerpoint/2010/main" val="166118029"/>
+        <p14:creationId xmlns:p14="http://schemas.microsoft.com/office/powerpoint/2010/main" val="700069385"/>
       </p:ext>
     </p:extLst>
   </p:cSld>
